--- a/units/10/lessons/1/resources/petascale-lesson-10.1-slides.pptx
+++ b/units/10/lessons/1/resources/petascale-lesson-10.1-slides.pptx
@@ -1,29 +1,30 @@
 
 <file path=ppt/presentation.xml><?xml version="1.0" encoding="utf-8"?>
-<p:presentation xmlns:a="http://schemas.openxmlformats.org/drawingml/2006/main" xmlns:r="http://schemas.openxmlformats.org/officeDocument/2006/relationships" xmlns:mc="http://schemas.openxmlformats.org/markup-compatibility/2006" xmlns:mv="urn:schemas-microsoft-com:mac:vml" xmlns:p="http://schemas.openxmlformats.org/presentationml/2006/main" xmlns:c="http://schemas.openxmlformats.org/drawingml/2006/chart" xmlns:dgm="http://schemas.openxmlformats.org/drawingml/2006/diagram" xmlns:o="urn:schemas-microsoft-com:office:office" xmlns:v="urn:schemas-microsoft-com:vml" xmlns:pvml="urn:schemas-microsoft-com:office:powerpoint" xmlns:com="http://schemas.openxmlformats.org/drawingml/2006/compatibility" xmlns:p14="http://schemas.microsoft.com/office/powerpoint/2010/main" xmlns:p15="http://schemas.microsoft.com/office/powerpoint/2012/main" autoCompressPictures="0" strictFirstAndLastChars="0" saveSubsetFonts="1">
+<p:presentation xmlns:a="http://schemas.openxmlformats.org/drawingml/2006/main" xmlns:r="http://schemas.openxmlformats.org/officeDocument/2006/relationships" xmlns:p="http://schemas.openxmlformats.org/presentationml/2006/main" strictFirstAndLastChars="0" saveSubsetFonts="1" autoCompressPictures="0">
   <p:sldMasterIdLst>
-    <p:sldMasterId id="2147483659" r:id="rId4"/>
+    <p:sldMasterId id="2147483659" r:id="rId1"/>
   </p:sldMasterIdLst>
   <p:notesMasterIdLst>
-    <p:notesMasterId r:id="rId5"/>
+    <p:notesMasterId r:id="rId14"/>
   </p:notesMasterIdLst>
   <p:sldIdLst>
-    <p:sldId id="256" r:id="rId6"/>
-    <p:sldId id="257" r:id="rId7"/>
-    <p:sldId id="258" r:id="rId8"/>
-    <p:sldId id="259" r:id="rId9"/>
-    <p:sldId id="260" r:id="rId10"/>
-    <p:sldId id="261" r:id="rId11"/>
-    <p:sldId id="262" r:id="rId12"/>
-    <p:sldId id="263" r:id="rId13"/>
-    <p:sldId id="264" r:id="rId14"/>
-    <p:sldId id="265" r:id="rId15"/>
-    <p:sldId id="266" r:id="rId16"/>
+    <p:sldId id="267" r:id="rId2"/>
+    <p:sldId id="268" r:id="rId3"/>
+    <p:sldId id="257" r:id="rId4"/>
+    <p:sldId id="258" r:id="rId5"/>
+    <p:sldId id="259" r:id="rId6"/>
+    <p:sldId id="260" r:id="rId7"/>
+    <p:sldId id="261" r:id="rId8"/>
+    <p:sldId id="262" r:id="rId9"/>
+    <p:sldId id="263" r:id="rId10"/>
+    <p:sldId id="264" r:id="rId11"/>
+    <p:sldId id="265" r:id="rId12"/>
+    <p:sldId id="266" r:id="rId13"/>
   </p:sldIdLst>
-  <p:sldSz cy="5143500" cx="9144000"/>
+  <p:sldSz cx="9144000" cy="5143500" type="screen16x9"/>
   <p:notesSz cx="6858000" cy="9144000"/>
   <p:defaultTextStyle>
-    <a:defPPr lvl="0" marR="0" rtl="0" algn="l">
+    <a:defPPr marR="0" lvl="0" algn="l" rtl="0">
       <a:lnSpc>
         <a:spcPct val="100000"/>
       </a:lnSpc>
@@ -34,7 +35,7 @@
         <a:spcPts val="0"/>
       </a:spcAft>
     </a:defPPr>
-    <a:lvl1pPr lvl="0" marR="0" rtl="0" algn="l">
+    <a:lvl1pPr marR="0" lvl="0" algn="l" rtl="0">
       <a:lnSpc>
         <a:spcPct val="100000"/>
       </a:lnSpc>
@@ -48,7 +49,7 @@
         <a:srgbClr val="000000"/>
       </a:buClr>
       <a:buFont typeface="Arial"/>
-      <a:defRPr b="0" i="0" sz="1400" u="none" cap="none" strike="noStrike">
+      <a:defRPr sz="1400" b="0" i="0" u="none" strike="noStrike" cap="none">
         <a:solidFill>
           <a:srgbClr val="000000"/>
         </a:solidFill>
@@ -58,7 +59,7 @@
         <a:sym typeface="Arial"/>
       </a:defRPr>
     </a:lvl1pPr>
-    <a:lvl2pPr lvl="1" marR="0" rtl="0" algn="l">
+    <a:lvl2pPr marR="0" lvl="1" algn="l" rtl="0">
       <a:lnSpc>
         <a:spcPct val="100000"/>
       </a:lnSpc>
@@ -72,7 +73,7 @@
         <a:srgbClr val="000000"/>
       </a:buClr>
       <a:buFont typeface="Arial"/>
-      <a:defRPr b="0" i="0" sz="1400" u="none" cap="none" strike="noStrike">
+      <a:defRPr sz="1400" b="0" i="0" u="none" strike="noStrike" cap="none">
         <a:solidFill>
           <a:srgbClr val="000000"/>
         </a:solidFill>
@@ -82,7 +83,7 @@
         <a:sym typeface="Arial"/>
       </a:defRPr>
     </a:lvl2pPr>
-    <a:lvl3pPr lvl="2" marR="0" rtl="0" algn="l">
+    <a:lvl3pPr marR="0" lvl="2" algn="l" rtl="0">
       <a:lnSpc>
         <a:spcPct val="100000"/>
       </a:lnSpc>
@@ -96,7 +97,7 @@
         <a:srgbClr val="000000"/>
       </a:buClr>
       <a:buFont typeface="Arial"/>
-      <a:defRPr b="0" i="0" sz="1400" u="none" cap="none" strike="noStrike">
+      <a:defRPr sz="1400" b="0" i="0" u="none" strike="noStrike" cap="none">
         <a:solidFill>
           <a:srgbClr val="000000"/>
         </a:solidFill>
@@ -106,7 +107,7 @@
         <a:sym typeface="Arial"/>
       </a:defRPr>
     </a:lvl3pPr>
-    <a:lvl4pPr lvl="3" marR="0" rtl="0" algn="l">
+    <a:lvl4pPr marR="0" lvl="3" algn="l" rtl="0">
       <a:lnSpc>
         <a:spcPct val="100000"/>
       </a:lnSpc>
@@ -120,7 +121,7 @@
         <a:srgbClr val="000000"/>
       </a:buClr>
       <a:buFont typeface="Arial"/>
-      <a:defRPr b="0" i="0" sz="1400" u="none" cap="none" strike="noStrike">
+      <a:defRPr sz="1400" b="0" i="0" u="none" strike="noStrike" cap="none">
         <a:solidFill>
           <a:srgbClr val="000000"/>
         </a:solidFill>
@@ -130,7 +131,7 @@
         <a:sym typeface="Arial"/>
       </a:defRPr>
     </a:lvl4pPr>
-    <a:lvl5pPr lvl="4" marR="0" rtl="0" algn="l">
+    <a:lvl5pPr marR="0" lvl="4" algn="l" rtl="0">
       <a:lnSpc>
         <a:spcPct val="100000"/>
       </a:lnSpc>
@@ -144,7 +145,7 @@
         <a:srgbClr val="000000"/>
       </a:buClr>
       <a:buFont typeface="Arial"/>
-      <a:defRPr b="0" i="0" sz="1400" u="none" cap="none" strike="noStrike">
+      <a:defRPr sz="1400" b="0" i="0" u="none" strike="noStrike" cap="none">
         <a:solidFill>
           <a:srgbClr val="000000"/>
         </a:solidFill>
@@ -154,7 +155,7 @@
         <a:sym typeface="Arial"/>
       </a:defRPr>
     </a:lvl5pPr>
-    <a:lvl6pPr lvl="5" marR="0" rtl="0" algn="l">
+    <a:lvl6pPr marR="0" lvl="5" algn="l" rtl="0">
       <a:lnSpc>
         <a:spcPct val="100000"/>
       </a:lnSpc>
@@ -168,7 +169,7 @@
         <a:srgbClr val="000000"/>
       </a:buClr>
       <a:buFont typeface="Arial"/>
-      <a:defRPr b="0" i="0" sz="1400" u="none" cap="none" strike="noStrike">
+      <a:defRPr sz="1400" b="0" i="0" u="none" strike="noStrike" cap="none">
         <a:solidFill>
           <a:srgbClr val="000000"/>
         </a:solidFill>
@@ -178,7 +179,7 @@
         <a:sym typeface="Arial"/>
       </a:defRPr>
     </a:lvl6pPr>
-    <a:lvl7pPr lvl="6" marR="0" rtl="0" algn="l">
+    <a:lvl7pPr marR="0" lvl="6" algn="l" rtl="0">
       <a:lnSpc>
         <a:spcPct val="100000"/>
       </a:lnSpc>
@@ -192,7 +193,7 @@
         <a:srgbClr val="000000"/>
       </a:buClr>
       <a:buFont typeface="Arial"/>
-      <a:defRPr b="0" i="0" sz="1400" u="none" cap="none" strike="noStrike">
+      <a:defRPr sz="1400" b="0" i="0" u="none" strike="noStrike" cap="none">
         <a:solidFill>
           <a:srgbClr val="000000"/>
         </a:solidFill>
@@ -202,7 +203,7 @@
         <a:sym typeface="Arial"/>
       </a:defRPr>
     </a:lvl7pPr>
-    <a:lvl8pPr lvl="7" marR="0" rtl="0" algn="l">
+    <a:lvl8pPr marR="0" lvl="7" algn="l" rtl="0">
       <a:lnSpc>
         <a:spcPct val="100000"/>
       </a:lnSpc>
@@ -216,7 +217,7 @@
         <a:srgbClr val="000000"/>
       </a:buClr>
       <a:buFont typeface="Arial"/>
-      <a:defRPr b="0" i="0" sz="1400" u="none" cap="none" strike="noStrike">
+      <a:defRPr sz="1400" b="0" i="0" u="none" strike="noStrike" cap="none">
         <a:solidFill>
           <a:srgbClr val="000000"/>
         </a:solidFill>
@@ -226,7 +227,7 @@
         <a:sym typeface="Arial"/>
       </a:defRPr>
     </a:lvl8pPr>
-    <a:lvl9pPr lvl="8" marR="0" rtl="0" algn="l">
+    <a:lvl9pPr marR="0" lvl="8" algn="l" rtl="0">
       <a:lnSpc>
         <a:spcPct val="100000"/>
       </a:lnSpc>
@@ -240,7 +241,7 @@
         <a:srgbClr val="000000"/>
       </a:buClr>
       <a:buFont typeface="Arial"/>
-      <a:defRPr b="0" i="0" sz="1400" u="none" cap="none" strike="noStrike">
+      <a:defRPr sz="1400" b="0" i="0" u="none" strike="noStrike" cap="none">
         <a:solidFill>
           <a:srgbClr val="000000"/>
         </a:solidFill>
@@ -253,7 +254,7 @@
   </p:defaultTextStyle>
   <p:extLst>
     <p:ext uri="{EFAFB233-063F-42B5-8137-9DF3F51BA10A}">
-      <p15:sldGuideLst>
+      <p15:sldGuideLst xmlns:p15="http://schemas.microsoft.com/office/powerpoint/2012/main">
         <p15:guide id="1" orient="horz" pos="1620">
           <p15:clr>
             <a:srgbClr val="A4A3A4"/>
@@ -271,11 +272,16 @@
 </file>
 
 <file path=ppt/notesMasters/notesMaster1.xml><?xml version="1.0" encoding="utf-8"?>
-<p:notesMaster xmlns:a="http://schemas.openxmlformats.org/drawingml/2006/main" xmlns:r="http://schemas.openxmlformats.org/officeDocument/2006/relationships" xmlns:mc="http://schemas.openxmlformats.org/markup-compatibility/2006" xmlns:mv="urn:schemas-microsoft-com:mac:vml" xmlns:p="http://schemas.openxmlformats.org/presentationml/2006/main" xmlns:c="http://schemas.openxmlformats.org/drawingml/2006/chart" xmlns:dgm="http://schemas.openxmlformats.org/drawingml/2006/diagram" xmlns:o="urn:schemas-microsoft-com:office:office" xmlns:v="urn:schemas-microsoft-com:vml" xmlns:pvml="urn:schemas-microsoft-com:office:powerpoint" xmlns:com="http://schemas.openxmlformats.org/drawingml/2006/compatibility" xmlns:p14="http://schemas.microsoft.com/office/powerpoint/2010/main" xmlns:p15="http://schemas.microsoft.com/office/powerpoint/2012/main">
+<p:notesMaster xmlns:a="http://schemas.openxmlformats.org/drawingml/2006/main" xmlns:r="http://schemas.openxmlformats.org/officeDocument/2006/relationships" xmlns:p="http://schemas.openxmlformats.org/presentationml/2006/main">
   <p:cSld>
+    <p:bg>
+      <p:bgRef idx="1001">
+        <a:schemeClr val="bg1"/>
+      </p:bgRef>
+    </p:bg>
     <p:spTree>
       <p:nvGrpSpPr>
-        <p:cNvPr id="2" name="Shape 2"/>
+        <p:cNvPr id="1" name="Shape 2"/>
         <p:cNvGrpSpPr/>
         <p:nvPr/>
       </p:nvGrpSpPr>
@@ -290,9 +296,11 @@
       <p:sp>
         <p:nvSpPr>
           <p:cNvPr id="3" name="Google Shape;3;n"/>
-          <p:cNvSpPr/>
+          <p:cNvSpPr>
+            <a:spLocks noGrp="1" noRot="1" noChangeAspect="1"/>
+          </p:cNvSpPr>
           <p:nvPr>
-            <p:ph idx="2" type="sldImg"/>
+            <p:ph type="sldImg" idx="2"/>
           </p:nvPr>
         </p:nvSpPr>
         <p:spPr>
@@ -301,9 +309,13 @@
             <a:ext cx="6096075" cy="3429000"/>
           </a:xfrm>
           <a:custGeom>
-            <a:rect b="b" l="l" r="r" t="t"/>
+            <a:avLst/>
+            <a:gdLst/>
+            <a:ahLst/>
+            <a:cxnLst/>
+            <a:rect l="l" t="t" r="r" b="b"/>
             <a:pathLst>
-              <a:path extrusionOk="0" h="120000" w="120000">
+              <a:path w="120000" h="120000" extrusionOk="0">
                 <a:moveTo>
                   <a:pt x="0" y="0"/>
                 </a:moveTo>
@@ -321,23 +333,25 @@
             </a:pathLst>
           </a:custGeom>
           <a:noFill/>
-          <a:ln cap="flat" cmpd="sng" w="9525">
+          <a:ln w="9525" cap="flat" cmpd="sng">
             <a:solidFill>
               <a:srgbClr val="000000"/>
             </a:solidFill>
             <a:prstDash val="solid"/>
             <a:round/>
-            <a:headEnd len="sm" w="sm" type="none"/>
-            <a:tailEnd len="sm" w="sm" type="none"/>
+            <a:headEnd type="none" w="sm" len="sm"/>
+            <a:tailEnd type="none" w="sm" len="sm"/>
           </a:ln>
         </p:spPr>
       </p:sp>
       <p:sp>
         <p:nvSpPr>
           <p:cNvPr id="4" name="Google Shape;4;n"/>
-          <p:cNvSpPr txBox="1"/>
+          <p:cNvSpPr txBox="1">
+            <a:spLocks noGrp="1"/>
+          </p:cNvSpPr>
           <p:nvPr>
-            <p:ph idx="1" type="body"/>
+            <p:ph type="body" idx="1"/>
           </p:nvPr>
         </p:nvSpPr>
         <p:spPr>
@@ -354,11 +368,11 @@
           </a:ln>
         </p:spPr>
         <p:txBody>
-          <a:bodyPr anchorCtr="0" anchor="t" bIns="91425" lIns="91425" spcFirstLastPara="1" rIns="91425" wrap="square" tIns="91425">
+          <a:bodyPr spcFirstLastPara="1" wrap="square" lIns="91425" tIns="91425" rIns="91425" bIns="91425" anchor="t" anchorCtr="0">
             <a:noAutofit/>
           </a:bodyPr>
           <a:lstStyle>
-            <a:lvl1pPr indent="-298450" lvl="0" marL="457200">
+            <a:lvl1pPr marL="457200" lvl="0" indent="-298450">
               <a:spcBef>
                 <a:spcPts val="0"/>
               </a:spcBef>
@@ -369,7 +383,7 @@
               <a:buChar char="●"/>
               <a:defRPr sz="1100"/>
             </a:lvl1pPr>
-            <a:lvl2pPr indent="-298450" lvl="1" marL="914400">
+            <a:lvl2pPr marL="914400" lvl="1" indent="-298450">
               <a:spcBef>
                 <a:spcPts val="0"/>
               </a:spcBef>
@@ -380,7 +394,7 @@
               <a:buChar char="○"/>
               <a:defRPr sz="1100"/>
             </a:lvl2pPr>
-            <a:lvl3pPr indent="-298450" lvl="2" marL="1371600">
+            <a:lvl3pPr marL="1371600" lvl="2" indent="-298450">
               <a:spcBef>
                 <a:spcPts val="0"/>
               </a:spcBef>
@@ -391,7 +405,7 @@
               <a:buChar char="■"/>
               <a:defRPr sz="1100"/>
             </a:lvl3pPr>
-            <a:lvl4pPr indent="-298450" lvl="3" marL="1828800">
+            <a:lvl4pPr marL="1828800" lvl="3" indent="-298450">
               <a:spcBef>
                 <a:spcPts val="0"/>
               </a:spcBef>
@@ -402,7 +416,7 @@
               <a:buChar char="●"/>
               <a:defRPr sz="1100"/>
             </a:lvl4pPr>
-            <a:lvl5pPr indent="-298450" lvl="4" marL="2286000">
+            <a:lvl5pPr marL="2286000" lvl="4" indent="-298450">
               <a:spcBef>
                 <a:spcPts val="0"/>
               </a:spcBef>
@@ -413,7 +427,7 @@
               <a:buChar char="○"/>
               <a:defRPr sz="1100"/>
             </a:lvl5pPr>
-            <a:lvl6pPr indent="-298450" lvl="5" marL="2743200">
+            <a:lvl6pPr marL="2743200" lvl="5" indent="-298450">
               <a:spcBef>
                 <a:spcPts val="0"/>
               </a:spcBef>
@@ -424,7 +438,7 @@
               <a:buChar char="■"/>
               <a:defRPr sz="1100"/>
             </a:lvl6pPr>
-            <a:lvl7pPr indent="-298450" lvl="6" marL="3200400">
+            <a:lvl7pPr marL="3200400" lvl="6" indent="-298450">
               <a:spcBef>
                 <a:spcPts val="0"/>
               </a:spcBef>
@@ -435,7 +449,7 @@
               <a:buChar char="●"/>
               <a:defRPr sz="1100"/>
             </a:lvl7pPr>
-            <a:lvl8pPr indent="-298450" lvl="7" marL="3657600">
+            <a:lvl8pPr marL="3657600" lvl="7" indent="-298450">
               <a:spcBef>
                 <a:spcPts val="0"/>
               </a:spcBef>
@@ -446,7 +460,7 @@
               <a:buChar char="○"/>
               <a:defRPr sz="1100"/>
             </a:lvl8pPr>
-            <a:lvl9pPr indent="-298450" lvl="8" marL="4114800">
+            <a:lvl9pPr marL="4114800" lvl="8" indent="-298450">
               <a:spcBef>
                 <a:spcPts val="0"/>
               </a:spcBef>
@@ -458,14 +472,16 @@
               <a:defRPr sz="1100"/>
             </a:lvl9pPr>
           </a:lstStyle>
-          <a:p/>
+          <a:p>
+            <a:endParaRPr/>
+          </a:p>
         </p:txBody>
       </p:sp>
     </p:spTree>
   </p:cSld>
-  <p:clrMap accent1="accent1" accent2="accent2" accent3="accent3" accent4="accent4" accent5="accent5" accent6="accent6" bg1="lt1" bg2="dk2" tx1="dk1" tx2="lt2" folHlink="folHlink" hlink="hlink"/>
+  <p:clrMap bg1="lt1" tx1="dk1" bg2="dk2" tx2="lt2" accent1="accent1" accent2="accent2" accent3="accent3" accent4="accent4" accent5="accent5" accent6="accent6" hlink="hlink" folHlink="folHlink"/>
   <p:notesStyle>
-    <a:defPPr lvl="0" marR="0" rtl="0" algn="l">
+    <a:defPPr marR="0" lvl="0" algn="l" rtl="0">
       <a:lnSpc>
         <a:spcPct val="100000"/>
       </a:lnSpc>
@@ -476,7 +492,7 @@
         <a:spcPts val="0"/>
       </a:spcAft>
     </a:defPPr>
-    <a:lvl1pPr lvl="0" marR="0" rtl="0" algn="l">
+    <a:lvl1pPr marR="0" lvl="0" algn="l" rtl="0">
       <a:lnSpc>
         <a:spcPct val="100000"/>
       </a:lnSpc>
@@ -490,7 +506,7 @@
         <a:srgbClr val="000000"/>
       </a:buClr>
       <a:buFont typeface="Arial"/>
-      <a:defRPr b="0" i="0" sz="1400" u="none" cap="none" strike="noStrike">
+      <a:defRPr sz="1400" b="0" i="0" u="none" strike="noStrike" cap="none">
         <a:solidFill>
           <a:srgbClr val="000000"/>
         </a:solidFill>
@@ -500,7 +516,7 @@
         <a:sym typeface="Arial"/>
       </a:defRPr>
     </a:lvl1pPr>
-    <a:lvl2pPr lvl="1" marR="0" rtl="0" algn="l">
+    <a:lvl2pPr marR="0" lvl="1" algn="l" rtl="0">
       <a:lnSpc>
         <a:spcPct val="100000"/>
       </a:lnSpc>
@@ -514,7 +530,7 @@
         <a:srgbClr val="000000"/>
       </a:buClr>
       <a:buFont typeface="Arial"/>
-      <a:defRPr b="0" i="0" sz="1400" u="none" cap="none" strike="noStrike">
+      <a:defRPr sz="1400" b="0" i="0" u="none" strike="noStrike" cap="none">
         <a:solidFill>
           <a:srgbClr val="000000"/>
         </a:solidFill>
@@ -524,7 +540,7 @@
         <a:sym typeface="Arial"/>
       </a:defRPr>
     </a:lvl2pPr>
-    <a:lvl3pPr lvl="2" marR="0" rtl="0" algn="l">
+    <a:lvl3pPr marR="0" lvl="2" algn="l" rtl="0">
       <a:lnSpc>
         <a:spcPct val="100000"/>
       </a:lnSpc>
@@ -538,7 +554,7 @@
         <a:srgbClr val="000000"/>
       </a:buClr>
       <a:buFont typeface="Arial"/>
-      <a:defRPr b="0" i="0" sz="1400" u="none" cap="none" strike="noStrike">
+      <a:defRPr sz="1400" b="0" i="0" u="none" strike="noStrike" cap="none">
         <a:solidFill>
           <a:srgbClr val="000000"/>
         </a:solidFill>
@@ -548,7 +564,7 @@
         <a:sym typeface="Arial"/>
       </a:defRPr>
     </a:lvl3pPr>
-    <a:lvl4pPr lvl="3" marR="0" rtl="0" algn="l">
+    <a:lvl4pPr marR="0" lvl="3" algn="l" rtl="0">
       <a:lnSpc>
         <a:spcPct val="100000"/>
       </a:lnSpc>
@@ -562,7 +578,7 @@
         <a:srgbClr val="000000"/>
       </a:buClr>
       <a:buFont typeface="Arial"/>
-      <a:defRPr b="0" i="0" sz="1400" u="none" cap="none" strike="noStrike">
+      <a:defRPr sz="1400" b="0" i="0" u="none" strike="noStrike" cap="none">
         <a:solidFill>
           <a:srgbClr val="000000"/>
         </a:solidFill>
@@ -572,7 +588,7 @@
         <a:sym typeface="Arial"/>
       </a:defRPr>
     </a:lvl4pPr>
-    <a:lvl5pPr lvl="4" marR="0" rtl="0" algn="l">
+    <a:lvl5pPr marR="0" lvl="4" algn="l" rtl="0">
       <a:lnSpc>
         <a:spcPct val="100000"/>
       </a:lnSpc>
@@ -586,7 +602,7 @@
         <a:srgbClr val="000000"/>
       </a:buClr>
       <a:buFont typeface="Arial"/>
-      <a:defRPr b="0" i="0" sz="1400" u="none" cap="none" strike="noStrike">
+      <a:defRPr sz="1400" b="0" i="0" u="none" strike="noStrike" cap="none">
         <a:solidFill>
           <a:srgbClr val="000000"/>
         </a:solidFill>
@@ -596,7 +612,7 @@
         <a:sym typeface="Arial"/>
       </a:defRPr>
     </a:lvl5pPr>
-    <a:lvl6pPr lvl="5" marR="0" rtl="0" algn="l">
+    <a:lvl6pPr marR="0" lvl="5" algn="l" rtl="0">
       <a:lnSpc>
         <a:spcPct val="100000"/>
       </a:lnSpc>
@@ -610,7 +626,7 @@
         <a:srgbClr val="000000"/>
       </a:buClr>
       <a:buFont typeface="Arial"/>
-      <a:defRPr b="0" i="0" sz="1400" u="none" cap="none" strike="noStrike">
+      <a:defRPr sz="1400" b="0" i="0" u="none" strike="noStrike" cap="none">
         <a:solidFill>
           <a:srgbClr val="000000"/>
         </a:solidFill>
@@ -620,7 +636,7 @@
         <a:sym typeface="Arial"/>
       </a:defRPr>
     </a:lvl6pPr>
-    <a:lvl7pPr lvl="6" marR="0" rtl="0" algn="l">
+    <a:lvl7pPr marR="0" lvl="6" algn="l" rtl="0">
       <a:lnSpc>
         <a:spcPct val="100000"/>
       </a:lnSpc>
@@ -634,7 +650,7 @@
         <a:srgbClr val="000000"/>
       </a:buClr>
       <a:buFont typeface="Arial"/>
-      <a:defRPr b="0" i="0" sz="1400" u="none" cap="none" strike="noStrike">
+      <a:defRPr sz="1400" b="0" i="0" u="none" strike="noStrike" cap="none">
         <a:solidFill>
           <a:srgbClr val="000000"/>
         </a:solidFill>
@@ -644,7 +660,7 @@
         <a:sym typeface="Arial"/>
       </a:defRPr>
     </a:lvl7pPr>
-    <a:lvl8pPr lvl="7" marR="0" rtl="0" algn="l">
+    <a:lvl8pPr marR="0" lvl="7" algn="l" rtl="0">
       <a:lnSpc>
         <a:spcPct val="100000"/>
       </a:lnSpc>
@@ -658,7 +674,7 @@
         <a:srgbClr val="000000"/>
       </a:buClr>
       <a:buFont typeface="Arial"/>
-      <a:defRPr b="0" i="0" sz="1400" u="none" cap="none" strike="noStrike">
+      <a:defRPr sz="1400" b="0" i="0" u="none" strike="noStrike" cap="none">
         <a:solidFill>
           <a:srgbClr val="000000"/>
         </a:solidFill>
@@ -668,7 +684,7 @@
         <a:sym typeface="Arial"/>
       </a:defRPr>
     </a:lvl8pPr>
-    <a:lvl9pPr lvl="8" marR="0" rtl="0" algn="l">
+    <a:lvl9pPr marR="0" lvl="8" algn="l" rtl="0">
       <a:lnSpc>
         <a:spcPct val="100000"/>
       </a:lnSpc>
@@ -682,7 +698,7 @@
         <a:srgbClr val="000000"/>
       </a:buClr>
       <a:buFont typeface="Arial"/>
-      <a:defRPr b="0" i="0" sz="1400" u="none" cap="none" strike="noStrike">
+      <a:defRPr sz="1400" b="0" i="0" u="none" strike="noStrike" cap="none">
         <a:solidFill>
           <a:srgbClr val="000000"/>
         </a:solidFill>
@@ -697,11 +713,11 @@
 </file>
 
 <file path=ppt/notesSlides/notesSlide1.xml><?xml version="1.0" encoding="utf-8"?>
-<p:notes xmlns:a="http://schemas.openxmlformats.org/drawingml/2006/main" xmlns:r="http://schemas.openxmlformats.org/officeDocument/2006/relationships" xmlns:mc="http://schemas.openxmlformats.org/markup-compatibility/2006" xmlns:mv="urn:schemas-microsoft-com:mac:vml" xmlns:p="http://schemas.openxmlformats.org/presentationml/2006/main" xmlns:c="http://schemas.openxmlformats.org/drawingml/2006/chart" xmlns:dgm="http://schemas.openxmlformats.org/drawingml/2006/diagram" xmlns:o="urn:schemas-microsoft-com:office:office" xmlns:v="urn:schemas-microsoft-com:vml" xmlns:pvml="urn:schemas-microsoft-com:office:powerpoint" xmlns:com="http://schemas.openxmlformats.org/drawingml/2006/compatibility" xmlns:p14="http://schemas.microsoft.com/office/powerpoint/2010/main" xmlns:p15="http://schemas.microsoft.com/office/powerpoint/2012/main" showMasterPhAnim="0" showMasterSp="0">
+<p:notes xmlns:a="http://schemas.openxmlformats.org/drawingml/2006/main" xmlns:r="http://schemas.openxmlformats.org/officeDocument/2006/relationships" xmlns:p="http://schemas.openxmlformats.org/presentationml/2006/main">
   <p:cSld>
     <p:spTree>
       <p:nvGrpSpPr>
-        <p:cNvPr id="50" name="Shape 50"/>
+        <p:cNvPr id="1" name=""/>
         <p:cNvGrpSpPr/>
         <p:nvPr/>
       </p:nvGrpSpPr>
@@ -715,79 +731,65 @@
       </p:grpSpPr>
       <p:sp>
         <p:nvSpPr>
-          <p:cNvPr id="51" name="Google Shape;51;p:notes"/>
-          <p:cNvSpPr/>
+          <p:cNvPr id="2" name="Slide Image Placeholder 1"/>
+          <p:cNvSpPr>
+            <a:spLocks noGrp="1" noRot="1" noChangeAspect="1"/>
+          </p:cNvSpPr>
           <p:nvPr>
-            <p:ph idx="2" type="sldImg"/>
+            <p:ph type="sldImg"/>
           </p:nvPr>
         </p:nvSpPr>
         <p:spPr>
           <a:xfrm>
-            <a:off x="381300" y="685800"/>
-            <a:ext cx="6096075" cy="3429000"/>
+            <a:off x="381000" y="685800"/>
+            <a:ext cx="6096000" cy="3429000"/>
           </a:xfrm>
-          <a:custGeom>
-            <a:rect b="b" l="l" r="r" t="t"/>
-            <a:pathLst>
-              <a:path extrusionOk="0" h="120000" w="120000">
-                <a:moveTo>
-                  <a:pt x="0" y="0"/>
-                </a:moveTo>
-                <a:lnTo>
-                  <a:pt x="120000" y="0"/>
-                </a:lnTo>
-                <a:lnTo>
-                  <a:pt x="120000" y="120000"/>
-                </a:lnTo>
-                <a:lnTo>
-                  <a:pt x="0" y="120000"/>
-                </a:lnTo>
-                <a:close/>
-              </a:path>
-            </a:pathLst>
-          </a:custGeom>
         </p:spPr>
       </p:sp>
       <p:sp>
         <p:nvSpPr>
-          <p:cNvPr id="52" name="Google Shape;52;p:notes"/>
-          <p:cNvSpPr txBox="1"/>
+          <p:cNvPr id="3" name="Notes Placeholder 2"/>
+          <p:cNvSpPr>
+            <a:spLocks noGrp="1"/>
+          </p:cNvSpPr>
           <p:nvPr>
-            <p:ph idx="1" type="body"/>
+            <p:ph type="body" idx="1"/>
           </p:nvPr>
         </p:nvSpPr>
-        <p:spPr>
-          <a:xfrm>
-            <a:off x="685800" y="4343400"/>
-            <a:ext cx="5486400" cy="4114800"/>
-          </a:xfrm>
-          <a:prstGeom prst="rect">
-            <a:avLst/>
-          </a:prstGeom>
-        </p:spPr>
+        <p:spPr/>
         <p:txBody>
-          <a:bodyPr anchorCtr="0" anchor="t" bIns="91425" lIns="91425" spcFirstLastPara="1" rIns="91425" wrap="square" tIns="91425">
-            <a:noAutofit/>
-          </a:bodyPr>
+          <a:bodyPr/>
           <a:lstStyle/>
           <a:p>
-            <a:pPr indent="0" lvl="0" marL="0" rtl="0" algn="l">
-              <a:spcBef>
-                <a:spcPts val="0"/>
-              </a:spcBef>
-              <a:spcAft>
-                <a:spcPts val="0"/>
-              </a:spcAft>
-              <a:buNone/>
+            <a:pPr marL="457200" marR="0" lvl="0" indent="-298450" algn="l" defTabSz="914400" rtl="0" eaLnBrk="1" fontAlgn="auto" latinLnBrk="0" hangingPunct="1">
+              <a:lnSpc>
+                <a:spcPct val="100000"/>
+              </a:lnSpc>
+              <a:spcBef>
+                <a:spcPts val="0"/>
+              </a:spcBef>
+              <a:spcAft>
+                <a:spcPts val="0"/>
+              </a:spcAft>
+              <a:buClr>
+                <a:srgbClr val="000000"/>
+              </a:buClr>
+              <a:buSzPts val="1100"/>
+              <a:buFont typeface="Arial"/>
+              <a:buNone/>
+              <a:tabLst/>
+              <a:defRPr/>
             </a:pPr>
-            <a:r>
-              <a:t/>
-            </a:r>
-            <a:endParaRPr/>
+            <a:endParaRPr lang="en-US" dirty="0"/>
           </a:p>
         </p:txBody>
       </p:sp>
     </p:spTree>
+    <p:extLst>
+      <p:ext uri="{BB962C8B-B14F-4D97-AF65-F5344CB8AC3E}">
+        <p14:creationId xmlns:p14="http://schemas.microsoft.com/office/powerpoint/2010/main" val="460539706"/>
+      </p:ext>
+    </p:extLst>
   </p:cSld>
   <p:clrMapOvr>
     <a:masterClrMapping/>
@@ -796,11 +798,11 @@
 </file>
 
 <file path=ppt/notesSlides/notesSlide10.xml><?xml version="1.0" encoding="utf-8"?>
-<p:notes xmlns:a="http://schemas.openxmlformats.org/drawingml/2006/main" xmlns:r="http://schemas.openxmlformats.org/officeDocument/2006/relationships" xmlns:mc="http://schemas.openxmlformats.org/markup-compatibility/2006" xmlns:mv="urn:schemas-microsoft-com:mac:vml" xmlns:p="http://schemas.openxmlformats.org/presentationml/2006/main" xmlns:c="http://schemas.openxmlformats.org/drawingml/2006/chart" xmlns:dgm="http://schemas.openxmlformats.org/drawingml/2006/diagram" xmlns:o="urn:schemas-microsoft-com:office:office" xmlns:v="urn:schemas-microsoft-com:vml" xmlns:pvml="urn:schemas-microsoft-com:office:powerpoint" xmlns:com="http://schemas.openxmlformats.org/drawingml/2006/compatibility" xmlns:p14="http://schemas.microsoft.com/office/powerpoint/2010/main" xmlns:p15="http://schemas.microsoft.com/office/powerpoint/2012/main" showMasterPhAnim="0" showMasterSp="0">
+<p:notes xmlns:a="http://schemas.openxmlformats.org/drawingml/2006/main" xmlns:r="http://schemas.openxmlformats.org/officeDocument/2006/relationships" xmlns:p="http://schemas.openxmlformats.org/presentationml/2006/main" showMasterSp="0" showMasterPhAnim="0">
   <p:cSld>
     <p:spTree>
       <p:nvGrpSpPr>
-        <p:cNvPr id="108" name="Shape 108"/>
+        <p:cNvPr id="1" name="Shape 108"/>
         <p:cNvGrpSpPr/>
         <p:nvPr/>
       </p:nvGrpSpPr>
@@ -815,9 +817,11 @@
       <p:sp>
         <p:nvSpPr>
           <p:cNvPr id="109" name="Google Shape;109;g8c149f1519_0_46:notes"/>
-          <p:cNvSpPr/>
+          <p:cNvSpPr>
+            <a:spLocks noGrp="1" noRot="1" noChangeAspect="1"/>
+          </p:cNvSpPr>
           <p:nvPr>
-            <p:ph idx="2" type="sldImg"/>
+            <p:ph type="sldImg" idx="2"/>
           </p:nvPr>
         </p:nvSpPr>
         <p:spPr>
@@ -826,9 +830,13 @@
             <a:ext cx="6096000" cy="3429000"/>
           </a:xfrm>
           <a:custGeom>
-            <a:rect b="b" l="l" r="r" t="t"/>
+            <a:avLst/>
+            <a:gdLst/>
+            <a:ahLst/>
+            <a:cxnLst/>
+            <a:rect l="l" t="t" r="r" b="b"/>
             <a:pathLst>
-              <a:path extrusionOk="0" h="120000" w="120000">
+              <a:path w="120000" h="120000" extrusionOk="0">
                 <a:moveTo>
                   <a:pt x="0" y="0"/>
                 </a:moveTo>
@@ -850,9 +858,11 @@
       <p:sp>
         <p:nvSpPr>
           <p:cNvPr id="110" name="Google Shape;110;g8c149f1519_0_46:notes"/>
-          <p:cNvSpPr txBox="1"/>
+          <p:cNvSpPr txBox="1">
+            <a:spLocks noGrp="1"/>
+          </p:cNvSpPr>
           <p:nvPr>
-            <p:ph idx="1" type="body"/>
+            <p:ph type="body" idx="1"/>
           </p:nvPr>
         </p:nvSpPr>
         <p:spPr>
@@ -865,12 +875,12 @@
           </a:prstGeom>
         </p:spPr>
         <p:txBody>
-          <a:bodyPr anchorCtr="0" anchor="t" bIns="91425" lIns="91425" spcFirstLastPara="1" rIns="91425" wrap="square" tIns="91425">
+          <a:bodyPr spcFirstLastPara="1" wrap="square" lIns="91425" tIns="91425" rIns="91425" bIns="91425" anchor="t" anchorCtr="0">
             <a:noAutofit/>
           </a:bodyPr>
           <a:lstStyle/>
           <a:p>
-            <a:pPr indent="0" lvl="0" marL="0" rtl="0" algn="l">
+            <a:pPr marL="0" lvl="0" indent="0" algn="l" rtl="0">
               <a:spcBef>
                 <a:spcPts val="0"/>
               </a:spcBef>
@@ -879,9 +889,6 @@
               </a:spcAft>
               <a:buNone/>
             </a:pPr>
-            <a:r>
-              <a:t/>
-            </a:r>
             <a:endParaRPr/>
           </a:p>
         </p:txBody>
@@ -895,11 +902,11 @@
 </file>
 
 <file path=ppt/notesSlides/notesSlide11.xml><?xml version="1.0" encoding="utf-8"?>
-<p:notes xmlns:a="http://schemas.openxmlformats.org/drawingml/2006/main" xmlns:r="http://schemas.openxmlformats.org/officeDocument/2006/relationships" xmlns:mc="http://schemas.openxmlformats.org/markup-compatibility/2006" xmlns:mv="urn:schemas-microsoft-com:mac:vml" xmlns:p="http://schemas.openxmlformats.org/presentationml/2006/main" xmlns:c="http://schemas.openxmlformats.org/drawingml/2006/chart" xmlns:dgm="http://schemas.openxmlformats.org/drawingml/2006/diagram" xmlns:o="urn:schemas-microsoft-com:office:office" xmlns:v="urn:schemas-microsoft-com:vml" xmlns:pvml="urn:schemas-microsoft-com:office:powerpoint" xmlns:com="http://schemas.openxmlformats.org/drawingml/2006/compatibility" xmlns:p14="http://schemas.microsoft.com/office/powerpoint/2010/main" xmlns:p15="http://schemas.microsoft.com/office/powerpoint/2012/main" showMasterPhAnim="0" showMasterSp="0">
+<p:notes xmlns:a="http://schemas.openxmlformats.org/drawingml/2006/main" xmlns:r="http://schemas.openxmlformats.org/officeDocument/2006/relationships" xmlns:p="http://schemas.openxmlformats.org/presentationml/2006/main" showMasterSp="0" showMasterPhAnim="0">
   <p:cSld>
     <p:spTree>
       <p:nvGrpSpPr>
-        <p:cNvPr id="114" name="Shape 114"/>
+        <p:cNvPr id="1" name="Shape 114"/>
         <p:cNvGrpSpPr/>
         <p:nvPr/>
       </p:nvGrpSpPr>
@@ -914,9 +921,11 @@
       <p:sp>
         <p:nvSpPr>
           <p:cNvPr id="115" name="Google Shape;115;g8c149f1519_0_51:notes"/>
-          <p:cNvSpPr/>
+          <p:cNvSpPr>
+            <a:spLocks noGrp="1" noRot="1" noChangeAspect="1"/>
+          </p:cNvSpPr>
           <p:nvPr>
-            <p:ph idx="2" type="sldImg"/>
+            <p:ph type="sldImg" idx="2"/>
           </p:nvPr>
         </p:nvSpPr>
         <p:spPr>
@@ -925,9 +934,13 @@
             <a:ext cx="6096000" cy="3429000"/>
           </a:xfrm>
           <a:custGeom>
-            <a:rect b="b" l="l" r="r" t="t"/>
+            <a:avLst/>
+            <a:gdLst/>
+            <a:ahLst/>
+            <a:cxnLst/>
+            <a:rect l="l" t="t" r="r" b="b"/>
             <a:pathLst>
-              <a:path extrusionOk="0" h="120000" w="120000">
+              <a:path w="120000" h="120000" extrusionOk="0">
                 <a:moveTo>
                   <a:pt x="0" y="0"/>
                 </a:moveTo>
@@ -949,9 +962,11 @@
       <p:sp>
         <p:nvSpPr>
           <p:cNvPr id="116" name="Google Shape;116;g8c149f1519_0_51:notes"/>
-          <p:cNvSpPr txBox="1"/>
+          <p:cNvSpPr txBox="1">
+            <a:spLocks noGrp="1"/>
+          </p:cNvSpPr>
           <p:nvPr>
-            <p:ph idx="1" type="body"/>
+            <p:ph type="body" idx="1"/>
           </p:nvPr>
         </p:nvSpPr>
         <p:spPr>
@@ -964,12 +979,12 @@
           </a:prstGeom>
         </p:spPr>
         <p:txBody>
-          <a:bodyPr anchorCtr="0" anchor="t" bIns="91425" lIns="91425" spcFirstLastPara="1" rIns="91425" wrap="square" tIns="91425">
+          <a:bodyPr spcFirstLastPara="1" wrap="square" lIns="91425" tIns="91425" rIns="91425" bIns="91425" anchor="t" anchorCtr="0">
             <a:noAutofit/>
           </a:bodyPr>
           <a:lstStyle/>
           <a:p>
-            <a:pPr indent="0" lvl="0" marL="0" rtl="0" algn="l">
+            <a:pPr marL="0" lvl="0" indent="0" algn="l" rtl="0">
               <a:spcBef>
                 <a:spcPts val="0"/>
               </a:spcBef>
@@ -978,9 +993,6 @@
               </a:spcAft>
               <a:buNone/>
             </a:pPr>
-            <a:r>
-              <a:t/>
-            </a:r>
             <a:endParaRPr/>
           </a:p>
         </p:txBody>
@@ -994,11 +1006,11 @@
 </file>
 
 <file path=ppt/notesSlides/notesSlide2.xml><?xml version="1.0" encoding="utf-8"?>
-<p:notes xmlns:a="http://schemas.openxmlformats.org/drawingml/2006/main" xmlns:r="http://schemas.openxmlformats.org/officeDocument/2006/relationships" xmlns:mc="http://schemas.openxmlformats.org/markup-compatibility/2006" xmlns:mv="urn:schemas-microsoft-com:mac:vml" xmlns:p="http://schemas.openxmlformats.org/presentationml/2006/main" xmlns:c="http://schemas.openxmlformats.org/drawingml/2006/chart" xmlns:dgm="http://schemas.openxmlformats.org/drawingml/2006/diagram" xmlns:o="urn:schemas-microsoft-com:office:office" xmlns:v="urn:schemas-microsoft-com:vml" xmlns:pvml="urn:schemas-microsoft-com:office:powerpoint" xmlns:com="http://schemas.openxmlformats.org/drawingml/2006/compatibility" xmlns:p14="http://schemas.microsoft.com/office/powerpoint/2010/main" xmlns:p15="http://schemas.microsoft.com/office/powerpoint/2012/main" showMasterPhAnim="0" showMasterSp="0">
+<p:notes xmlns:a="http://schemas.openxmlformats.org/drawingml/2006/main" xmlns:r="http://schemas.openxmlformats.org/officeDocument/2006/relationships" xmlns:p="http://schemas.openxmlformats.org/presentationml/2006/main" showMasterSp="0" showMasterPhAnim="0">
   <p:cSld>
     <p:spTree>
       <p:nvGrpSpPr>
-        <p:cNvPr id="56" name="Shape 56"/>
+        <p:cNvPr id="1" name="Shape 56"/>
         <p:cNvGrpSpPr/>
         <p:nvPr/>
       </p:nvGrpSpPr>
@@ -1013,9 +1025,11 @@
       <p:sp>
         <p:nvSpPr>
           <p:cNvPr id="57" name="Google Shape;57;g8c149f1519_0_0:notes"/>
-          <p:cNvSpPr/>
+          <p:cNvSpPr>
+            <a:spLocks noGrp="1" noRot="1" noChangeAspect="1"/>
+          </p:cNvSpPr>
           <p:nvPr>
-            <p:ph idx="2" type="sldImg"/>
+            <p:ph type="sldImg" idx="2"/>
           </p:nvPr>
         </p:nvSpPr>
         <p:spPr>
@@ -1024,9 +1038,13 @@
             <a:ext cx="6096000" cy="3429000"/>
           </a:xfrm>
           <a:custGeom>
-            <a:rect b="b" l="l" r="r" t="t"/>
+            <a:avLst/>
+            <a:gdLst/>
+            <a:ahLst/>
+            <a:cxnLst/>
+            <a:rect l="l" t="t" r="r" b="b"/>
             <a:pathLst>
-              <a:path extrusionOk="0" h="120000" w="120000">
+              <a:path w="120000" h="120000" extrusionOk="0">
                 <a:moveTo>
                   <a:pt x="0" y="0"/>
                 </a:moveTo>
@@ -1048,9 +1066,11 @@
       <p:sp>
         <p:nvSpPr>
           <p:cNvPr id="58" name="Google Shape;58;g8c149f1519_0_0:notes"/>
-          <p:cNvSpPr txBox="1"/>
+          <p:cNvSpPr txBox="1">
+            <a:spLocks noGrp="1"/>
+          </p:cNvSpPr>
           <p:nvPr>
-            <p:ph idx="1" type="body"/>
+            <p:ph type="body" idx="1"/>
           </p:nvPr>
         </p:nvSpPr>
         <p:spPr>
@@ -1063,12 +1083,12 @@
           </a:prstGeom>
         </p:spPr>
         <p:txBody>
-          <a:bodyPr anchorCtr="0" anchor="t" bIns="91425" lIns="91425" spcFirstLastPara="1" rIns="91425" wrap="square" tIns="91425">
+          <a:bodyPr spcFirstLastPara="1" wrap="square" lIns="91425" tIns="91425" rIns="91425" bIns="91425" anchor="t" anchorCtr="0">
             <a:noAutofit/>
           </a:bodyPr>
           <a:lstStyle/>
           <a:p>
-            <a:pPr indent="0" lvl="0" marL="0" rtl="0" algn="l">
+            <a:pPr marL="0" lvl="0" indent="0" algn="l" rtl="0">
               <a:spcBef>
                 <a:spcPts val="0"/>
               </a:spcBef>
@@ -1077,9 +1097,6 @@
               </a:spcAft>
               <a:buNone/>
             </a:pPr>
-            <a:r>
-              <a:t/>
-            </a:r>
             <a:endParaRPr/>
           </a:p>
         </p:txBody>
@@ -1093,11 +1110,11 @@
 </file>
 
 <file path=ppt/notesSlides/notesSlide3.xml><?xml version="1.0" encoding="utf-8"?>
-<p:notes xmlns:a="http://schemas.openxmlformats.org/drawingml/2006/main" xmlns:r="http://schemas.openxmlformats.org/officeDocument/2006/relationships" xmlns:mc="http://schemas.openxmlformats.org/markup-compatibility/2006" xmlns:mv="urn:schemas-microsoft-com:mac:vml" xmlns:p="http://schemas.openxmlformats.org/presentationml/2006/main" xmlns:c="http://schemas.openxmlformats.org/drawingml/2006/chart" xmlns:dgm="http://schemas.openxmlformats.org/drawingml/2006/diagram" xmlns:o="urn:schemas-microsoft-com:office:office" xmlns:v="urn:schemas-microsoft-com:vml" xmlns:pvml="urn:schemas-microsoft-com:office:powerpoint" xmlns:com="http://schemas.openxmlformats.org/drawingml/2006/compatibility" xmlns:p14="http://schemas.microsoft.com/office/powerpoint/2010/main" xmlns:p15="http://schemas.microsoft.com/office/powerpoint/2012/main" showMasterPhAnim="0" showMasterSp="0">
+<p:notes xmlns:a="http://schemas.openxmlformats.org/drawingml/2006/main" xmlns:r="http://schemas.openxmlformats.org/officeDocument/2006/relationships" xmlns:p="http://schemas.openxmlformats.org/presentationml/2006/main" showMasterSp="0" showMasterPhAnim="0">
   <p:cSld>
     <p:spTree>
       <p:nvGrpSpPr>
-        <p:cNvPr id="62" name="Shape 62"/>
+        <p:cNvPr id="1" name="Shape 62"/>
         <p:cNvGrpSpPr/>
         <p:nvPr/>
       </p:nvGrpSpPr>
@@ -1112,9 +1129,11 @@
       <p:sp>
         <p:nvSpPr>
           <p:cNvPr id="63" name="Google Shape;63;g8c149f1519_0_5:notes"/>
-          <p:cNvSpPr/>
+          <p:cNvSpPr>
+            <a:spLocks noGrp="1" noRot="1" noChangeAspect="1"/>
+          </p:cNvSpPr>
           <p:nvPr>
-            <p:ph idx="2" type="sldImg"/>
+            <p:ph type="sldImg" idx="2"/>
           </p:nvPr>
         </p:nvSpPr>
         <p:spPr>
@@ -1123,9 +1142,13 @@
             <a:ext cx="6096000" cy="3429000"/>
           </a:xfrm>
           <a:custGeom>
-            <a:rect b="b" l="l" r="r" t="t"/>
+            <a:avLst/>
+            <a:gdLst/>
+            <a:ahLst/>
+            <a:cxnLst/>
+            <a:rect l="l" t="t" r="r" b="b"/>
             <a:pathLst>
-              <a:path extrusionOk="0" h="120000" w="120000">
+              <a:path w="120000" h="120000" extrusionOk="0">
                 <a:moveTo>
                   <a:pt x="0" y="0"/>
                 </a:moveTo>
@@ -1147,9 +1170,11 @@
       <p:sp>
         <p:nvSpPr>
           <p:cNvPr id="64" name="Google Shape;64;g8c149f1519_0_5:notes"/>
-          <p:cNvSpPr txBox="1"/>
+          <p:cNvSpPr txBox="1">
+            <a:spLocks noGrp="1"/>
+          </p:cNvSpPr>
           <p:nvPr>
-            <p:ph idx="1" type="body"/>
+            <p:ph type="body" idx="1"/>
           </p:nvPr>
         </p:nvSpPr>
         <p:spPr>
@@ -1162,12 +1187,12 @@
           </a:prstGeom>
         </p:spPr>
         <p:txBody>
-          <a:bodyPr anchorCtr="0" anchor="t" bIns="91425" lIns="91425" spcFirstLastPara="1" rIns="91425" wrap="square" tIns="91425">
+          <a:bodyPr spcFirstLastPara="1" wrap="square" lIns="91425" tIns="91425" rIns="91425" bIns="91425" anchor="t" anchorCtr="0">
             <a:noAutofit/>
           </a:bodyPr>
           <a:lstStyle/>
           <a:p>
-            <a:pPr indent="0" lvl="0" marL="0" rtl="0" algn="l">
+            <a:pPr marL="0" lvl="0" indent="0" algn="l" rtl="0">
               <a:spcBef>
                 <a:spcPts val="0"/>
               </a:spcBef>
@@ -1176,9 +1201,6 @@
               </a:spcAft>
               <a:buNone/>
             </a:pPr>
-            <a:r>
-              <a:t/>
-            </a:r>
             <a:endParaRPr/>
           </a:p>
         </p:txBody>
@@ -1192,11 +1214,11 @@
 </file>
 
 <file path=ppt/notesSlides/notesSlide4.xml><?xml version="1.0" encoding="utf-8"?>
-<p:notes xmlns:a="http://schemas.openxmlformats.org/drawingml/2006/main" xmlns:r="http://schemas.openxmlformats.org/officeDocument/2006/relationships" xmlns:mc="http://schemas.openxmlformats.org/markup-compatibility/2006" xmlns:mv="urn:schemas-microsoft-com:mac:vml" xmlns:p="http://schemas.openxmlformats.org/presentationml/2006/main" xmlns:c="http://schemas.openxmlformats.org/drawingml/2006/chart" xmlns:dgm="http://schemas.openxmlformats.org/drawingml/2006/diagram" xmlns:o="urn:schemas-microsoft-com:office:office" xmlns:v="urn:schemas-microsoft-com:vml" xmlns:pvml="urn:schemas-microsoft-com:office:powerpoint" xmlns:com="http://schemas.openxmlformats.org/drawingml/2006/compatibility" xmlns:p14="http://schemas.microsoft.com/office/powerpoint/2010/main" xmlns:p15="http://schemas.microsoft.com/office/powerpoint/2012/main" showMasterPhAnim="0" showMasterSp="0">
+<p:notes xmlns:a="http://schemas.openxmlformats.org/drawingml/2006/main" xmlns:r="http://schemas.openxmlformats.org/officeDocument/2006/relationships" xmlns:p="http://schemas.openxmlformats.org/presentationml/2006/main" showMasterSp="0" showMasterPhAnim="0">
   <p:cSld>
     <p:spTree>
       <p:nvGrpSpPr>
-        <p:cNvPr id="69" name="Shape 69"/>
+        <p:cNvPr id="1" name="Shape 69"/>
         <p:cNvGrpSpPr/>
         <p:nvPr/>
       </p:nvGrpSpPr>
@@ -1211,9 +1233,11 @@
       <p:sp>
         <p:nvSpPr>
           <p:cNvPr id="70" name="Google Shape;70;g8c149f1519_0_11:notes"/>
-          <p:cNvSpPr/>
+          <p:cNvSpPr>
+            <a:spLocks noGrp="1" noRot="1" noChangeAspect="1"/>
+          </p:cNvSpPr>
           <p:nvPr>
-            <p:ph idx="2" type="sldImg"/>
+            <p:ph type="sldImg" idx="2"/>
           </p:nvPr>
         </p:nvSpPr>
         <p:spPr>
@@ -1222,9 +1246,13 @@
             <a:ext cx="6096000" cy="3429000"/>
           </a:xfrm>
           <a:custGeom>
-            <a:rect b="b" l="l" r="r" t="t"/>
+            <a:avLst/>
+            <a:gdLst/>
+            <a:ahLst/>
+            <a:cxnLst/>
+            <a:rect l="l" t="t" r="r" b="b"/>
             <a:pathLst>
-              <a:path extrusionOk="0" h="120000" w="120000">
+              <a:path w="120000" h="120000" extrusionOk="0">
                 <a:moveTo>
                   <a:pt x="0" y="0"/>
                 </a:moveTo>
@@ -1246,9 +1274,11 @@
       <p:sp>
         <p:nvSpPr>
           <p:cNvPr id="71" name="Google Shape;71;g8c149f1519_0_11:notes"/>
-          <p:cNvSpPr txBox="1"/>
+          <p:cNvSpPr txBox="1">
+            <a:spLocks noGrp="1"/>
+          </p:cNvSpPr>
           <p:nvPr>
-            <p:ph idx="1" type="body"/>
+            <p:ph type="body" idx="1"/>
           </p:nvPr>
         </p:nvSpPr>
         <p:spPr>
@@ -1261,12 +1291,12 @@
           </a:prstGeom>
         </p:spPr>
         <p:txBody>
-          <a:bodyPr anchorCtr="0" anchor="t" bIns="91425" lIns="91425" spcFirstLastPara="1" rIns="91425" wrap="square" tIns="91425">
+          <a:bodyPr spcFirstLastPara="1" wrap="square" lIns="91425" tIns="91425" rIns="91425" bIns="91425" anchor="t" anchorCtr="0">
             <a:noAutofit/>
           </a:bodyPr>
           <a:lstStyle/>
           <a:p>
-            <a:pPr indent="0" lvl="0" marL="0" rtl="0" algn="l">
+            <a:pPr marL="0" lvl="0" indent="0" algn="l" rtl="0">
               <a:spcBef>
                 <a:spcPts val="0"/>
               </a:spcBef>
@@ -1275,9 +1305,6 @@
               </a:spcAft>
               <a:buNone/>
             </a:pPr>
-            <a:r>
-              <a:t/>
-            </a:r>
             <a:endParaRPr/>
           </a:p>
         </p:txBody>
@@ -1291,11 +1318,11 @@
 </file>
 
 <file path=ppt/notesSlides/notesSlide5.xml><?xml version="1.0" encoding="utf-8"?>
-<p:notes xmlns:a="http://schemas.openxmlformats.org/drawingml/2006/main" xmlns:r="http://schemas.openxmlformats.org/officeDocument/2006/relationships" xmlns:mc="http://schemas.openxmlformats.org/markup-compatibility/2006" xmlns:mv="urn:schemas-microsoft-com:mac:vml" xmlns:p="http://schemas.openxmlformats.org/presentationml/2006/main" xmlns:c="http://schemas.openxmlformats.org/drawingml/2006/chart" xmlns:dgm="http://schemas.openxmlformats.org/drawingml/2006/diagram" xmlns:o="urn:schemas-microsoft-com:office:office" xmlns:v="urn:schemas-microsoft-com:vml" xmlns:pvml="urn:schemas-microsoft-com:office:powerpoint" xmlns:com="http://schemas.openxmlformats.org/drawingml/2006/compatibility" xmlns:p14="http://schemas.microsoft.com/office/powerpoint/2010/main" xmlns:p15="http://schemas.microsoft.com/office/powerpoint/2012/main" showMasterPhAnim="0" showMasterSp="0">
+<p:notes xmlns:a="http://schemas.openxmlformats.org/drawingml/2006/main" xmlns:r="http://schemas.openxmlformats.org/officeDocument/2006/relationships" xmlns:p="http://schemas.openxmlformats.org/presentationml/2006/main" showMasterSp="0" showMasterPhAnim="0">
   <p:cSld>
     <p:spTree>
       <p:nvGrpSpPr>
-        <p:cNvPr id="76" name="Shape 76"/>
+        <p:cNvPr id="1" name="Shape 76"/>
         <p:cNvGrpSpPr/>
         <p:nvPr/>
       </p:nvGrpSpPr>
@@ -1310,9 +1337,11 @@
       <p:sp>
         <p:nvSpPr>
           <p:cNvPr id="77" name="Google Shape;77;g8c149f1519_0_23:notes"/>
-          <p:cNvSpPr/>
+          <p:cNvSpPr>
+            <a:spLocks noGrp="1" noRot="1" noChangeAspect="1"/>
+          </p:cNvSpPr>
           <p:nvPr>
-            <p:ph idx="2" type="sldImg"/>
+            <p:ph type="sldImg" idx="2"/>
           </p:nvPr>
         </p:nvSpPr>
         <p:spPr>
@@ -1321,9 +1350,13 @@
             <a:ext cx="6096000" cy="3429000"/>
           </a:xfrm>
           <a:custGeom>
-            <a:rect b="b" l="l" r="r" t="t"/>
+            <a:avLst/>
+            <a:gdLst/>
+            <a:ahLst/>
+            <a:cxnLst/>
+            <a:rect l="l" t="t" r="r" b="b"/>
             <a:pathLst>
-              <a:path extrusionOk="0" h="120000" w="120000">
+              <a:path w="120000" h="120000" extrusionOk="0">
                 <a:moveTo>
                   <a:pt x="0" y="0"/>
                 </a:moveTo>
@@ -1345,9 +1378,11 @@
       <p:sp>
         <p:nvSpPr>
           <p:cNvPr id="78" name="Google Shape;78;g8c149f1519_0_23:notes"/>
-          <p:cNvSpPr txBox="1"/>
+          <p:cNvSpPr txBox="1">
+            <a:spLocks noGrp="1"/>
+          </p:cNvSpPr>
           <p:nvPr>
-            <p:ph idx="1" type="body"/>
+            <p:ph type="body" idx="1"/>
           </p:nvPr>
         </p:nvSpPr>
         <p:spPr>
@@ -1360,12 +1395,12 @@
           </a:prstGeom>
         </p:spPr>
         <p:txBody>
-          <a:bodyPr anchorCtr="0" anchor="t" bIns="91425" lIns="91425" spcFirstLastPara="1" rIns="91425" wrap="square" tIns="91425">
+          <a:bodyPr spcFirstLastPara="1" wrap="square" lIns="91425" tIns="91425" rIns="91425" bIns="91425" anchor="t" anchorCtr="0">
             <a:noAutofit/>
           </a:bodyPr>
           <a:lstStyle/>
           <a:p>
-            <a:pPr indent="0" lvl="0" marL="0" rtl="0" algn="l">
+            <a:pPr marL="0" lvl="0" indent="0" algn="l" rtl="0">
               <a:spcBef>
                 <a:spcPts val="0"/>
               </a:spcBef>
@@ -1374,9 +1409,6 @@
               </a:spcAft>
               <a:buNone/>
             </a:pPr>
-            <a:r>
-              <a:t/>
-            </a:r>
             <a:endParaRPr/>
           </a:p>
         </p:txBody>
@@ -1390,11 +1422,11 @@
 </file>
 
 <file path=ppt/notesSlides/notesSlide6.xml><?xml version="1.0" encoding="utf-8"?>
-<p:notes xmlns:a="http://schemas.openxmlformats.org/drawingml/2006/main" xmlns:r="http://schemas.openxmlformats.org/officeDocument/2006/relationships" xmlns:mc="http://schemas.openxmlformats.org/markup-compatibility/2006" xmlns:mv="urn:schemas-microsoft-com:mac:vml" xmlns:p="http://schemas.openxmlformats.org/presentationml/2006/main" xmlns:c="http://schemas.openxmlformats.org/drawingml/2006/chart" xmlns:dgm="http://schemas.openxmlformats.org/drawingml/2006/diagram" xmlns:o="urn:schemas-microsoft-com:office:office" xmlns:v="urn:schemas-microsoft-com:vml" xmlns:pvml="urn:schemas-microsoft-com:office:powerpoint" xmlns:com="http://schemas.openxmlformats.org/drawingml/2006/compatibility" xmlns:p14="http://schemas.microsoft.com/office/powerpoint/2010/main" xmlns:p15="http://schemas.microsoft.com/office/powerpoint/2012/main" showMasterPhAnim="0" showMasterSp="0">
+<p:notes xmlns:a="http://schemas.openxmlformats.org/drawingml/2006/main" xmlns:r="http://schemas.openxmlformats.org/officeDocument/2006/relationships" xmlns:p="http://schemas.openxmlformats.org/presentationml/2006/main" showMasterSp="0" showMasterPhAnim="0">
   <p:cSld>
     <p:spTree>
       <p:nvGrpSpPr>
-        <p:cNvPr id="83" name="Shape 83"/>
+        <p:cNvPr id="1" name="Shape 83"/>
         <p:cNvGrpSpPr/>
         <p:nvPr/>
       </p:nvGrpSpPr>
@@ -1409,9 +1441,11 @@
       <p:sp>
         <p:nvSpPr>
           <p:cNvPr id="84" name="Google Shape;84;g8c149f1519_0_18:notes"/>
-          <p:cNvSpPr/>
+          <p:cNvSpPr>
+            <a:spLocks noGrp="1" noRot="1" noChangeAspect="1"/>
+          </p:cNvSpPr>
           <p:nvPr>
-            <p:ph idx="2" type="sldImg"/>
+            <p:ph type="sldImg" idx="2"/>
           </p:nvPr>
         </p:nvSpPr>
         <p:spPr>
@@ -1420,9 +1454,13 @@
             <a:ext cx="6096000" cy="3429000"/>
           </a:xfrm>
           <a:custGeom>
-            <a:rect b="b" l="l" r="r" t="t"/>
+            <a:avLst/>
+            <a:gdLst/>
+            <a:ahLst/>
+            <a:cxnLst/>
+            <a:rect l="l" t="t" r="r" b="b"/>
             <a:pathLst>
-              <a:path extrusionOk="0" h="120000" w="120000">
+              <a:path w="120000" h="120000" extrusionOk="0">
                 <a:moveTo>
                   <a:pt x="0" y="0"/>
                 </a:moveTo>
@@ -1444,9 +1482,11 @@
       <p:sp>
         <p:nvSpPr>
           <p:cNvPr id="85" name="Google Shape;85;g8c149f1519_0_18:notes"/>
-          <p:cNvSpPr txBox="1"/>
+          <p:cNvSpPr txBox="1">
+            <a:spLocks noGrp="1"/>
+          </p:cNvSpPr>
           <p:nvPr>
-            <p:ph idx="1" type="body"/>
+            <p:ph type="body" idx="1"/>
           </p:nvPr>
         </p:nvSpPr>
         <p:spPr>
@@ -1459,12 +1499,12 @@
           </a:prstGeom>
         </p:spPr>
         <p:txBody>
-          <a:bodyPr anchorCtr="0" anchor="t" bIns="91425" lIns="91425" spcFirstLastPara="1" rIns="91425" wrap="square" tIns="91425">
+          <a:bodyPr spcFirstLastPara="1" wrap="square" lIns="91425" tIns="91425" rIns="91425" bIns="91425" anchor="t" anchorCtr="0">
             <a:noAutofit/>
           </a:bodyPr>
           <a:lstStyle/>
           <a:p>
-            <a:pPr indent="0" lvl="0" marL="0" rtl="0" algn="l">
+            <a:pPr marL="0" lvl="0" indent="0" algn="l" rtl="0">
               <a:spcBef>
                 <a:spcPts val="0"/>
               </a:spcBef>
@@ -1473,9 +1513,6 @@
               </a:spcAft>
               <a:buNone/>
             </a:pPr>
-            <a:r>
-              <a:t/>
-            </a:r>
             <a:endParaRPr/>
           </a:p>
         </p:txBody>
@@ -1489,11 +1526,11 @@
 </file>
 
 <file path=ppt/notesSlides/notesSlide7.xml><?xml version="1.0" encoding="utf-8"?>
-<p:notes xmlns:a="http://schemas.openxmlformats.org/drawingml/2006/main" xmlns:r="http://schemas.openxmlformats.org/officeDocument/2006/relationships" xmlns:mc="http://schemas.openxmlformats.org/markup-compatibility/2006" xmlns:mv="urn:schemas-microsoft-com:mac:vml" xmlns:p="http://schemas.openxmlformats.org/presentationml/2006/main" xmlns:c="http://schemas.openxmlformats.org/drawingml/2006/chart" xmlns:dgm="http://schemas.openxmlformats.org/drawingml/2006/diagram" xmlns:o="urn:schemas-microsoft-com:office:office" xmlns:v="urn:schemas-microsoft-com:vml" xmlns:pvml="urn:schemas-microsoft-com:office:powerpoint" xmlns:com="http://schemas.openxmlformats.org/drawingml/2006/compatibility" xmlns:p14="http://schemas.microsoft.com/office/powerpoint/2010/main" xmlns:p15="http://schemas.microsoft.com/office/powerpoint/2012/main" showMasterPhAnim="0" showMasterSp="0">
+<p:notes xmlns:a="http://schemas.openxmlformats.org/drawingml/2006/main" xmlns:r="http://schemas.openxmlformats.org/officeDocument/2006/relationships" xmlns:p="http://schemas.openxmlformats.org/presentationml/2006/main" showMasterSp="0" showMasterPhAnim="0">
   <p:cSld>
     <p:spTree>
       <p:nvGrpSpPr>
-        <p:cNvPr id="89" name="Shape 89"/>
+        <p:cNvPr id="1" name="Shape 89"/>
         <p:cNvGrpSpPr/>
         <p:nvPr/>
       </p:nvGrpSpPr>
@@ -1508,9 +1545,11 @@
       <p:sp>
         <p:nvSpPr>
           <p:cNvPr id="90" name="Google Shape;90;g8c149f1519_0_30:notes"/>
-          <p:cNvSpPr/>
+          <p:cNvSpPr>
+            <a:spLocks noGrp="1" noRot="1" noChangeAspect="1"/>
+          </p:cNvSpPr>
           <p:nvPr>
-            <p:ph idx="2" type="sldImg"/>
+            <p:ph type="sldImg" idx="2"/>
           </p:nvPr>
         </p:nvSpPr>
         <p:spPr>
@@ -1519,9 +1558,13 @@
             <a:ext cx="6096000" cy="3429000"/>
           </a:xfrm>
           <a:custGeom>
-            <a:rect b="b" l="l" r="r" t="t"/>
+            <a:avLst/>
+            <a:gdLst/>
+            <a:ahLst/>
+            <a:cxnLst/>
+            <a:rect l="l" t="t" r="r" b="b"/>
             <a:pathLst>
-              <a:path extrusionOk="0" h="120000" w="120000">
+              <a:path w="120000" h="120000" extrusionOk="0">
                 <a:moveTo>
                   <a:pt x="0" y="0"/>
                 </a:moveTo>
@@ -1543,9 +1586,11 @@
       <p:sp>
         <p:nvSpPr>
           <p:cNvPr id="91" name="Google Shape;91;g8c149f1519_0_30:notes"/>
-          <p:cNvSpPr txBox="1"/>
+          <p:cNvSpPr txBox="1">
+            <a:spLocks noGrp="1"/>
+          </p:cNvSpPr>
           <p:nvPr>
-            <p:ph idx="1" type="body"/>
+            <p:ph type="body" idx="1"/>
           </p:nvPr>
         </p:nvSpPr>
         <p:spPr>
@@ -1558,12 +1603,12 @@
           </a:prstGeom>
         </p:spPr>
         <p:txBody>
-          <a:bodyPr anchorCtr="0" anchor="t" bIns="91425" lIns="91425" spcFirstLastPara="1" rIns="91425" wrap="square" tIns="91425">
+          <a:bodyPr spcFirstLastPara="1" wrap="square" lIns="91425" tIns="91425" rIns="91425" bIns="91425" anchor="t" anchorCtr="0">
             <a:noAutofit/>
           </a:bodyPr>
           <a:lstStyle/>
           <a:p>
-            <a:pPr indent="0" lvl="0" marL="0" rtl="0" algn="l">
+            <a:pPr marL="0" lvl="0" indent="0" algn="l" rtl="0">
               <a:spcBef>
                 <a:spcPts val="0"/>
               </a:spcBef>
@@ -1572,9 +1617,6 @@
               </a:spcAft>
               <a:buNone/>
             </a:pPr>
-            <a:r>
-              <a:t/>
-            </a:r>
             <a:endParaRPr/>
           </a:p>
         </p:txBody>
@@ -1588,11 +1630,11 @@
 </file>
 
 <file path=ppt/notesSlides/notesSlide8.xml><?xml version="1.0" encoding="utf-8"?>
-<p:notes xmlns:a="http://schemas.openxmlformats.org/drawingml/2006/main" xmlns:r="http://schemas.openxmlformats.org/officeDocument/2006/relationships" xmlns:mc="http://schemas.openxmlformats.org/markup-compatibility/2006" xmlns:mv="urn:schemas-microsoft-com:mac:vml" xmlns:p="http://schemas.openxmlformats.org/presentationml/2006/main" xmlns:c="http://schemas.openxmlformats.org/drawingml/2006/chart" xmlns:dgm="http://schemas.openxmlformats.org/drawingml/2006/diagram" xmlns:o="urn:schemas-microsoft-com:office:office" xmlns:v="urn:schemas-microsoft-com:vml" xmlns:pvml="urn:schemas-microsoft-com:office:powerpoint" xmlns:com="http://schemas.openxmlformats.org/drawingml/2006/compatibility" xmlns:p14="http://schemas.microsoft.com/office/powerpoint/2010/main" xmlns:p15="http://schemas.microsoft.com/office/powerpoint/2012/main" showMasterPhAnim="0" showMasterSp="0">
+<p:notes xmlns:a="http://schemas.openxmlformats.org/drawingml/2006/main" xmlns:r="http://schemas.openxmlformats.org/officeDocument/2006/relationships" xmlns:p="http://schemas.openxmlformats.org/presentationml/2006/main" showMasterSp="0" showMasterPhAnim="0">
   <p:cSld>
     <p:spTree>
       <p:nvGrpSpPr>
-        <p:cNvPr id="95" name="Shape 95"/>
+        <p:cNvPr id="1" name="Shape 95"/>
         <p:cNvGrpSpPr/>
         <p:nvPr/>
       </p:nvGrpSpPr>
@@ -1607,9 +1649,11 @@
       <p:sp>
         <p:nvSpPr>
           <p:cNvPr id="96" name="Google Shape;96;g8c149f1519_0_35:notes"/>
-          <p:cNvSpPr/>
+          <p:cNvSpPr>
+            <a:spLocks noGrp="1" noRot="1" noChangeAspect="1"/>
+          </p:cNvSpPr>
           <p:nvPr>
-            <p:ph idx="2" type="sldImg"/>
+            <p:ph type="sldImg" idx="2"/>
           </p:nvPr>
         </p:nvSpPr>
         <p:spPr>
@@ -1618,9 +1662,13 @@
             <a:ext cx="6096000" cy="3429000"/>
           </a:xfrm>
           <a:custGeom>
-            <a:rect b="b" l="l" r="r" t="t"/>
+            <a:avLst/>
+            <a:gdLst/>
+            <a:ahLst/>
+            <a:cxnLst/>
+            <a:rect l="l" t="t" r="r" b="b"/>
             <a:pathLst>
-              <a:path extrusionOk="0" h="120000" w="120000">
+              <a:path w="120000" h="120000" extrusionOk="0">
                 <a:moveTo>
                   <a:pt x="0" y="0"/>
                 </a:moveTo>
@@ -1642,9 +1690,11 @@
       <p:sp>
         <p:nvSpPr>
           <p:cNvPr id="97" name="Google Shape;97;g8c149f1519_0_35:notes"/>
-          <p:cNvSpPr txBox="1"/>
+          <p:cNvSpPr txBox="1">
+            <a:spLocks noGrp="1"/>
+          </p:cNvSpPr>
           <p:nvPr>
-            <p:ph idx="1" type="body"/>
+            <p:ph type="body" idx="1"/>
           </p:nvPr>
         </p:nvSpPr>
         <p:spPr>
@@ -1657,12 +1707,12 @@
           </a:prstGeom>
         </p:spPr>
         <p:txBody>
-          <a:bodyPr anchorCtr="0" anchor="t" bIns="91425" lIns="91425" spcFirstLastPara="1" rIns="91425" wrap="square" tIns="91425">
+          <a:bodyPr spcFirstLastPara="1" wrap="square" lIns="91425" tIns="91425" rIns="91425" bIns="91425" anchor="t" anchorCtr="0">
             <a:noAutofit/>
           </a:bodyPr>
           <a:lstStyle/>
           <a:p>
-            <a:pPr indent="0" lvl="0" marL="0" rtl="0" algn="l">
+            <a:pPr marL="0" lvl="0" indent="0" algn="l" rtl="0">
               <a:spcBef>
                 <a:spcPts val="0"/>
               </a:spcBef>
@@ -1671,9 +1721,6 @@
               </a:spcAft>
               <a:buNone/>
             </a:pPr>
-            <a:r>
-              <a:t/>
-            </a:r>
             <a:endParaRPr/>
           </a:p>
         </p:txBody>
@@ -1687,11 +1734,11 @@
 </file>
 
 <file path=ppt/notesSlides/notesSlide9.xml><?xml version="1.0" encoding="utf-8"?>
-<p:notes xmlns:a="http://schemas.openxmlformats.org/drawingml/2006/main" xmlns:r="http://schemas.openxmlformats.org/officeDocument/2006/relationships" xmlns:mc="http://schemas.openxmlformats.org/markup-compatibility/2006" xmlns:mv="urn:schemas-microsoft-com:mac:vml" xmlns:p="http://schemas.openxmlformats.org/presentationml/2006/main" xmlns:c="http://schemas.openxmlformats.org/drawingml/2006/chart" xmlns:dgm="http://schemas.openxmlformats.org/drawingml/2006/diagram" xmlns:o="urn:schemas-microsoft-com:office:office" xmlns:v="urn:schemas-microsoft-com:vml" xmlns:pvml="urn:schemas-microsoft-com:office:powerpoint" xmlns:com="http://schemas.openxmlformats.org/drawingml/2006/compatibility" xmlns:p14="http://schemas.microsoft.com/office/powerpoint/2010/main" xmlns:p15="http://schemas.microsoft.com/office/powerpoint/2012/main" showMasterPhAnim="0" showMasterSp="0">
+<p:notes xmlns:a="http://schemas.openxmlformats.org/drawingml/2006/main" xmlns:r="http://schemas.openxmlformats.org/officeDocument/2006/relationships" xmlns:p="http://schemas.openxmlformats.org/presentationml/2006/main" showMasterSp="0" showMasterPhAnim="0">
   <p:cSld>
     <p:spTree>
       <p:nvGrpSpPr>
-        <p:cNvPr id="102" name="Shape 102"/>
+        <p:cNvPr id="1" name="Shape 102"/>
         <p:cNvGrpSpPr/>
         <p:nvPr/>
       </p:nvGrpSpPr>
@@ -1706,9 +1753,11 @@
       <p:sp>
         <p:nvSpPr>
           <p:cNvPr id="103" name="Google Shape;103;g8c149f1519_0_41:notes"/>
-          <p:cNvSpPr/>
+          <p:cNvSpPr>
+            <a:spLocks noGrp="1" noRot="1" noChangeAspect="1"/>
+          </p:cNvSpPr>
           <p:nvPr>
-            <p:ph idx="2" type="sldImg"/>
+            <p:ph type="sldImg" idx="2"/>
           </p:nvPr>
         </p:nvSpPr>
         <p:spPr>
@@ -1717,9 +1766,13 @@
             <a:ext cx="6096000" cy="3429000"/>
           </a:xfrm>
           <a:custGeom>
-            <a:rect b="b" l="l" r="r" t="t"/>
+            <a:avLst/>
+            <a:gdLst/>
+            <a:ahLst/>
+            <a:cxnLst/>
+            <a:rect l="l" t="t" r="r" b="b"/>
             <a:pathLst>
-              <a:path extrusionOk="0" h="120000" w="120000">
+              <a:path w="120000" h="120000" extrusionOk="0">
                 <a:moveTo>
                   <a:pt x="0" y="0"/>
                 </a:moveTo>
@@ -1741,9 +1794,11 @@
       <p:sp>
         <p:nvSpPr>
           <p:cNvPr id="104" name="Google Shape;104;g8c149f1519_0_41:notes"/>
-          <p:cNvSpPr txBox="1"/>
+          <p:cNvSpPr txBox="1">
+            <a:spLocks noGrp="1"/>
+          </p:cNvSpPr>
           <p:nvPr>
-            <p:ph idx="1" type="body"/>
+            <p:ph type="body" idx="1"/>
           </p:nvPr>
         </p:nvSpPr>
         <p:spPr>
@@ -1756,12 +1811,12 @@
           </a:prstGeom>
         </p:spPr>
         <p:txBody>
-          <a:bodyPr anchorCtr="0" anchor="t" bIns="91425" lIns="91425" spcFirstLastPara="1" rIns="91425" wrap="square" tIns="91425">
+          <a:bodyPr spcFirstLastPara="1" wrap="square" lIns="91425" tIns="91425" rIns="91425" bIns="91425" anchor="t" anchorCtr="0">
             <a:noAutofit/>
           </a:bodyPr>
           <a:lstStyle/>
           <a:p>
-            <a:pPr indent="0" lvl="0" marL="0" rtl="0" algn="l">
+            <a:pPr marL="0" lvl="0" indent="0" algn="l" rtl="0">
               <a:spcBef>
                 <a:spcPts val="0"/>
               </a:spcBef>
@@ -1770,9 +1825,6 @@
               </a:spcAft>
               <a:buNone/>
             </a:pPr>
-            <a:r>
-              <a:t/>
-            </a:r>
             <a:endParaRPr/>
           </a:p>
         </p:txBody>
@@ -1786,11 +1838,11 @@
 </file>
 
 <file path=ppt/slideLayouts/slideLayout1.xml><?xml version="1.0" encoding="utf-8"?>
-<p:sldLayout xmlns:a="http://schemas.openxmlformats.org/drawingml/2006/main" xmlns:r="http://schemas.openxmlformats.org/officeDocument/2006/relationships" xmlns:mc="http://schemas.openxmlformats.org/markup-compatibility/2006" xmlns:mv="urn:schemas-microsoft-com:mac:vml" xmlns:p="http://schemas.openxmlformats.org/presentationml/2006/main" xmlns:c="http://schemas.openxmlformats.org/drawingml/2006/chart" xmlns:dgm="http://schemas.openxmlformats.org/drawingml/2006/diagram" xmlns:o="urn:schemas-microsoft-com:office:office" xmlns:v="urn:schemas-microsoft-com:vml" xmlns:pvml="urn:schemas-microsoft-com:office:powerpoint" xmlns:com="http://schemas.openxmlformats.org/drawingml/2006/compatibility" xmlns:p14="http://schemas.microsoft.com/office/powerpoint/2010/main" xmlns:p15="http://schemas.microsoft.com/office/powerpoint/2012/main" matchingName="Title slide" type="title">
+<p:sldLayout xmlns:a="http://schemas.openxmlformats.org/drawingml/2006/main" xmlns:r="http://schemas.openxmlformats.org/officeDocument/2006/relationships" xmlns:p="http://schemas.openxmlformats.org/presentationml/2006/main" matchingName="Title slide" type="title">
   <p:cSld name="TITLE">
     <p:spTree>
       <p:nvGrpSpPr>
-        <p:cNvPr id="9" name="Shape 9"/>
+        <p:cNvPr id="1" name="Shape 9"/>
         <p:cNvGrpSpPr/>
         <p:nvPr/>
       </p:nvGrpSpPr>
@@ -1805,7 +1857,9 @@
       <p:sp>
         <p:nvSpPr>
           <p:cNvPr id="10" name="Google Shape;10;p2"/>
-          <p:cNvSpPr txBox="1"/>
+          <p:cNvSpPr txBox="1">
+            <a:spLocks noGrp="1"/>
+          </p:cNvSpPr>
           <p:nvPr>
             <p:ph type="ctrTitle"/>
           </p:nvPr>
@@ -1820,7 +1874,7 @@
           </a:prstGeom>
         </p:spPr>
         <p:txBody>
-          <a:bodyPr anchorCtr="0" anchor="b" bIns="91425" lIns="91425" spcFirstLastPara="1" rIns="91425" wrap="square" tIns="91425">
+          <a:bodyPr spcFirstLastPara="1" wrap="square" lIns="91425" tIns="91425" rIns="91425" bIns="91425" anchor="b" anchorCtr="0">
             <a:noAutofit/>
           </a:bodyPr>
           <a:lstStyle>
@@ -1924,15 +1978,19 @@
               <a:defRPr sz="5200"/>
             </a:lvl9pPr>
           </a:lstStyle>
-          <a:p/>
+          <a:p>
+            <a:endParaRPr/>
+          </a:p>
         </p:txBody>
       </p:sp>
       <p:sp>
         <p:nvSpPr>
           <p:cNvPr id="11" name="Google Shape;11;p2"/>
-          <p:cNvSpPr txBox="1"/>
+          <p:cNvSpPr txBox="1">
+            <a:spLocks noGrp="1"/>
+          </p:cNvSpPr>
           <p:nvPr>
-            <p:ph idx="1" type="subTitle"/>
+            <p:ph type="subTitle" idx="1"/>
           </p:nvPr>
         </p:nvSpPr>
         <p:spPr>
@@ -1945,7 +2003,7 @@
           </a:prstGeom>
         </p:spPr>
         <p:txBody>
-          <a:bodyPr anchorCtr="0" anchor="t" bIns="91425" lIns="91425" spcFirstLastPara="1" rIns="91425" wrap="square" tIns="91425">
+          <a:bodyPr spcFirstLastPara="1" wrap="square" lIns="91425" tIns="91425" rIns="91425" bIns="91425" anchor="t" anchorCtr="0">
             <a:noAutofit/>
           </a:bodyPr>
           <a:lstStyle>
@@ -2076,15 +2134,19 @@
               <a:defRPr sz="2800"/>
             </a:lvl9pPr>
           </a:lstStyle>
-          <a:p/>
+          <a:p>
+            <a:endParaRPr/>
+          </a:p>
         </p:txBody>
       </p:sp>
       <p:sp>
         <p:nvSpPr>
           <p:cNvPr id="12" name="Google Shape;12;p2"/>
-          <p:cNvSpPr txBox="1"/>
+          <p:cNvSpPr txBox="1">
+            <a:spLocks noGrp="1"/>
+          </p:cNvSpPr>
           <p:nvPr>
-            <p:ph idx="12" type="sldNum"/>
+            <p:ph type="sldNum" idx="12"/>
           </p:nvPr>
         </p:nvSpPr>
         <p:spPr>
@@ -2097,7 +2159,7 @@
           </a:prstGeom>
         </p:spPr>
         <p:txBody>
-          <a:bodyPr anchorCtr="0" anchor="ctr" bIns="91425" lIns="91425" spcFirstLastPara="1" rIns="91425" wrap="square" tIns="91425">
+          <a:bodyPr spcFirstLastPara="1" wrap="square" lIns="91425" tIns="91425" rIns="91425" bIns="91425" anchor="ctr" anchorCtr="0">
             <a:noAutofit/>
           </a:bodyPr>
           <a:lstStyle>
@@ -2139,7 +2201,7 @@
             </a:lvl9pPr>
           </a:lstStyle>
           <a:p>
-            <a:pPr indent="0" lvl="0" marL="0" rtl="0" algn="r">
+            <a:pPr marL="0" lvl="0" indent="0" algn="r" rtl="0">
               <a:spcBef>
                 <a:spcPts val="0"/>
               </a:spcBef>
@@ -2165,11 +2227,11 @@
 </file>
 
 <file path=ppt/slideLayouts/slideLayout10.xml><?xml version="1.0" encoding="utf-8"?>
-<p:sldLayout xmlns:a="http://schemas.openxmlformats.org/drawingml/2006/main" xmlns:r="http://schemas.openxmlformats.org/officeDocument/2006/relationships" xmlns:mc="http://schemas.openxmlformats.org/markup-compatibility/2006" xmlns:mv="urn:schemas-microsoft-com:mac:vml" xmlns:p="http://schemas.openxmlformats.org/presentationml/2006/main" xmlns:c="http://schemas.openxmlformats.org/drawingml/2006/chart" xmlns:dgm="http://schemas.openxmlformats.org/drawingml/2006/diagram" xmlns:o="urn:schemas-microsoft-com:office:office" xmlns:v="urn:schemas-microsoft-com:vml" xmlns:pvml="urn:schemas-microsoft-com:office:powerpoint" xmlns:com="http://schemas.openxmlformats.org/drawingml/2006/compatibility" xmlns:p14="http://schemas.microsoft.com/office/powerpoint/2010/main" xmlns:p15="http://schemas.microsoft.com/office/powerpoint/2012/main" matchingName="Big number">
+<p:sldLayout xmlns:a="http://schemas.openxmlformats.org/drawingml/2006/main" xmlns:r="http://schemas.openxmlformats.org/officeDocument/2006/relationships" xmlns:p="http://schemas.openxmlformats.org/presentationml/2006/main" matchingName="Big number">
   <p:cSld name="BIG_NUMBER">
     <p:spTree>
       <p:nvGrpSpPr>
-        <p:cNvPr id="44" name="Shape 44"/>
+        <p:cNvPr id="1" name="Shape 44"/>
         <p:cNvGrpSpPr/>
         <p:nvPr/>
       </p:nvGrpSpPr>
@@ -2184,9 +2246,11 @@
       <p:sp>
         <p:nvSpPr>
           <p:cNvPr id="45" name="Google Shape;45;p11"/>
-          <p:cNvSpPr txBox="1"/>
+          <p:cNvSpPr txBox="1">
+            <a:spLocks noGrp="1"/>
+          </p:cNvSpPr>
           <p:nvPr>
-            <p:ph hasCustomPrompt="1" type="title"/>
+            <p:ph type="title" hasCustomPrompt="1"/>
           </p:nvPr>
         </p:nvSpPr>
         <p:spPr>
@@ -2199,7 +2263,7 @@
           </a:prstGeom>
         </p:spPr>
         <p:txBody>
-          <a:bodyPr anchorCtr="0" anchor="b" bIns="91425" lIns="91425" spcFirstLastPara="1" rIns="91425" wrap="square" tIns="91425">
+          <a:bodyPr spcFirstLastPara="1" wrap="square" lIns="91425" tIns="91425" rIns="91425" bIns="91425" anchor="b" anchorCtr="0">
             <a:noAutofit/>
           </a:bodyPr>
           <a:lstStyle>
@@ -2313,9 +2377,11 @@
       <p:sp>
         <p:nvSpPr>
           <p:cNvPr id="46" name="Google Shape;46;p11"/>
-          <p:cNvSpPr txBox="1"/>
+          <p:cNvSpPr txBox="1">
+            <a:spLocks noGrp="1"/>
+          </p:cNvSpPr>
           <p:nvPr>
-            <p:ph idx="1" type="body"/>
+            <p:ph type="body" idx="1"/>
           </p:nvPr>
         </p:nvSpPr>
         <p:spPr>
@@ -2328,11 +2394,11 @@
           </a:prstGeom>
         </p:spPr>
         <p:txBody>
-          <a:bodyPr anchorCtr="0" anchor="t" bIns="91425" lIns="91425" spcFirstLastPara="1" rIns="91425" wrap="square" tIns="91425">
+          <a:bodyPr spcFirstLastPara="1" wrap="square" lIns="91425" tIns="91425" rIns="91425" bIns="91425" anchor="t" anchorCtr="0">
             <a:noAutofit/>
           </a:bodyPr>
           <a:lstStyle>
-            <a:lvl1pPr indent="-342900" lvl="0" marL="457200" algn="ctr">
+            <a:lvl1pPr marL="457200" lvl="0" indent="-342900" algn="ctr">
               <a:spcBef>
                 <a:spcPts val="0"/>
               </a:spcBef>
@@ -2343,7 +2409,7 @@
               <a:buChar char="●"/>
               <a:defRPr/>
             </a:lvl1pPr>
-            <a:lvl2pPr indent="-317500" lvl="1" marL="914400" algn="ctr">
+            <a:lvl2pPr marL="914400" lvl="1" indent="-317500" algn="ctr">
               <a:spcBef>
                 <a:spcPts val="1600"/>
               </a:spcBef>
@@ -2354,7 +2420,7 @@
               <a:buChar char="○"/>
               <a:defRPr/>
             </a:lvl2pPr>
-            <a:lvl3pPr indent="-317500" lvl="2" marL="1371600" algn="ctr">
+            <a:lvl3pPr marL="1371600" lvl="2" indent="-317500" algn="ctr">
               <a:spcBef>
                 <a:spcPts val="1600"/>
               </a:spcBef>
@@ -2365,7 +2431,7 @@
               <a:buChar char="■"/>
               <a:defRPr/>
             </a:lvl3pPr>
-            <a:lvl4pPr indent="-317500" lvl="3" marL="1828800" algn="ctr">
+            <a:lvl4pPr marL="1828800" lvl="3" indent="-317500" algn="ctr">
               <a:spcBef>
                 <a:spcPts val="1600"/>
               </a:spcBef>
@@ -2376,7 +2442,7 @@
               <a:buChar char="●"/>
               <a:defRPr/>
             </a:lvl4pPr>
-            <a:lvl5pPr indent="-317500" lvl="4" marL="2286000" algn="ctr">
+            <a:lvl5pPr marL="2286000" lvl="4" indent="-317500" algn="ctr">
               <a:spcBef>
                 <a:spcPts val="1600"/>
               </a:spcBef>
@@ -2387,7 +2453,7 @@
               <a:buChar char="○"/>
               <a:defRPr/>
             </a:lvl5pPr>
-            <a:lvl6pPr indent="-317500" lvl="5" marL="2743200" algn="ctr">
+            <a:lvl6pPr marL="2743200" lvl="5" indent="-317500" algn="ctr">
               <a:spcBef>
                 <a:spcPts val="1600"/>
               </a:spcBef>
@@ -2398,7 +2464,7 @@
               <a:buChar char="■"/>
               <a:defRPr/>
             </a:lvl6pPr>
-            <a:lvl7pPr indent="-317500" lvl="6" marL="3200400" algn="ctr">
+            <a:lvl7pPr marL="3200400" lvl="6" indent="-317500" algn="ctr">
               <a:spcBef>
                 <a:spcPts val="1600"/>
               </a:spcBef>
@@ -2409,7 +2475,7 @@
               <a:buChar char="●"/>
               <a:defRPr/>
             </a:lvl7pPr>
-            <a:lvl8pPr indent="-317500" lvl="7" marL="3657600" algn="ctr">
+            <a:lvl8pPr marL="3657600" lvl="7" indent="-317500" algn="ctr">
               <a:spcBef>
                 <a:spcPts val="1600"/>
               </a:spcBef>
@@ -2420,7 +2486,7 @@
               <a:buChar char="○"/>
               <a:defRPr/>
             </a:lvl8pPr>
-            <a:lvl9pPr indent="-317500" lvl="8" marL="4114800" algn="ctr">
+            <a:lvl9pPr marL="4114800" lvl="8" indent="-317500" algn="ctr">
               <a:spcBef>
                 <a:spcPts val="1600"/>
               </a:spcBef>
@@ -2432,15 +2498,19 @@
               <a:defRPr/>
             </a:lvl9pPr>
           </a:lstStyle>
-          <a:p/>
+          <a:p>
+            <a:endParaRPr/>
+          </a:p>
         </p:txBody>
       </p:sp>
       <p:sp>
         <p:nvSpPr>
           <p:cNvPr id="47" name="Google Shape;47;p11"/>
-          <p:cNvSpPr txBox="1"/>
+          <p:cNvSpPr txBox="1">
+            <a:spLocks noGrp="1"/>
+          </p:cNvSpPr>
           <p:nvPr>
-            <p:ph idx="12" type="sldNum"/>
+            <p:ph type="sldNum" idx="12"/>
           </p:nvPr>
         </p:nvSpPr>
         <p:spPr>
@@ -2453,7 +2523,7 @@
           </a:prstGeom>
         </p:spPr>
         <p:txBody>
-          <a:bodyPr anchorCtr="0" anchor="ctr" bIns="91425" lIns="91425" spcFirstLastPara="1" rIns="91425" wrap="square" tIns="91425">
+          <a:bodyPr spcFirstLastPara="1" wrap="square" lIns="91425" tIns="91425" rIns="91425" bIns="91425" anchor="ctr" anchorCtr="0">
             <a:noAutofit/>
           </a:bodyPr>
           <a:lstStyle>
@@ -2495,7 +2565,7 @@
             </a:lvl9pPr>
           </a:lstStyle>
           <a:p>
-            <a:pPr indent="0" lvl="0" marL="0" rtl="0" algn="r">
+            <a:pPr marL="0" lvl="0" indent="0" algn="r" rtl="0">
               <a:spcBef>
                 <a:spcPts val="0"/>
               </a:spcBef>
@@ -2521,11 +2591,11 @@
 </file>
 
 <file path=ppt/slideLayouts/slideLayout11.xml><?xml version="1.0" encoding="utf-8"?>
-<p:sldLayout xmlns:a="http://schemas.openxmlformats.org/drawingml/2006/main" xmlns:r="http://schemas.openxmlformats.org/officeDocument/2006/relationships" xmlns:mc="http://schemas.openxmlformats.org/markup-compatibility/2006" xmlns:mv="urn:schemas-microsoft-com:mac:vml" xmlns:p="http://schemas.openxmlformats.org/presentationml/2006/main" xmlns:c="http://schemas.openxmlformats.org/drawingml/2006/chart" xmlns:dgm="http://schemas.openxmlformats.org/drawingml/2006/diagram" xmlns:o="urn:schemas-microsoft-com:office:office" xmlns:v="urn:schemas-microsoft-com:vml" xmlns:pvml="urn:schemas-microsoft-com:office:powerpoint" xmlns:com="http://schemas.openxmlformats.org/drawingml/2006/compatibility" xmlns:p14="http://schemas.microsoft.com/office/powerpoint/2010/main" xmlns:p15="http://schemas.microsoft.com/office/powerpoint/2012/main" matchingName="Blank" type="blank">
+<p:sldLayout xmlns:a="http://schemas.openxmlformats.org/drawingml/2006/main" xmlns:r="http://schemas.openxmlformats.org/officeDocument/2006/relationships" xmlns:p="http://schemas.openxmlformats.org/presentationml/2006/main" matchingName="Blank" type="blank">
   <p:cSld name="BLANK">
     <p:spTree>
       <p:nvGrpSpPr>
-        <p:cNvPr id="48" name="Shape 48"/>
+        <p:cNvPr id="1" name="Shape 48"/>
         <p:cNvGrpSpPr/>
         <p:nvPr/>
       </p:nvGrpSpPr>
@@ -2540,9 +2610,11 @@
       <p:sp>
         <p:nvSpPr>
           <p:cNvPr id="49" name="Google Shape;49;p12"/>
-          <p:cNvSpPr txBox="1"/>
+          <p:cNvSpPr txBox="1">
+            <a:spLocks noGrp="1"/>
+          </p:cNvSpPr>
           <p:nvPr>
-            <p:ph idx="12" type="sldNum"/>
+            <p:ph type="sldNum" idx="12"/>
           </p:nvPr>
         </p:nvSpPr>
         <p:spPr>
@@ -2555,7 +2627,7 @@
           </a:prstGeom>
         </p:spPr>
         <p:txBody>
-          <a:bodyPr anchorCtr="0" anchor="ctr" bIns="91425" lIns="91425" spcFirstLastPara="1" rIns="91425" wrap="square" tIns="91425">
+          <a:bodyPr spcFirstLastPara="1" wrap="square" lIns="91425" tIns="91425" rIns="91425" bIns="91425" anchor="ctr" anchorCtr="0">
             <a:noAutofit/>
           </a:bodyPr>
           <a:lstStyle>
@@ -2597,7 +2669,7 @@
             </a:lvl9pPr>
           </a:lstStyle>
           <a:p>
-            <a:pPr indent="0" lvl="0" marL="0" rtl="0" algn="r">
+            <a:pPr marL="0" lvl="0" indent="0" algn="r" rtl="0">
               <a:spcBef>
                 <a:spcPts val="0"/>
               </a:spcBef>
@@ -2623,11 +2695,11 @@
 </file>
 
 <file path=ppt/slideLayouts/slideLayout2.xml><?xml version="1.0" encoding="utf-8"?>
-<p:sldLayout xmlns:a="http://schemas.openxmlformats.org/drawingml/2006/main" xmlns:r="http://schemas.openxmlformats.org/officeDocument/2006/relationships" xmlns:mc="http://schemas.openxmlformats.org/markup-compatibility/2006" xmlns:mv="urn:schemas-microsoft-com:mac:vml" xmlns:p="http://schemas.openxmlformats.org/presentationml/2006/main" xmlns:c="http://schemas.openxmlformats.org/drawingml/2006/chart" xmlns:dgm="http://schemas.openxmlformats.org/drawingml/2006/diagram" xmlns:o="urn:schemas-microsoft-com:office:office" xmlns:v="urn:schemas-microsoft-com:vml" xmlns:pvml="urn:schemas-microsoft-com:office:powerpoint" xmlns:com="http://schemas.openxmlformats.org/drawingml/2006/compatibility" xmlns:p14="http://schemas.microsoft.com/office/powerpoint/2010/main" xmlns:p15="http://schemas.microsoft.com/office/powerpoint/2012/main" matchingName="Section header" type="secHead">
+<p:sldLayout xmlns:a="http://schemas.openxmlformats.org/drawingml/2006/main" xmlns:r="http://schemas.openxmlformats.org/officeDocument/2006/relationships" xmlns:p="http://schemas.openxmlformats.org/presentationml/2006/main" matchingName="Section header" type="secHead">
   <p:cSld name="SECTION_HEADER">
     <p:spTree>
       <p:nvGrpSpPr>
-        <p:cNvPr id="13" name="Shape 13"/>
+        <p:cNvPr id="1" name="Shape 13"/>
         <p:cNvGrpSpPr/>
         <p:nvPr/>
       </p:nvGrpSpPr>
@@ -2642,7 +2714,9 @@
       <p:sp>
         <p:nvSpPr>
           <p:cNvPr id="14" name="Google Shape;14;p3"/>
-          <p:cNvSpPr txBox="1"/>
+          <p:cNvSpPr txBox="1">
+            <a:spLocks noGrp="1"/>
+          </p:cNvSpPr>
           <p:nvPr>
             <p:ph type="title"/>
           </p:nvPr>
@@ -2657,7 +2731,7 @@
           </a:prstGeom>
         </p:spPr>
         <p:txBody>
-          <a:bodyPr anchorCtr="0" anchor="ctr" bIns="91425" lIns="91425" spcFirstLastPara="1" rIns="91425" wrap="square" tIns="91425">
+          <a:bodyPr spcFirstLastPara="1" wrap="square" lIns="91425" tIns="91425" rIns="91425" bIns="91425" anchor="ctr" anchorCtr="0">
             <a:noAutofit/>
           </a:bodyPr>
           <a:lstStyle>
@@ -2761,15 +2835,19 @@
               <a:defRPr sz="3600"/>
             </a:lvl9pPr>
           </a:lstStyle>
-          <a:p/>
+          <a:p>
+            <a:endParaRPr/>
+          </a:p>
         </p:txBody>
       </p:sp>
       <p:sp>
         <p:nvSpPr>
           <p:cNvPr id="15" name="Google Shape;15;p3"/>
-          <p:cNvSpPr txBox="1"/>
+          <p:cNvSpPr txBox="1">
+            <a:spLocks noGrp="1"/>
+          </p:cNvSpPr>
           <p:nvPr>
-            <p:ph idx="12" type="sldNum"/>
+            <p:ph type="sldNum" idx="12"/>
           </p:nvPr>
         </p:nvSpPr>
         <p:spPr>
@@ -2782,7 +2860,7 @@
           </a:prstGeom>
         </p:spPr>
         <p:txBody>
-          <a:bodyPr anchorCtr="0" anchor="ctr" bIns="91425" lIns="91425" spcFirstLastPara="1" rIns="91425" wrap="square" tIns="91425">
+          <a:bodyPr spcFirstLastPara="1" wrap="square" lIns="91425" tIns="91425" rIns="91425" bIns="91425" anchor="ctr" anchorCtr="0">
             <a:noAutofit/>
           </a:bodyPr>
           <a:lstStyle>
@@ -2824,7 +2902,7 @@
             </a:lvl9pPr>
           </a:lstStyle>
           <a:p>
-            <a:pPr indent="0" lvl="0" marL="0" rtl="0" algn="r">
+            <a:pPr marL="0" lvl="0" indent="0" algn="r" rtl="0">
               <a:spcBef>
                 <a:spcPts val="0"/>
               </a:spcBef>
@@ -2850,11 +2928,11 @@
 </file>
 
 <file path=ppt/slideLayouts/slideLayout3.xml><?xml version="1.0" encoding="utf-8"?>
-<p:sldLayout xmlns:a="http://schemas.openxmlformats.org/drawingml/2006/main" xmlns:r="http://schemas.openxmlformats.org/officeDocument/2006/relationships" xmlns:mc="http://schemas.openxmlformats.org/markup-compatibility/2006" xmlns:mv="urn:schemas-microsoft-com:mac:vml" xmlns:p="http://schemas.openxmlformats.org/presentationml/2006/main" xmlns:c="http://schemas.openxmlformats.org/drawingml/2006/chart" xmlns:dgm="http://schemas.openxmlformats.org/drawingml/2006/diagram" xmlns:o="urn:schemas-microsoft-com:office:office" xmlns:v="urn:schemas-microsoft-com:vml" xmlns:pvml="urn:schemas-microsoft-com:office:powerpoint" xmlns:com="http://schemas.openxmlformats.org/drawingml/2006/compatibility" xmlns:p14="http://schemas.microsoft.com/office/powerpoint/2010/main" xmlns:p15="http://schemas.microsoft.com/office/powerpoint/2012/main" matchingName="Title and body" type="tx">
+<p:sldLayout xmlns:a="http://schemas.openxmlformats.org/drawingml/2006/main" xmlns:r="http://schemas.openxmlformats.org/officeDocument/2006/relationships" xmlns:p="http://schemas.openxmlformats.org/presentationml/2006/main" matchingName="Title and body" type="tx">
   <p:cSld name="TITLE_AND_BODY">
     <p:spTree>
       <p:nvGrpSpPr>
-        <p:cNvPr id="16" name="Shape 16"/>
+        <p:cNvPr id="1" name="Shape 16"/>
         <p:cNvGrpSpPr/>
         <p:nvPr/>
       </p:nvGrpSpPr>
@@ -2869,7 +2947,9 @@
       <p:sp>
         <p:nvSpPr>
           <p:cNvPr id="17" name="Google Shape;17;p4"/>
-          <p:cNvSpPr txBox="1"/>
+          <p:cNvSpPr txBox="1">
+            <a:spLocks noGrp="1"/>
+          </p:cNvSpPr>
           <p:nvPr>
             <p:ph type="title"/>
           </p:nvPr>
@@ -2884,7 +2964,7 @@
           </a:prstGeom>
         </p:spPr>
         <p:txBody>
-          <a:bodyPr anchorCtr="0" anchor="t" bIns="91425" lIns="91425" spcFirstLastPara="1" rIns="91425" wrap="square" tIns="91425">
+          <a:bodyPr spcFirstLastPara="1" wrap="square" lIns="91425" tIns="91425" rIns="91425" bIns="91425" anchor="t" anchorCtr="0">
             <a:noAutofit/>
           </a:bodyPr>
           <a:lstStyle>
@@ -2988,15 +3068,19 @@
               <a:defRPr/>
             </a:lvl9pPr>
           </a:lstStyle>
-          <a:p/>
+          <a:p>
+            <a:endParaRPr/>
+          </a:p>
         </p:txBody>
       </p:sp>
       <p:sp>
         <p:nvSpPr>
           <p:cNvPr id="18" name="Google Shape;18;p4"/>
-          <p:cNvSpPr txBox="1"/>
+          <p:cNvSpPr txBox="1">
+            <a:spLocks noGrp="1"/>
+          </p:cNvSpPr>
           <p:nvPr>
-            <p:ph idx="1" type="body"/>
+            <p:ph type="body" idx="1"/>
           </p:nvPr>
         </p:nvSpPr>
         <p:spPr>
@@ -3009,11 +3093,11 @@
           </a:prstGeom>
         </p:spPr>
         <p:txBody>
-          <a:bodyPr anchorCtr="0" anchor="t" bIns="91425" lIns="91425" spcFirstLastPara="1" rIns="91425" wrap="square" tIns="91425">
+          <a:bodyPr spcFirstLastPara="1" wrap="square" lIns="91425" tIns="91425" rIns="91425" bIns="91425" anchor="t" anchorCtr="0">
             <a:noAutofit/>
           </a:bodyPr>
           <a:lstStyle>
-            <a:lvl1pPr indent="-342900" lvl="0" marL="457200">
+            <a:lvl1pPr marL="457200" lvl="0" indent="-342900">
               <a:spcBef>
                 <a:spcPts val="0"/>
               </a:spcBef>
@@ -3024,7 +3108,7 @@
               <a:buChar char="●"/>
               <a:defRPr/>
             </a:lvl1pPr>
-            <a:lvl2pPr indent="-317500" lvl="1" marL="914400">
+            <a:lvl2pPr marL="914400" lvl="1" indent="-317500">
               <a:spcBef>
                 <a:spcPts val="1600"/>
               </a:spcBef>
@@ -3035,7 +3119,7 @@
               <a:buChar char="○"/>
               <a:defRPr/>
             </a:lvl2pPr>
-            <a:lvl3pPr indent="-317500" lvl="2" marL="1371600">
+            <a:lvl3pPr marL="1371600" lvl="2" indent="-317500">
               <a:spcBef>
                 <a:spcPts val="1600"/>
               </a:spcBef>
@@ -3046,7 +3130,7 @@
               <a:buChar char="■"/>
               <a:defRPr/>
             </a:lvl3pPr>
-            <a:lvl4pPr indent="-317500" lvl="3" marL="1828800">
+            <a:lvl4pPr marL="1828800" lvl="3" indent="-317500">
               <a:spcBef>
                 <a:spcPts val="1600"/>
               </a:spcBef>
@@ -3057,7 +3141,7 @@
               <a:buChar char="●"/>
               <a:defRPr/>
             </a:lvl4pPr>
-            <a:lvl5pPr indent="-317500" lvl="4" marL="2286000">
+            <a:lvl5pPr marL="2286000" lvl="4" indent="-317500">
               <a:spcBef>
                 <a:spcPts val="1600"/>
               </a:spcBef>
@@ -3068,7 +3152,7 @@
               <a:buChar char="○"/>
               <a:defRPr/>
             </a:lvl5pPr>
-            <a:lvl6pPr indent="-317500" lvl="5" marL="2743200">
+            <a:lvl6pPr marL="2743200" lvl="5" indent="-317500">
               <a:spcBef>
                 <a:spcPts val="1600"/>
               </a:spcBef>
@@ -3079,7 +3163,7 @@
               <a:buChar char="■"/>
               <a:defRPr/>
             </a:lvl6pPr>
-            <a:lvl7pPr indent="-317500" lvl="6" marL="3200400">
+            <a:lvl7pPr marL="3200400" lvl="6" indent="-317500">
               <a:spcBef>
                 <a:spcPts val="1600"/>
               </a:spcBef>
@@ -3090,7 +3174,7 @@
               <a:buChar char="●"/>
               <a:defRPr/>
             </a:lvl7pPr>
-            <a:lvl8pPr indent="-317500" lvl="7" marL="3657600">
+            <a:lvl8pPr marL="3657600" lvl="7" indent="-317500">
               <a:spcBef>
                 <a:spcPts val="1600"/>
               </a:spcBef>
@@ -3101,7 +3185,7 @@
               <a:buChar char="○"/>
               <a:defRPr/>
             </a:lvl8pPr>
-            <a:lvl9pPr indent="-317500" lvl="8" marL="4114800">
+            <a:lvl9pPr marL="4114800" lvl="8" indent="-317500">
               <a:spcBef>
                 <a:spcPts val="1600"/>
               </a:spcBef>
@@ -3113,15 +3197,19 @@
               <a:defRPr/>
             </a:lvl9pPr>
           </a:lstStyle>
-          <a:p/>
+          <a:p>
+            <a:endParaRPr/>
+          </a:p>
         </p:txBody>
       </p:sp>
       <p:sp>
         <p:nvSpPr>
           <p:cNvPr id="19" name="Google Shape;19;p4"/>
-          <p:cNvSpPr txBox="1"/>
+          <p:cNvSpPr txBox="1">
+            <a:spLocks noGrp="1"/>
+          </p:cNvSpPr>
           <p:nvPr>
-            <p:ph idx="12" type="sldNum"/>
+            <p:ph type="sldNum" idx="12"/>
           </p:nvPr>
         </p:nvSpPr>
         <p:spPr>
@@ -3134,7 +3222,7 @@
           </a:prstGeom>
         </p:spPr>
         <p:txBody>
-          <a:bodyPr anchorCtr="0" anchor="ctr" bIns="91425" lIns="91425" spcFirstLastPara="1" rIns="91425" wrap="square" tIns="91425">
+          <a:bodyPr spcFirstLastPara="1" wrap="square" lIns="91425" tIns="91425" rIns="91425" bIns="91425" anchor="ctr" anchorCtr="0">
             <a:noAutofit/>
           </a:bodyPr>
           <a:lstStyle>
@@ -3176,7 +3264,7 @@
             </a:lvl9pPr>
           </a:lstStyle>
           <a:p>
-            <a:pPr indent="0" lvl="0" marL="0" rtl="0" algn="r">
+            <a:pPr marL="0" lvl="0" indent="0" algn="r" rtl="0">
               <a:spcBef>
                 <a:spcPts val="0"/>
               </a:spcBef>
@@ -3202,11 +3290,11 @@
 </file>
 
 <file path=ppt/slideLayouts/slideLayout4.xml><?xml version="1.0" encoding="utf-8"?>
-<p:sldLayout xmlns:a="http://schemas.openxmlformats.org/drawingml/2006/main" xmlns:r="http://schemas.openxmlformats.org/officeDocument/2006/relationships" xmlns:mc="http://schemas.openxmlformats.org/markup-compatibility/2006" xmlns:mv="urn:schemas-microsoft-com:mac:vml" xmlns:p="http://schemas.openxmlformats.org/presentationml/2006/main" xmlns:c="http://schemas.openxmlformats.org/drawingml/2006/chart" xmlns:dgm="http://schemas.openxmlformats.org/drawingml/2006/diagram" xmlns:o="urn:schemas-microsoft-com:office:office" xmlns:v="urn:schemas-microsoft-com:vml" xmlns:pvml="urn:schemas-microsoft-com:office:powerpoint" xmlns:com="http://schemas.openxmlformats.org/drawingml/2006/compatibility" xmlns:p14="http://schemas.microsoft.com/office/powerpoint/2010/main" xmlns:p15="http://schemas.microsoft.com/office/powerpoint/2012/main" matchingName="Title and two columns" type="twoColTx">
+<p:sldLayout xmlns:a="http://schemas.openxmlformats.org/drawingml/2006/main" xmlns:r="http://schemas.openxmlformats.org/officeDocument/2006/relationships" xmlns:p="http://schemas.openxmlformats.org/presentationml/2006/main" matchingName="Title and two columns" type="twoColTx">
   <p:cSld name="TITLE_AND_TWO_COLUMNS">
     <p:spTree>
       <p:nvGrpSpPr>
-        <p:cNvPr id="20" name="Shape 20"/>
+        <p:cNvPr id="1" name="Shape 20"/>
         <p:cNvGrpSpPr/>
         <p:nvPr/>
       </p:nvGrpSpPr>
@@ -3221,7 +3309,9 @@
       <p:sp>
         <p:nvSpPr>
           <p:cNvPr id="21" name="Google Shape;21;p5"/>
-          <p:cNvSpPr txBox="1"/>
+          <p:cNvSpPr txBox="1">
+            <a:spLocks noGrp="1"/>
+          </p:cNvSpPr>
           <p:nvPr>
             <p:ph type="title"/>
           </p:nvPr>
@@ -3236,7 +3326,7 @@
           </a:prstGeom>
         </p:spPr>
         <p:txBody>
-          <a:bodyPr anchorCtr="0" anchor="t" bIns="91425" lIns="91425" spcFirstLastPara="1" rIns="91425" wrap="square" tIns="91425">
+          <a:bodyPr spcFirstLastPara="1" wrap="square" lIns="91425" tIns="91425" rIns="91425" bIns="91425" anchor="t" anchorCtr="0">
             <a:noAutofit/>
           </a:bodyPr>
           <a:lstStyle>
@@ -3340,15 +3430,19 @@
               <a:defRPr/>
             </a:lvl9pPr>
           </a:lstStyle>
-          <a:p/>
+          <a:p>
+            <a:endParaRPr/>
+          </a:p>
         </p:txBody>
       </p:sp>
       <p:sp>
         <p:nvSpPr>
           <p:cNvPr id="22" name="Google Shape;22;p5"/>
-          <p:cNvSpPr txBox="1"/>
+          <p:cNvSpPr txBox="1">
+            <a:spLocks noGrp="1"/>
+          </p:cNvSpPr>
           <p:nvPr>
-            <p:ph idx="1" type="body"/>
+            <p:ph type="body" idx="1"/>
           </p:nvPr>
         </p:nvSpPr>
         <p:spPr>
@@ -3361,11 +3455,11 @@
           </a:prstGeom>
         </p:spPr>
         <p:txBody>
-          <a:bodyPr anchorCtr="0" anchor="t" bIns="91425" lIns="91425" spcFirstLastPara="1" rIns="91425" wrap="square" tIns="91425">
+          <a:bodyPr spcFirstLastPara="1" wrap="square" lIns="91425" tIns="91425" rIns="91425" bIns="91425" anchor="t" anchorCtr="0">
             <a:noAutofit/>
           </a:bodyPr>
           <a:lstStyle>
-            <a:lvl1pPr indent="-317500" lvl="0" marL="457200">
+            <a:lvl1pPr marL="457200" lvl="0" indent="-317500">
               <a:spcBef>
                 <a:spcPts val="0"/>
               </a:spcBef>
@@ -3376,7 +3470,7 @@
               <a:buChar char="●"/>
               <a:defRPr sz="1400"/>
             </a:lvl1pPr>
-            <a:lvl2pPr indent="-304800" lvl="1" marL="914400">
+            <a:lvl2pPr marL="914400" lvl="1" indent="-304800">
               <a:spcBef>
                 <a:spcPts val="1600"/>
               </a:spcBef>
@@ -3387,7 +3481,7 @@
               <a:buChar char="○"/>
               <a:defRPr sz="1200"/>
             </a:lvl2pPr>
-            <a:lvl3pPr indent="-304800" lvl="2" marL="1371600">
+            <a:lvl3pPr marL="1371600" lvl="2" indent="-304800">
               <a:spcBef>
                 <a:spcPts val="1600"/>
               </a:spcBef>
@@ -3398,7 +3492,7 @@
               <a:buChar char="■"/>
               <a:defRPr sz="1200"/>
             </a:lvl3pPr>
-            <a:lvl4pPr indent="-304800" lvl="3" marL="1828800">
+            <a:lvl4pPr marL="1828800" lvl="3" indent="-304800">
               <a:spcBef>
                 <a:spcPts val="1600"/>
               </a:spcBef>
@@ -3409,7 +3503,7 @@
               <a:buChar char="●"/>
               <a:defRPr sz="1200"/>
             </a:lvl4pPr>
-            <a:lvl5pPr indent="-304800" lvl="4" marL="2286000">
+            <a:lvl5pPr marL="2286000" lvl="4" indent="-304800">
               <a:spcBef>
                 <a:spcPts val="1600"/>
               </a:spcBef>
@@ -3420,7 +3514,7 @@
               <a:buChar char="○"/>
               <a:defRPr sz="1200"/>
             </a:lvl5pPr>
-            <a:lvl6pPr indent="-304800" lvl="5" marL="2743200">
+            <a:lvl6pPr marL="2743200" lvl="5" indent="-304800">
               <a:spcBef>
                 <a:spcPts val="1600"/>
               </a:spcBef>
@@ -3431,7 +3525,7 @@
               <a:buChar char="■"/>
               <a:defRPr sz="1200"/>
             </a:lvl6pPr>
-            <a:lvl7pPr indent="-304800" lvl="6" marL="3200400">
+            <a:lvl7pPr marL="3200400" lvl="6" indent="-304800">
               <a:spcBef>
                 <a:spcPts val="1600"/>
               </a:spcBef>
@@ -3442,7 +3536,7 @@
               <a:buChar char="●"/>
               <a:defRPr sz="1200"/>
             </a:lvl7pPr>
-            <a:lvl8pPr indent="-304800" lvl="7" marL="3657600">
+            <a:lvl8pPr marL="3657600" lvl="7" indent="-304800">
               <a:spcBef>
                 <a:spcPts val="1600"/>
               </a:spcBef>
@@ -3453,7 +3547,7 @@
               <a:buChar char="○"/>
               <a:defRPr sz="1200"/>
             </a:lvl8pPr>
-            <a:lvl9pPr indent="-304800" lvl="8" marL="4114800">
+            <a:lvl9pPr marL="4114800" lvl="8" indent="-304800">
               <a:spcBef>
                 <a:spcPts val="1600"/>
               </a:spcBef>
@@ -3465,15 +3559,19 @@
               <a:defRPr sz="1200"/>
             </a:lvl9pPr>
           </a:lstStyle>
-          <a:p/>
+          <a:p>
+            <a:endParaRPr/>
+          </a:p>
         </p:txBody>
       </p:sp>
       <p:sp>
         <p:nvSpPr>
           <p:cNvPr id="23" name="Google Shape;23;p5"/>
-          <p:cNvSpPr txBox="1"/>
+          <p:cNvSpPr txBox="1">
+            <a:spLocks noGrp="1"/>
+          </p:cNvSpPr>
           <p:nvPr>
-            <p:ph idx="2" type="body"/>
+            <p:ph type="body" idx="2"/>
           </p:nvPr>
         </p:nvSpPr>
         <p:spPr>
@@ -3486,11 +3584,11 @@
           </a:prstGeom>
         </p:spPr>
         <p:txBody>
-          <a:bodyPr anchorCtr="0" anchor="t" bIns="91425" lIns="91425" spcFirstLastPara="1" rIns="91425" wrap="square" tIns="91425">
+          <a:bodyPr spcFirstLastPara="1" wrap="square" lIns="91425" tIns="91425" rIns="91425" bIns="91425" anchor="t" anchorCtr="0">
             <a:noAutofit/>
           </a:bodyPr>
           <a:lstStyle>
-            <a:lvl1pPr indent="-317500" lvl="0" marL="457200">
+            <a:lvl1pPr marL="457200" lvl="0" indent="-317500">
               <a:spcBef>
                 <a:spcPts val="0"/>
               </a:spcBef>
@@ -3501,7 +3599,7 @@
               <a:buChar char="●"/>
               <a:defRPr sz="1400"/>
             </a:lvl1pPr>
-            <a:lvl2pPr indent="-304800" lvl="1" marL="914400">
+            <a:lvl2pPr marL="914400" lvl="1" indent="-304800">
               <a:spcBef>
                 <a:spcPts val="1600"/>
               </a:spcBef>
@@ -3512,7 +3610,7 @@
               <a:buChar char="○"/>
               <a:defRPr sz="1200"/>
             </a:lvl2pPr>
-            <a:lvl3pPr indent="-304800" lvl="2" marL="1371600">
+            <a:lvl3pPr marL="1371600" lvl="2" indent="-304800">
               <a:spcBef>
                 <a:spcPts val="1600"/>
               </a:spcBef>
@@ -3523,7 +3621,7 @@
               <a:buChar char="■"/>
               <a:defRPr sz="1200"/>
             </a:lvl3pPr>
-            <a:lvl4pPr indent="-304800" lvl="3" marL="1828800">
+            <a:lvl4pPr marL="1828800" lvl="3" indent="-304800">
               <a:spcBef>
                 <a:spcPts val="1600"/>
               </a:spcBef>
@@ -3534,7 +3632,7 @@
               <a:buChar char="●"/>
               <a:defRPr sz="1200"/>
             </a:lvl4pPr>
-            <a:lvl5pPr indent="-304800" lvl="4" marL="2286000">
+            <a:lvl5pPr marL="2286000" lvl="4" indent="-304800">
               <a:spcBef>
                 <a:spcPts val="1600"/>
               </a:spcBef>
@@ -3545,7 +3643,7 @@
               <a:buChar char="○"/>
               <a:defRPr sz="1200"/>
             </a:lvl5pPr>
-            <a:lvl6pPr indent="-304800" lvl="5" marL="2743200">
+            <a:lvl6pPr marL="2743200" lvl="5" indent="-304800">
               <a:spcBef>
                 <a:spcPts val="1600"/>
               </a:spcBef>
@@ -3556,7 +3654,7 @@
               <a:buChar char="■"/>
               <a:defRPr sz="1200"/>
             </a:lvl6pPr>
-            <a:lvl7pPr indent="-304800" lvl="6" marL="3200400">
+            <a:lvl7pPr marL="3200400" lvl="6" indent="-304800">
               <a:spcBef>
                 <a:spcPts val="1600"/>
               </a:spcBef>
@@ -3567,7 +3665,7 @@
               <a:buChar char="●"/>
               <a:defRPr sz="1200"/>
             </a:lvl7pPr>
-            <a:lvl8pPr indent="-304800" lvl="7" marL="3657600">
+            <a:lvl8pPr marL="3657600" lvl="7" indent="-304800">
               <a:spcBef>
                 <a:spcPts val="1600"/>
               </a:spcBef>
@@ -3578,7 +3676,7 @@
               <a:buChar char="○"/>
               <a:defRPr sz="1200"/>
             </a:lvl8pPr>
-            <a:lvl9pPr indent="-304800" lvl="8" marL="4114800">
+            <a:lvl9pPr marL="4114800" lvl="8" indent="-304800">
               <a:spcBef>
                 <a:spcPts val="1600"/>
               </a:spcBef>
@@ -3590,15 +3688,19 @@
               <a:defRPr sz="1200"/>
             </a:lvl9pPr>
           </a:lstStyle>
-          <a:p/>
+          <a:p>
+            <a:endParaRPr/>
+          </a:p>
         </p:txBody>
       </p:sp>
       <p:sp>
         <p:nvSpPr>
           <p:cNvPr id="24" name="Google Shape;24;p5"/>
-          <p:cNvSpPr txBox="1"/>
+          <p:cNvSpPr txBox="1">
+            <a:spLocks noGrp="1"/>
+          </p:cNvSpPr>
           <p:nvPr>
-            <p:ph idx="12" type="sldNum"/>
+            <p:ph type="sldNum" idx="12"/>
           </p:nvPr>
         </p:nvSpPr>
         <p:spPr>
@@ -3611,7 +3713,7 @@
           </a:prstGeom>
         </p:spPr>
         <p:txBody>
-          <a:bodyPr anchorCtr="0" anchor="ctr" bIns="91425" lIns="91425" spcFirstLastPara="1" rIns="91425" wrap="square" tIns="91425">
+          <a:bodyPr spcFirstLastPara="1" wrap="square" lIns="91425" tIns="91425" rIns="91425" bIns="91425" anchor="ctr" anchorCtr="0">
             <a:noAutofit/>
           </a:bodyPr>
           <a:lstStyle>
@@ -3653,7 +3755,7 @@
             </a:lvl9pPr>
           </a:lstStyle>
           <a:p>
-            <a:pPr indent="0" lvl="0" marL="0" rtl="0" algn="r">
+            <a:pPr marL="0" lvl="0" indent="0" algn="r" rtl="0">
               <a:spcBef>
                 <a:spcPts val="0"/>
               </a:spcBef>
@@ -3679,11 +3781,11 @@
 </file>
 
 <file path=ppt/slideLayouts/slideLayout5.xml><?xml version="1.0" encoding="utf-8"?>
-<p:sldLayout xmlns:a="http://schemas.openxmlformats.org/drawingml/2006/main" xmlns:r="http://schemas.openxmlformats.org/officeDocument/2006/relationships" xmlns:mc="http://schemas.openxmlformats.org/markup-compatibility/2006" xmlns:mv="urn:schemas-microsoft-com:mac:vml" xmlns:p="http://schemas.openxmlformats.org/presentationml/2006/main" xmlns:c="http://schemas.openxmlformats.org/drawingml/2006/chart" xmlns:dgm="http://schemas.openxmlformats.org/drawingml/2006/diagram" xmlns:o="urn:schemas-microsoft-com:office:office" xmlns:v="urn:schemas-microsoft-com:vml" xmlns:pvml="urn:schemas-microsoft-com:office:powerpoint" xmlns:com="http://schemas.openxmlformats.org/drawingml/2006/compatibility" xmlns:p14="http://schemas.microsoft.com/office/powerpoint/2010/main" xmlns:p15="http://schemas.microsoft.com/office/powerpoint/2012/main" matchingName="Title only" type="titleOnly">
+<p:sldLayout xmlns:a="http://schemas.openxmlformats.org/drawingml/2006/main" xmlns:r="http://schemas.openxmlformats.org/officeDocument/2006/relationships" xmlns:p="http://schemas.openxmlformats.org/presentationml/2006/main" matchingName="Title only" type="titleOnly">
   <p:cSld name="TITLE_ONLY">
     <p:spTree>
       <p:nvGrpSpPr>
-        <p:cNvPr id="25" name="Shape 25"/>
+        <p:cNvPr id="1" name="Shape 25"/>
         <p:cNvGrpSpPr/>
         <p:nvPr/>
       </p:nvGrpSpPr>
@@ -3698,7 +3800,9 @@
       <p:sp>
         <p:nvSpPr>
           <p:cNvPr id="26" name="Google Shape;26;p6"/>
-          <p:cNvSpPr txBox="1"/>
+          <p:cNvSpPr txBox="1">
+            <a:spLocks noGrp="1"/>
+          </p:cNvSpPr>
           <p:nvPr>
             <p:ph type="title"/>
           </p:nvPr>
@@ -3713,7 +3817,7 @@
           </a:prstGeom>
         </p:spPr>
         <p:txBody>
-          <a:bodyPr anchorCtr="0" anchor="t" bIns="91425" lIns="91425" spcFirstLastPara="1" rIns="91425" wrap="square" tIns="91425">
+          <a:bodyPr spcFirstLastPara="1" wrap="square" lIns="91425" tIns="91425" rIns="91425" bIns="91425" anchor="t" anchorCtr="0">
             <a:noAutofit/>
           </a:bodyPr>
           <a:lstStyle>
@@ -3817,15 +3921,19 @@
               <a:defRPr/>
             </a:lvl9pPr>
           </a:lstStyle>
-          <a:p/>
+          <a:p>
+            <a:endParaRPr/>
+          </a:p>
         </p:txBody>
       </p:sp>
       <p:sp>
         <p:nvSpPr>
           <p:cNvPr id="27" name="Google Shape;27;p6"/>
-          <p:cNvSpPr txBox="1"/>
+          <p:cNvSpPr txBox="1">
+            <a:spLocks noGrp="1"/>
+          </p:cNvSpPr>
           <p:nvPr>
-            <p:ph idx="12" type="sldNum"/>
+            <p:ph type="sldNum" idx="12"/>
           </p:nvPr>
         </p:nvSpPr>
         <p:spPr>
@@ -3838,7 +3946,7 @@
           </a:prstGeom>
         </p:spPr>
         <p:txBody>
-          <a:bodyPr anchorCtr="0" anchor="ctr" bIns="91425" lIns="91425" spcFirstLastPara="1" rIns="91425" wrap="square" tIns="91425">
+          <a:bodyPr spcFirstLastPara="1" wrap="square" lIns="91425" tIns="91425" rIns="91425" bIns="91425" anchor="ctr" anchorCtr="0">
             <a:noAutofit/>
           </a:bodyPr>
           <a:lstStyle>
@@ -3880,7 +3988,7 @@
             </a:lvl9pPr>
           </a:lstStyle>
           <a:p>
-            <a:pPr indent="0" lvl="0" marL="0" rtl="0" algn="r">
+            <a:pPr marL="0" lvl="0" indent="0" algn="r" rtl="0">
               <a:spcBef>
                 <a:spcPts val="0"/>
               </a:spcBef>
@@ -3906,11 +4014,11 @@
 </file>
 
 <file path=ppt/slideLayouts/slideLayout6.xml><?xml version="1.0" encoding="utf-8"?>
-<p:sldLayout xmlns:a="http://schemas.openxmlformats.org/drawingml/2006/main" xmlns:r="http://schemas.openxmlformats.org/officeDocument/2006/relationships" xmlns:mc="http://schemas.openxmlformats.org/markup-compatibility/2006" xmlns:mv="urn:schemas-microsoft-com:mac:vml" xmlns:p="http://schemas.openxmlformats.org/presentationml/2006/main" xmlns:c="http://schemas.openxmlformats.org/drawingml/2006/chart" xmlns:dgm="http://schemas.openxmlformats.org/drawingml/2006/diagram" xmlns:o="urn:schemas-microsoft-com:office:office" xmlns:v="urn:schemas-microsoft-com:vml" xmlns:pvml="urn:schemas-microsoft-com:office:powerpoint" xmlns:com="http://schemas.openxmlformats.org/drawingml/2006/compatibility" xmlns:p14="http://schemas.microsoft.com/office/powerpoint/2010/main" xmlns:p15="http://schemas.microsoft.com/office/powerpoint/2012/main" matchingName="One column text">
+<p:sldLayout xmlns:a="http://schemas.openxmlformats.org/drawingml/2006/main" xmlns:r="http://schemas.openxmlformats.org/officeDocument/2006/relationships" xmlns:p="http://schemas.openxmlformats.org/presentationml/2006/main" matchingName="One column text">
   <p:cSld name="ONE_COLUMN_TEXT">
     <p:spTree>
       <p:nvGrpSpPr>
-        <p:cNvPr id="28" name="Shape 28"/>
+        <p:cNvPr id="1" name="Shape 28"/>
         <p:cNvGrpSpPr/>
         <p:nvPr/>
       </p:nvGrpSpPr>
@@ -3925,7 +4033,9 @@
       <p:sp>
         <p:nvSpPr>
           <p:cNvPr id="29" name="Google Shape;29;p7"/>
-          <p:cNvSpPr txBox="1"/>
+          <p:cNvSpPr txBox="1">
+            <a:spLocks noGrp="1"/>
+          </p:cNvSpPr>
           <p:nvPr>
             <p:ph type="title"/>
           </p:nvPr>
@@ -3940,7 +4050,7 @@
           </a:prstGeom>
         </p:spPr>
         <p:txBody>
-          <a:bodyPr anchorCtr="0" anchor="b" bIns="91425" lIns="91425" spcFirstLastPara="1" rIns="91425" wrap="square" tIns="91425">
+          <a:bodyPr spcFirstLastPara="1" wrap="square" lIns="91425" tIns="91425" rIns="91425" bIns="91425" anchor="b" anchorCtr="0">
             <a:noAutofit/>
           </a:bodyPr>
           <a:lstStyle>
@@ -4044,15 +4154,19 @@
               <a:defRPr sz="2400"/>
             </a:lvl9pPr>
           </a:lstStyle>
-          <a:p/>
+          <a:p>
+            <a:endParaRPr/>
+          </a:p>
         </p:txBody>
       </p:sp>
       <p:sp>
         <p:nvSpPr>
           <p:cNvPr id="30" name="Google Shape;30;p7"/>
-          <p:cNvSpPr txBox="1"/>
+          <p:cNvSpPr txBox="1">
+            <a:spLocks noGrp="1"/>
+          </p:cNvSpPr>
           <p:nvPr>
-            <p:ph idx="1" type="body"/>
+            <p:ph type="body" idx="1"/>
           </p:nvPr>
         </p:nvSpPr>
         <p:spPr>
@@ -4065,11 +4179,11 @@
           </a:prstGeom>
         </p:spPr>
         <p:txBody>
-          <a:bodyPr anchorCtr="0" anchor="t" bIns="91425" lIns="91425" spcFirstLastPara="1" rIns="91425" wrap="square" tIns="91425">
+          <a:bodyPr spcFirstLastPara="1" wrap="square" lIns="91425" tIns="91425" rIns="91425" bIns="91425" anchor="t" anchorCtr="0">
             <a:noAutofit/>
           </a:bodyPr>
           <a:lstStyle>
-            <a:lvl1pPr indent="-304800" lvl="0" marL="457200">
+            <a:lvl1pPr marL="457200" lvl="0" indent="-304800">
               <a:spcBef>
                 <a:spcPts val="0"/>
               </a:spcBef>
@@ -4080,7 +4194,7 @@
               <a:buChar char="●"/>
               <a:defRPr sz="1200"/>
             </a:lvl1pPr>
-            <a:lvl2pPr indent="-304800" lvl="1" marL="914400">
+            <a:lvl2pPr marL="914400" lvl="1" indent="-304800">
               <a:spcBef>
                 <a:spcPts val="1600"/>
               </a:spcBef>
@@ -4091,7 +4205,7 @@
               <a:buChar char="○"/>
               <a:defRPr sz="1200"/>
             </a:lvl2pPr>
-            <a:lvl3pPr indent="-304800" lvl="2" marL="1371600">
+            <a:lvl3pPr marL="1371600" lvl="2" indent="-304800">
               <a:spcBef>
                 <a:spcPts val="1600"/>
               </a:spcBef>
@@ -4102,7 +4216,7 @@
               <a:buChar char="■"/>
               <a:defRPr sz="1200"/>
             </a:lvl3pPr>
-            <a:lvl4pPr indent="-304800" lvl="3" marL="1828800">
+            <a:lvl4pPr marL="1828800" lvl="3" indent="-304800">
               <a:spcBef>
                 <a:spcPts val="1600"/>
               </a:spcBef>
@@ -4113,7 +4227,7 @@
               <a:buChar char="●"/>
               <a:defRPr sz="1200"/>
             </a:lvl4pPr>
-            <a:lvl5pPr indent="-304800" lvl="4" marL="2286000">
+            <a:lvl5pPr marL="2286000" lvl="4" indent="-304800">
               <a:spcBef>
                 <a:spcPts val="1600"/>
               </a:spcBef>
@@ -4124,7 +4238,7 @@
               <a:buChar char="○"/>
               <a:defRPr sz="1200"/>
             </a:lvl5pPr>
-            <a:lvl6pPr indent="-304800" lvl="5" marL="2743200">
+            <a:lvl6pPr marL="2743200" lvl="5" indent="-304800">
               <a:spcBef>
                 <a:spcPts val="1600"/>
               </a:spcBef>
@@ -4135,7 +4249,7 @@
               <a:buChar char="■"/>
               <a:defRPr sz="1200"/>
             </a:lvl6pPr>
-            <a:lvl7pPr indent="-304800" lvl="6" marL="3200400">
+            <a:lvl7pPr marL="3200400" lvl="6" indent="-304800">
               <a:spcBef>
                 <a:spcPts val="1600"/>
               </a:spcBef>
@@ -4146,7 +4260,7 @@
               <a:buChar char="●"/>
               <a:defRPr sz="1200"/>
             </a:lvl7pPr>
-            <a:lvl8pPr indent="-304800" lvl="7" marL="3657600">
+            <a:lvl8pPr marL="3657600" lvl="7" indent="-304800">
               <a:spcBef>
                 <a:spcPts val="1600"/>
               </a:spcBef>
@@ -4157,7 +4271,7 @@
               <a:buChar char="○"/>
               <a:defRPr sz="1200"/>
             </a:lvl8pPr>
-            <a:lvl9pPr indent="-304800" lvl="8" marL="4114800">
+            <a:lvl9pPr marL="4114800" lvl="8" indent="-304800">
               <a:spcBef>
                 <a:spcPts val="1600"/>
               </a:spcBef>
@@ -4169,15 +4283,19 @@
               <a:defRPr sz="1200"/>
             </a:lvl9pPr>
           </a:lstStyle>
-          <a:p/>
+          <a:p>
+            <a:endParaRPr/>
+          </a:p>
         </p:txBody>
       </p:sp>
       <p:sp>
         <p:nvSpPr>
           <p:cNvPr id="31" name="Google Shape;31;p7"/>
-          <p:cNvSpPr txBox="1"/>
+          <p:cNvSpPr txBox="1">
+            <a:spLocks noGrp="1"/>
+          </p:cNvSpPr>
           <p:nvPr>
-            <p:ph idx="12" type="sldNum"/>
+            <p:ph type="sldNum" idx="12"/>
           </p:nvPr>
         </p:nvSpPr>
         <p:spPr>
@@ -4190,7 +4308,7 @@
           </a:prstGeom>
         </p:spPr>
         <p:txBody>
-          <a:bodyPr anchorCtr="0" anchor="ctr" bIns="91425" lIns="91425" spcFirstLastPara="1" rIns="91425" wrap="square" tIns="91425">
+          <a:bodyPr spcFirstLastPara="1" wrap="square" lIns="91425" tIns="91425" rIns="91425" bIns="91425" anchor="ctr" anchorCtr="0">
             <a:noAutofit/>
           </a:bodyPr>
           <a:lstStyle>
@@ -4232,7 +4350,7 @@
             </a:lvl9pPr>
           </a:lstStyle>
           <a:p>
-            <a:pPr indent="0" lvl="0" marL="0" rtl="0" algn="r">
+            <a:pPr marL="0" lvl="0" indent="0" algn="r" rtl="0">
               <a:spcBef>
                 <a:spcPts val="0"/>
               </a:spcBef>
@@ -4258,11 +4376,11 @@
 </file>
 
 <file path=ppt/slideLayouts/slideLayout7.xml><?xml version="1.0" encoding="utf-8"?>
-<p:sldLayout xmlns:a="http://schemas.openxmlformats.org/drawingml/2006/main" xmlns:r="http://schemas.openxmlformats.org/officeDocument/2006/relationships" xmlns:mc="http://schemas.openxmlformats.org/markup-compatibility/2006" xmlns:mv="urn:schemas-microsoft-com:mac:vml" xmlns:p="http://schemas.openxmlformats.org/presentationml/2006/main" xmlns:c="http://schemas.openxmlformats.org/drawingml/2006/chart" xmlns:dgm="http://schemas.openxmlformats.org/drawingml/2006/diagram" xmlns:o="urn:schemas-microsoft-com:office:office" xmlns:v="urn:schemas-microsoft-com:vml" xmlns:pvml="urn:schemas-microsoft-com:office:powerpoint" xmlns:com="http://schemas.openxmlformats.org/drawingml/2006/compatibility" xmlns:p14="http://schemas.microsoft.com/office/powerpoint/2010/main" xmlns:p15="http://schemas.microsoft.com/office/powerpoint/2012/main" matchingName="Main point">
+<p:sldLayout xmlns:a="http://schemas.openxmlformats.org/drawingml/2006/main" xmlns:r="http://schemas.openxmlformats.org/officeDocument/2006/relationships" xmlns:p="http://schemas.openxmlformats.org/presentationml/2006/main" matchingName="Main point">
   <p:cSld name="MAIN_POINT">
     <p:spTree>
       <p:nvGrpSpPr>
-        <p:cNvPr id="32" name="Shape 32"/>
+        <p:cNvPr id="1" name="Shape 32"/>
         <p:cNvGrpSpPr/>
         <p:nvPr/>
       </p:nvGrpSpPr>
@@ -4277,7 +4395,9 @@
       <p:sp>
         <p:nvSpPr>
           <p:cNvPr id="33" name="Google Shape;33;p8"/>
-          <p:cNvSpPr txBox="1"/>
+          <p:cNvSpPr txBox="1">
+            <a:spLocks noGrp="1"/>
+          </p:cNvSpPr>
           <p:nvPr>
             <p:ph type="title"/>
           </p:nvPr>
@@ -4292,7 +4412,7 @@
           </a:prstGeom>
         </p:spPr>
         <p:txBody>
-          <a:bodyPr anchorCtr="0" anchor="ctr" bIns="91425" lIns="91425" spcFirstLastPara="1" rIns="91425" wrap="square" tIns="91425">
+          <a:bodyPr spcFirstLastPara="1" wrap="square" lIns="91425" tIns="91425" rIns="91425" bIns="91425" anchor="ctr" anchorCtr="0">
             <a:noAutofit/>
           </a:bodyPr>
           <a:lstStyle>
@@ -4396,15 +4516,19 @@
               <a:defRPr sz="4800"/>
             </a:lvl9pPr>
           </a:lstStyle>
-          <a:p/>
+          <a:p>
+            <a:endParaRPr/>
+          </a:p>
         </p:txBody>
       </p:sp>
       <p:sp>
         <p:nvSpPr>
           <p:cNvPr id="34" name="Google Shape;34;p8"/>
-          <p:cNvSpPr txBox="1"/>
+          <p:cNvSpPr txBox="1">
+            <a:spLocks noGrp="1"/>
+          </p:cNvSpPr>
           <p:nvPr>
-            <p:ph idx="12" type="sldNum"/>
+            <p:ph type="sldNum" idx="12"/>
           </p:nvPr>
         </p:nvSpPr>
         <p:spPr>
@@ -4417,7 +4541,7 @@
           </a:prstGeom>
         </p:spPr>
         <p:txBody>
-          <a:bodyPr anchorCtr="0" anchor="ctr" bIns="91425" lIns="91425" spcFirstLastPara="1" rIns="91425" wrap="square" tIns="91425">
+          <a:bodyPr spcFirstLastPara="1" wrap="square" lIns="91425" tIns="91425" rIns="91425" bIns="91425" anchor="ctr" anchorCtr="0">
             <a:noAutofit/>
           </a:bodyPr>
           <a:lstStyle>
@@ -4459,7 +4583,7 @@
             </a:lvl9pPr>
           </a:lstStyle>
           <a:p>
-            <a:pPr indent="0" lvl="0" marL="0" rtl="0" algn="r">
+            <a:pPr marL="0" lvl="0" indent="0" algn="r" rtl="0">
               <a:spcBef>
                 <a:spcPts val="0"/>
               </a:spcBef>
@@ -4485,11 +4609,11 @@
 </file>
 
 <file path=ppt/slideLayouts/slideLayout8.xml><?xml version="1.0" encoding="utf-8"?>
-<p:sldLayout xmlns:a="http://schemas.openxmlformats.org/drawingml/2006/main" xmlns:r="http://schemas.openxmlformats.org/officeDocument/2006/relationships" xmlns:mc="http://schemas.openxmlformats.org/markup-compatibility/2006" xmlns:mv="urn:schemas-microsoft-com:mac:vml" xmlns:p="http://schemas.openxmlformats.org/presentationml/2006/main" xmlns:c="http://schemas.openxmlformats.org/drawingml/2006/chart" xmlns:dgm="http://schemas.openxmlformats.org/drawingml/2006/diagram" xmlns:o="urn:schemas-microsoft-com:office:office" xmlns:v="urn:schemas-microsoft-com:vml" xmlns:pvml="urn:schemas-microsoft-com:office:powerpoint" xmlns:com="http://schemas.openxmlformats.org/drawingml/2006/compatibility" xmlns:p14="http://schemas.microsoft.com/office/powerpoint/2010/main" xmlns:p15="http://schemas.microsoft.com/office/powerpoint/2012/main" matchingName="Section title and description">
+<p:sldLayout xmlns:a="http://schemas.openxmlformats.org/drawingml/2006/main" xmlns:r="http://schemas.openxmlformats.org/officeDocument/2006/relationships" xmlns:p="http://schemas.openxmlformats.org/presentationml/2006/main" matchingName="Section title and description">
   <p:cSld name="SECTION_TITLE_AND_DESCRIPTION">
     <p:spTree>
       <p:nvGrpSpPr>
-        <p:cNvPr id="35" name="Shape 35"/>
+        <p:cNvPr id="1" name="Shape 35"/>
         <p:cNvGrpSpPr/>
         <p:nvPr/>
       </p:nvGrpSpPr>
@@ -4523,12 +4647,12 @@
           </a:ln>
         </p:spPr>
         <p:txBody>
-          <a:bodyPr anchorCtr="0" anchor="ctr" bIns="91425" lIns="91425" spcFirstLastPara="1" rIns="91425" wrap="square" tIns="91425">
+          <a:bodyPr spcFirstLastPara="1" wrap="square" lIns="91425" tIns="91425" rIns="91425" bIns="91425" anchor="ctr" anchorCtr="0">
             <a:noAutofit/>
           </a:bodyPr>
           <a:lstStyle/>
           <a:p>
-            <a:pPr indent="0" lvl="0" marL="0" rtl="0" algn="l">
+            <a:pPr marL="0" lvl="0" indent="0" algn="l" rtl="0">
               <a:spcBef>
                 <a:spcPts val="0"/>
               </a:spcBef>
@@ -4537,9 +4661,6 @@
               </a:spcAft>
               <a:buNone/>
             </a:pPr>
-            <a:r>
-              <a:t/>
-            </a:r>
             <a:endParaRPr/>
           </a:p>
         </p:txBody>
@@ -4547,7 +4668,9 @@
       <p:sp>
         <p:nvSpPr>
           <p:cNvPr id="37" name="Google Shape;37;p9"/>
-          <p:cNvSpPr txBox="1"/>
+          <p:cNvSpPr txBox="1">
+            <a:spLocks noGrp="1"/>
+          </p:cNvSpPr>
           <p:nvPr>
             <p:ph type="title"/>
           </p:nvPr>
@@ -4562,7 +4685,7 @@
           </a:prstGeom>
         </p:spPr>
         <p:txBody>
-          <a:bodyPr anchorCtr="0" anchor="b" bIns="91425" lIns="91425" spcFirstLastPara="1" rIns="91425" wrap="square" tIns="91425">
+          <a:bodyPr spcFirstLastPara="1" wrap="square" lIns="91425" tIns="91425" rIns="91425" bIns="91425" anchor="b" anchorCtr="0">
             <a:noAutofit/>
           </a:bodyPr>
           <a:lstStyle>
@@ -4666,15 +4789,19 @@
               <a:defRPr sz="4200"/>
             </a:lvl9pPr>
           </a:lstStyle>
-          <a:p/>
+          <a:p>
+            <a:endParaRPr/>
+          </a:p>
         </p:txBody>
       </p:sp>
       <p:sp>
         <p:nvSpPr>
           <p:cNvPr id="38" name="Google Shape;38;p9"/>
-          <p:cNvSpPr txBox="1"/>
+          <p:cNvSpPr txBox="1">
+            <a:spLocks noGrp="1"/>
+          </p:cNvSpPr>
           <p:nvPr>
-            <p:ph idx="1" type="subTitle"/>
+            <p:ph type="subTitle" idx="1"/>
           </p:nvPr>
         </p:nvSpPr>
         <p:spPr>
@@ -4687,7 +4814,7 @@
           </a:prstGeom>
         </p:spPr>
         <p:txBody>
-          <a:bodyPr anchorCtr="0" anchor="t" bIns="91425" lIns="91425" spcFirstLastPara="1" rIns="91425" wrap="square" tIns="91425">
+          <a:bodyPr spcFirstLastPara="1" wrap="square" lIns="91425" tIns="91425" rIns="91425" bIns="91425" anchor="t" anchorCtr="0">
             <a:noAutofit/>
           </a:bodyPr>
           <a:lstStyle>
@@ -4818,15 +4945,19 @@
               <a:defRPr sz="2100"/>
             </a:lvl9pPr>
           </a:lstStyle>
-          <a:p/>
+          <a:p>
+            <a:endParaRPr/>
+          </a:p>
         </p:txBody>
       </p:sp>
       <p:sp>
         <p:nvSpPr>
           <p:cNvPr id="39" name="Google Shape;39;p9"/>
-          <p:cNvSpPr txBox="1"/>
+          <p:cNvSpPr txBox="1">
+            <a:spLocks noGrp="1"/>
+          </p:cNvSpPr>
           <p:nvPr>
-            <p:ph idx="2" type="body"/>
+            <p:ph type="body" idx="2"/>
           </p:nvPr>
         </p:nvSpPr>
         <p:spPr>
@@ -4839,11 +4970,11 @@
           </a:prstGeom>
         </p:spPr>
         <p:txBody>
-          <a:bodyPr anchorCtr="0" anchor="ctr" bIns="91425" lIns="91425" spcFirstLastPara="1" rIns="91425" wrap="square" tIns="91425">
+          <a:bodyPr spcFirstLastPara="1" wrap="square" lIns="91425" tIns="91425" rIns="91425" bIns="91425" anchor="ctr" anchorCtr="0">
             <a:noAutofit/>
           </a:bodyPr>
           <a:lstStyle>
-            <a:lvl1pPr indent="-342900" lvl="0" marL="457200">
+            <a:lvl1pPr marL="457200" lvl="0" indent="-342900">
               <a:spcBef>
                 <a:spcPts val="0"/>
               </a:spcBef>
@@ -4854,7 +4985,7 @@
               <a:buChar char="●"/>
               <a:defRPr/>
             </a:lvl1pPr>
-            <a:lvl2pPr indent="-317500" lvl="1" marL="914400">
+            <a:lvl2pPr marL="914400" lvl="1" indent="-317500">
               <a:spcBef>
                 <a:spcPts val="1600"/>
               </a:spcBef>
@@ -4865,7 +4996,7 @@
               <a:buChar char="○"/>
               <a:defRPr/>
             </a:lvl2pPr>
-            <a:lvl3pPr indent="-317500" lvl="2" marL="1371600">
+            <a:lvl3pPr marL="1371600" lvl="2" indent="-317500">
               <a:spcBef>
                 <a:spcPts val="1600"/>
               </a:spcBef>
@@ -4876,7 +5007,7 @@
               <a:buChar char="■"/>
               <a:defRPr/>
             </a:lvl3pPr>
-            <a:lvl4pPr indent="-317500" lvl="3" marL="1828800">
+            <a:lvl4pPr marL="1828800" lvl="3" indent="-317500">
               <a:spcBef>
                 <a:spcPts val="1600"/>
               </a:spcBef>
@@ -4887,7 +5018,7 @@
               <a:buChar char="●"/>
               <a:defRPr/>
             </a:lvl4pPr>
-            <a:lvl5pPr indent="-317500" lvl="4" marL="2286000">
+            <a:lvl5pPr marL="2286000" lvl="4" indent="-317500">
               <a:spcBef>
                 <a:spcPts val="1600"/>
               </a:spcBef>
@@ -4898,7 +5029,7 @@
               <a:buChar char="○"/>
               <a:defRPr/>
             </a:lvl5pPr>
-            <a:lvl6pPr indent="-317500" lvl="5" marL="2743200">
+            <a:lvl6pPr marL="2743200" lvl="5" indent="-317500">
               <a:spcBef>
                 <a:spcPts val="1600"/>
               </a:spcBef>
@@ -4909,7 +5040,7 @@
               <a:buChar char="■"/>
               <a:defRPr/>
             </a:lvl6pPr>
-            <a:lvl7pPr indent="-317500" lvl="6" marL="3200400">
+            <a:lvl7pPr marL="3200400" lvl="6" indent="-317500">
               <a:spcBef>
                 <a:spcPts val="1600"/>
               </a:spcBef>
@@ -4920,7 +5051,7 @@
               <a:buChar char="●"/>
               <a:defRPr/>
             </a:lvl7pPr>
-            <a:lvl8pPr indent="-317500" lvl="7" marL="3657600">
+            <a:lvl8pPr marL="3657600" lvl="7" indent="-317500">
               <a:spcBef>
                 <a:spcPts val="1600"/>
               </a:spcBef>
@@ -4931,7 +5062,7 @@
               <a:buChar char="○"/>
               <a:defRPr/>
             </a:lvl8pPr>
-            <a:lvl9pPr indent="-317500" lvl="8" marL="4114800">
+            <a:lvl9pPr marL="4114800" lvl="8" indent="-317500">
               <a:spcBef>
                 <a:spcPts val="1600"/>
               </a:spcBef>
@@ -4943,15 +5074,19 @@
               <a:defRPr/>
             </a:lvl9pPr>
           </a:lstStyle>
-          <a:p/>
+          <a:p>
+            <a:endParaRPr/>
+          </a:p>
         </p:txBody>
       </p:sp>
       <p:sp>
         <p:nvSpPr>
           <p:cNvPr id="40" name="Google Shape;40;p9"/>
-          <p:cNvSpPr txBox="1"/>
+          <p:cNvSpPr txBox="1">
+            <a:spLocks noGrp="1"/>
+          </p:cNvSpPr>
           <p:nvPr>
-            <p:ph idx="12" type="sldNum"/>
+            <p:ph type="sldNum" idx="12"/>
           </p:nvPr>
         </p:nvSpPr>
         <p:spPr>
@@ -4964,7 +5099,7 @@
           </a:prstGeom>
         </p:spPr>
         <p:txBody>
-          <a:bodyPr anchorCtr="0" anchor="ctr" bIns="91425" lIns="91425" spcFirstLastPara="1" rIns="91425" wrap="square" tIns="91425">
+          <a:bodyPr spcFirstLastPara="1" wrap="square" lIns="91425" tIns="91425" rIns="91425" bIns="91425" anchor="ctr" anchorCtr="0">
             <a:noAutofit/>
           </a:bodyPr>
           <a:lstStyle>
@@ -5006,7 +5141,7 @@
             </a:lvl9pPr>
           </a:lstStyle>
           <a:p>
-            <a:pPr indent="0" lvl="0" marL="0" rtl="0" algn="r">
+            <a:pPr marL="0" lvl="0" indent="0" algn="r" rtl="0">
               <a:spcBef>
                 <a:spcPts val="0"/>
               </a:spcBef>
@@ -5032,11 +5167,11 @@
 </file>
 
 <file path=ppt/slideLayouts/slideLayout9.xml><?xml version="1.0" encoding="utf-8"?>
-<p:sldLayout xmlns:a="http://schemas.openxmlformats.org/drawingml/2006/main" xmlns:r="http://schemas.openxmlformats.org/officeDocument/2006/relationships" xmlns:mc="http://schemas.openxmlformats.org/markup-compatibility/2006" xmlns:mv="urn:schemas-microsoft-com:mac:vml" xmlns:p="http://schemas.openxmlformats.org/presentationml/2006/main" xmlns:c="http://schemas.openxmlformats.org/drawingml/2006/chart" xmlns:dgm="http://schemas.openxmlformats.org/drawingml/2006/diagram" xmlns:o="urn:schemas-microsoft-com:office:office" xmlns:v="urn:schemas-microsoft-com:vml" xmlns:pvml="urn:schemas-microsoft-com:office:powerpoint" xmlns:com="http://schemas.openxmlformats.org/drawingml/2006/compatibility" xmlns:p14="http://schemas.microsoft.com/office/powerpoint/2010/main" xmlns:p15="http://schemas.microsoft.com/office/powerpoint/2012/main" matchingName="Caption">
+<p:sldLayout xmlns:a="http://schemas.openxmlformats.org/drawingml/2006/main" xmlns:r="http://schemas.openxmlformats.org/officeDocument/2006/relationships" xmlns:p="http://schemas.openxmlformats.org/presentationml/2006/main" matchingName="Caption">
   <p:cSld name="CAPTION_ONLY">
     <p:spTree>
       <p:nvGrpSpPr>
-        <p:cNvPr id="41" name="Shape 41"/>
+        <p:cNvPr id="1" name="Shape 41"/>
         <p:cNvGrpSpPr/>
         <p:nvPr/>
       </p:nvGrpSpPr>
@@ -5051,9 +5186,11 @@
       <p:sp>
         <p:nvSpPr>
           <p:cNvPr id="42" name="Google Shape;42;p10"/>
-          <p:cNvSpPr txBox="1"/>
+          <p:cNvSpPr txBox="1">
+            <a:spLocks noGrp="1"/>
+          </p:cNvSpPr>
           <p:nvPr>
-            <p:ph idx="1" type="body"/>
+            <p:ph type="body" idx="1"/>
           </p:nvPr>
         </p:nvSpPr>
         <p:spPr>
@@ -5066,11 +5203,11 @@
           </a:prstGeom>
         </p:spPr>
         <p:txBody>
-          <a:bodyPr anchorCtr="0" anchor="ctr" bIns="91425" lIns="91425" spcFirstLastPara="1" rIns="91425" wrap="square" tIns="91425">
+          <a:bodyPr spcFirstLastPara="1" wrap="square" lIns="91425" tIns="91425" rIns="91425" bIns="91425" anchor="ctr" anchorCtr="0">
             <a:noAutofit/>
           </a:bodyPr>
           <a:lstStyle>
-            <a:lvl1pPr indent="-228600" lvl="0" marL="457200">
+            <a:lvl1pPr marL="457200" lvl="0" indent="-228600">
               <a:lnSpc>
                 <a:spcPct val="100000"/>
               </a:lnSpc>
@@ -5085,15 +5222,19 @@
               <a:defRPr/>
             </a:lvl1pPr>
           </a:lstStyle>
-          <a:p/>
+          <a:p>
+            <a:endParaRPr/>
+          </a:p>
         </p:txBody>
       </p:sp>
       <p:sp>
         <p:nvSpPr>
           <p:cNvPr id="43" name="Google Shape;43;p10"/>
-          <p:cNvSpPr txBox="1"/>
+          <p:cNvSpPr txBox="1">
+            <a:spLocks noGrp="1"/>
+          </p:cNvSpPr>
           <p:nvPr>
-            <p:ph idx="12" type="sldNum"/>
+            <p:ph type="sldNum" idx="12"/>
           </p:nvPr>
         </p:nvSpPr>
         <p:spPr>
@@ -5106,7 +5247,7 @@
           </a:prstGeom>
         </p:spPr>
         <p:txBody>
-          <a:bodyPr anchorCtr="0" anchor="ctr" bIns="91425" lIns="91425" spcFirstLastPara="1" rIns="91425" wrap="square" tIns="91425">
+          <a:bodyPr spcFirstLastPara="1" wrap="square" lIns="91425" tIns="91425" rIns="91425" bIns="91425" anchor="ctr" anchorCtr="0">
             <a:noAutofit/>
           </a:bodyPr>
           <a:lstStyle>
@@ -5148,7 +5289,7 @@
             </a:lvl9pPr>
           </a:lstStyle>
           <a:p>
-            <a:pPr indent="0" lvl="0" marL="0" rtl="0" algn="r">
+            <a:pPr marL="0" lvl="0" indent="0" algn="r" rtl="0">
               <a:spcBef>
                 <a:spcPts val="0"/>
               </a:spcBef>
@@ -5174,18 +5315,19 @@
 </file>
 
 <file path=ppt/slideMasters/slideMaster1.xml><?xml version="1.0" encoding="utf-8"?>
-<p:sldMaster xmlns:a="http://schemas.openxmlformats.org/drawingml/2006/main" xmlns:r="http://schemas.openxmlformats.org/officeDocument/2006/relationships" xmlns:mc="http://schemas.openxmlformats.org/markup-compatibility/2006" xmlns:mv="urn:schemas-microsoft-com:mac:vml" xmlns:p="http://schemas.openxmlformats.org/presentationml/2006/main" xmlns:c="http://schemas.openxmlformats.org/drawingml/2006/chart" xmlns:dgm="http://schemas.openxmlformats.org/drawingml/2006/diagram" xmlns:o="urn:schemas-microsoft-com:office:office" xmlns:v="urn:schemas-microsoft-com:vml" xmlns:pvml="urn:schemas-microsoft-com:office:powerpoint" xmlns:com="http://schemas.openxmlformats.org/drawingml/2006/compatibility" xmlns:p14="http://schemas.microsoft.com/office/powerpoint/2010/main" xmlns:p15="http://schemas.microsoft.com/office/powerpoint/2012/main">
+<p:sldMaster xmlns:a="http://schemas.openxmlformats.org/drawingml/2006/main" xmlns:r="http://schemas.openxmlformats.org/officeDocument/2006/relationships" xmlns:p="http://schemas.openxmlformats.org/presentationml/2006/main">
   <p:cSld name="simple-light-2">
     <p:bg>
       <p:bgPr>
         <a:solidFill>
           <a:schemeClr val="lt1"/>
         </a:solidFill>
+        <a:effectLst/>
       </p:bgPr>
     </p:bg>
     <p:spTree>
       <p:nvGrpSpPr>
-        <p:cNvPr id="5" name="Shape 5"/>
+        <p:cNvPr id="1" name="Shape 5"/>
         <p:cNvGrpSpPr/>
         <p:nvPr/>
       </p:nvGrpSpPr>
@@ -5200,7 +5342,9 @@
       <p:sp>
         <p:nvSpPr>
           <p:cNvPr id="6" name="Google Shape;6;p1"/>
-          <p:cNvSpPr txBox="1"/>
+          <p:cNvSpPr txBox="1">
+            <a:spLocks noGrp="1"/>
+          </p:cNvSpPr>
           <p:nvPr>
             <p:ph type="title"/>
           </p:nvPr>
@@ -5219,7 +5363,7 @@
           </a:ln>
         </p:spPr>
         <p:txBody>
-          <a:bodyPr anchorCtr="0" anchor="t" bIns="91425" lIns="91425" spcFirstLastPara="1" rIns="91425" wrap="square" tIns="91425">
+          <a:bodyPr spcFirstLastPara="1" wrap="square" lIns="91425" tIns="91425" rIns="91425" bIns="91425" anchor="t" anchorCtr="0">
             <a:noAutofit/>
           </a:bodyPr>
           <a:lstStyle>
@@ -5386,15 +5530,19 @@
               </a:defRPr>
             </a:lvl9pPr>
           </a:lstStyle>
-          <a:p/>
+          <a:p>
+            <a:endParaRPr/>
+          </a:p>
         </p:txBody>
       </p:sp>
       <p:sp>
         <p:nvSpPr>
           <p:cNvPr id="7" name="Google Shape;7;p1"/>
-          <p:cNvSpPr txBox="1"/>
+          <p:cNvSpPr txBox="1">
+            <a:spLocks noGrp="1"/>
+          </p:cNvSpPr>
           <p:nvPr>
-            <p:ph idx="1" type="body"/>
+            <p:ph type="body" idx="1"/>
           </p:nvPr>
         </p:nvSpPr>
         <p:spPr>
@@ -5411,11 +5559,11 @@
           </a:ln>
         </p:spPr>
         <p:txBody>
-          <a:bodyPr anchorCtr="0" anchor="t" bIns="91425" lIns="91425" spcFirstLastPara="1" rIns="91425" wrap="square" tIns="91425">
+          <a:bodyPr spcFirstLastPara="1" wrap="square" lIns="91425" tIns="91425" rIns="91425" bIns="91425" anchor="t" anchorCtr="0">
             <a:noAutofit/>
           </a:bodyPr>
           <a:lstStyle>
-            <a:lvl1pPr indent="-342900" lvl="0" marL="457200">
+            <a:lvl1pPr marL="457200" lvl="0" indent="-342900">
               <a:lnSpc>
                 <a:spcPct val="115000"/>
               </a:lnSpc>
@@ -5436,7 +5584,7 @@
                 </a:solidFill>
               </a:defRPr>
             </a:lvl1pPr>
-            <a:lvl2pPr indent="-317500" lvl="1" marL="914400">
+            <a:lvl2pPr marL="914400" lvl="1" indent="-317500">
               <a:lnSpc>
                 <a:spcPct val="115000"/>
               </a:lnSpc>
@@ -5457,7 +5605,7 @@
                 </a:solidFill>
               </a:defRPr>
             </a:lvl2pPr>
-            <a:lvl3pPr indent="-317500" lvl="2" marL="1371600">
+            <a:lvl3pPr marL="1371600" lvl="2" indent="-317500">
               <a:lnSpc>
                 <a:spcPct val="115000"/>
               </a:lnSpc>
@@ -5478,7 +5626,7 @@
                 </a:solidFill>
               </a:defRPr>
             </a:lvl3pPr>
-            <a:lvl4pPr indent="-317500" lvl="3" marL="1828800">
+            <a:lvl4pPr marL="1828800" lvl="3" indent="-317500">
               <a:lnSpc>
                 <a:spcPct val="115000"/>
               </a:lnSpc>
@@ -5499,7 +5647,7 @@
                 </a:solidFill>
               </a:defRPr>
             </a:lvl4pPr>
-            <a:lvl5pPr indent="-317500" lvl="4" marL="2286000">
+            <a:lvl5pPr marL="2286000" lvl="4" indent="-317500">
               <a:lnSpc>
                 <a:spcPct val="115000"/>
               </a:lnSpc>
@@ -5520,7 +5668,7 @@
                 </a:solidFill>
               </a:defRPr>
             </a:lvl5pPr>
-            <a:lvl6pPr indent="-317500" lvl="5" marL="2743200">
+            <a:lvl6pPr marL="2743200" lvl="5" indent="-317500">
               <a:lnSpc>
                 <a:spcPct val="115000"/>
               </a:lnSpc>
@@ -5541,7 +5689,7 @@
                 </a:solidFill>
               </a:defRPr>
             </a:lvl6pPr>
-            <a:lvl7pPr indent="-317500" lvl="6" marL="3200400">
+            <a:lvl7pPr marL="3200400" lvl="6" indent="-317500">
               <a:lnSpc>
                 <a:spcPct val="115000"/>
               </a:lnSpc>
@@ -5562,7 +5710,7 @@
                 </a:solidFill>
               </a:defRPr>
             </a:lvl7pPr>
-            <a:lvl8pPr indent="-317500" lvl="7" marL="3657600">
+            <a:lvl8pPr marL="3657600" lvl="7" indent="-317500">
               <a:lnSpc>
                 <a:spcPct val="115000"/>
               </a:lnSpc>
@@ -5583,7 +5731,7 @@
                 </a:solidFill>
               </a:defRPr>
             </a:lvl8pPr>
-            <a:lvl9pPr indent="-317500" lvl="8" marL="4114800">
+            <a:lvl9pPr marL="4114800" lvl="8" indent="-317500">
               <a:lnSpc>
                 <a:spcPct val="115000"/>
               </a:lnSpc>
@@ -5605,15 +5753,19 @@
               </a:defRPr>
             </a:lvl9pPr>
           </a:lstStyle>
-          <a:p/>
+          <a:p>
+            <a:endParaRPr/>
+          </a:p>
         </p:txBody>
       </p:sp>
       <p:sp>
         <p:nvSpPr>
           <p:cNvPr id="8" name="Google Shape;8;p1"/>
-          <p:cNvSpPr txBox="1"/>
+          <p:cNvSpPr txBox="1">
+            <a:spLocks noGrp="1"/>
+          </p:cNvSpPr>
           <p:nvPr>
-            <p:ph idx="12" type="sldNum"/>
+            <p:ph type="sldNum" idx="12"/>
           </p:nvPr>
         </p:nvSpPr>
         <p:spPr>
@@ -5630,7 +5782,7 @@
           </a:ln>
         </p:spPr>
         <p:txBody>
-          <a:bodyPr anchorCtr="0" anchor="ctr" bIns="91425" lIns="91425" spcFirstLastPara="1" rIns="91425" wrap="square" tIns="91425">
+          <a:bodyPr spcFirstLastPara="1" wrap="square" lIns="91425" tIns="91425" rIns="91425" bIns="91425" anchor="ctr" anchorCtr="0">
             <a:noAutofit/>
           </a:bodyPr>
           <a:lstStyle>
@@ -5708,7 +5860,7 @@
             </a:lvl9pPr>
           </a:lstStyle>
           <a:p>
-            <a:pPr indent="0" lvl="0" marL="0" rtl="0" algn="r">
+            <a:pPr marL="0" lvl="0" indent="0" algn="r" rtl="0">
               <a:spcBef>
                 <a:spcPts val="0"/>
               </a:spcBef>
@@ -5727,7 +5879,7 @@
       </p:sp>
     </p:spTree>
   </p:cSld>
-  <p:clrMap accent1="accent1" accent2="accent2" accent3="accent3" accent4="accent4" accent5="accent5" accent6="accent6" bg1="lt1" bg2="dk2" tx1="dk1" tx2="lt2" folHlink="folHlink" hlink="hlink"/>
+  <p:clrMap bg1="lt1" tx1="dk1" bg2="dk2" tx2="lt2" accent1="accent1" accent2="accent2" accent3="accent3" accent4="accent4" accent5="accent5" accent6="accent6" hlink="hlink" folHlink="folHlink"/>
   <p:sldLayoutIdLst>
     <p:sldLayoutId id="2147483648" r:id="rId1"/>
     <p:sldLayoutId id="2147483649" r:id="rId2"/>
@@ -5741,10 +5893,10 @@
     <p:sldLayoutId id="2147483657" r:id="rId10"/>
     <p:sldLayoutId id="2147483658" r:id="rId11"/>
   </p:sldLayoutIdLst>
-  <p:hf dt="0" ftr="0" hdr="0" sldNum="0"/>
+  <p:hf sldNum="0" hdr="0" ftr="0" dt="0"/>
   <p:txStyles>
     <p:titleStyle>
-      <a:defPPr lvl="0" marR="0" rtl="0" algn="l">
+      <a:defPPr marR="0" lvl="0" algn="l" rtl="0">
         <a:lnSpc>
           <a:spcPct val="100000"/>
         </a:lnSpc>
@@ -5755,7 +5907,7 @@
           <a:spcPts val="0"/>
         </a:spcAft>
       </a:defPPr>
-      <a:lvl1pPr lvl="0" marR="0" rtl="0" algn="l">
+      <a:lvl1pPr marR="0" lvl="0" algn="l" rtl="0">
         <a:lnSpc>
           <a:spcPct val="100000"/>
         </a:lnSpc>
@@ -5769,7 +5921,7 @@
           <a:srgbClr val="000000"/>
         </a:buClr>
         <a:buFont typeface="Arial"/>
-        <a:defRPr b="0" i="0" sz="1400" u="none" cap="none" strike="noStrike">
+        <a:defRPr sz="1400" b="0" i="0" u="none" strike="noStrike" cap="none">
           <a:solidFill>
             <a:srgbClr val="000000"/>
           </a:solidFill>
@@ -5779,7 +5931,7 @@
           <a:sym typeface="Arial"/>
         </a:defRPr>
       </a:lvl1pPr>
-      <a:lvl2pPr lvl="1" marR="0" rtl="0" algn="l">
+      <a:lvl2pPr marR="0" lvl="1" algn="l" rtl="0">
         <a:lnSpc>
           <a:spcPct val="100000"/>
         </a:lnSpc>
@@ -5793,7 +5945,7 @@
           <a:srgbClr val="000000"/>
         </a:buClr>
         <a:buFont typeface="Arial"/>
-        <a:defRPr b="0" i="0" sz="1400" u="none" cap="none" strike="noStrike">
+        <a:defRPr sz="1400" b="0" i="0" u="none" strike="noStrike" cap="none">
           <a:solidFill>
             <a:srgbClr val="000000"/>
           </a:solidFill>
@@ -5803,7 +5955,7 @@
           <a:sym typeface="Arial"/>
         </a:defRPr>
       </a:lvl2pPr>
-      <a:lvl3pPr lvl="2" marR="0" rtl="0" algn="l">
+      <a:lvl3pPr marR="0" lvl="2" algn="l" rtl="0">
         <a:lnSpc>
           <a:spcPct val="100000"/>
         </a:lnSpc>
@@ -5817,7 +5969,7 @@
           <a:srgbClr val="000000"/>
         </a:buClr>
         <a:buFont typeface="Arial"/>
-        <a:defRPr b="0" i="0" sz="1400" u="none" cap="none" strike="noStrike">
+        <a:defRPr sz="1400" b="0" i="0" u="none" strike="noStrike" cap="none">
           <a:solidFill>
             <a:srgbClr val="000000"/>
           </a:solidFill>
@@ -5827,7 +5979,7 @@
           <a:sym typeface="Arial"/>
         </a:defRPr>
       </a:lvl3pPr>
-      <a:lvl4pPr lvl="3" marR="0" rtl="0" algn="l">
+      <a:lvl4pPr marR="0" lvl="3" algn="l" rtl="0">
         <a:lnSpc>
           <a:spcPct val="100000"/>
         </a:lnSpc>
@@ -5841,7 +5993,7 @@
           <a:srgbClr val="000000"/>
         </a:buClr>
         <a:buFont typeface="Arial"/>
-        <a:defRPr b="0" i="0" sz="1400" u="none" cap="none" strike="noStrike">
+        <a:defRPr sz="1400" b="0" i="0" u="none" strike="noStrike" cap="none">
           <a:solidFill>
             <a:srgbClr val="000000"/>
           </a:solidFill>
@@ -5851,7 +6003,7 @@
           <a:sym typeface="Arial"/>
         </a:defRPr>
       </a:lvl4pPr>
-      <a:lvl5pPr lvl="4" marR="0" rtl="0" algn="l">
+      <a:lvl5pPr marR="0" lvl="4" algn="l" rtl="0">
         <a:lnSpc>
           <a:spcPct val="100000"/>
         </a:lnSpc>
@@ -5865,7 +6017,7 @@
           <a:srgbClr val="000000"/>
         </a:buClr>
         <a:buFont typeface="Arial"/>
-        <a:defRPr b="0" i="0" sz="1400" u="none" cap="none" strike="noStrike">
+        <a:defRPr sz="1400" b="0" i="0" u="none" strike="noStrike" cap="none">
           <a:solidFill>
             <a:srgbClr val="000000"/>
           </a:solidFill>
@@ -5875,7 +6027,7 @@
           <a:sym typeface="Arial"/>
         </a:defRPr>
       </a:lvl5pPr>
-      <a:lvl6pPr lvl="5" marR="0" rtl="0" algn="l">
+      <a:lvl6pPr marR="0" lvl="5" algn="l" rtl="0">
         <a:lnSpc>
           <a:spcPct val="100000"/>
         </a:lnSpc>
@@ -5889,7 +6041,7 @@
           <a:srgbClr val="000000"/>
         </a:buClr>
         <a:buFont typeface="Arial"/>
-        <a:defRPr b="0" i="0" sz="1400" u="none" cap="none" strike="noStrike">
+        <a:defRPr sz="1400" b="0" i="0" u="none" strike="noStrike" cap="none">
           <a:solidFill>
             <a:srgbClr val="000000"/>
           </a:solidFill>
@@ -5899,7 +6051,7 @@
           <a:sym typeface="Arial"/>
         </a:defRPr>
       </a:lvl6pPr>
-      <a:lvl7pPr lvl="6" marR="0" rtl="0" algn="l">
+      <a:lvl7pPr marR="0" lvl="6" algn="l" rtl="0">
         <a:lnSpc>
           <a:spcPct val="100000"/>
         </a:lnSpc>
@@ -5913,7 +6065,7 @@
           <a:srgbClr val="000000"/>
         </a:buClr>
         <a:buFont typeface="Arial"/>
-        <a:defRPr b="0" i="0" sz="1400" u="none" cap="none" strike="noStrike">
+        <a:defRPr sz="1400" b="0" i="0" u="none" strike="noStrike" cap="none">
           <a:solidFill>
             <a:srgbClr val="000000"/>
           </a:solidFill>
@@ -5923,7 +6075,7 @@
           <a:sym typeface="Arial"/>
         </a:defRPr>
       </a:lvl7pPr>
-      <a:lvl8pPr lvl="7" marR="0" rtl="0" algn="l">
+      <a:lvl8pPr marR="0" lvl="7" algn="l" rtl="0">
         <a:lnSpc>
           <a:spcPct val="100000"/>
         </a:lnSpc>
@@ -5937,7 +6089,7 @@
           <a:srgbClr val="000000"/>
         </a:buClr>
         <a:buFont typeface="Arial"/>
-        <a:defRPr b="0" i="0" sz="1400" u="none" cap="none" strike="noStrike">
+        <a:defRPr sz="1400" b="0" i="0" u="none" strike="noStrike" cap="none">
           <a:solidFill>
             <a:srgbClr val="000000"/>
           </a:solidFill>
@@ -5947,7 +6099,7 @@
           <a:sym typeface="Arial"/>
         </a:defRPr>
       </a:lvl8pPr>
-      <a:lvl9pPr lvl="8" marR="0" rtl="0" algn="l">
+      <a:lvl9pPr marR="0" lvl="8" algn="l" rtl="0">
         <a:lnSpc>
           <a:spcPct val="100000"/>
         </a:lnSpc>
@@ -5961,7 +6113,7 @@
           <a:srgbClr val="000000"/>
         </a:buClr>
         <a:buFont typeface="Arial"/>
-        <a:defRPr b="0" i="0" sz="1400" u="none" cap="none" strike="noStrike">
+        <a:defRPr sz="1400" b="0" i="0" u="none" strike="noStrike" cap="none">
           <a:solidFill>
             <a:srgbClr val="000000"/>
           </a:solidFill>
@@ -5973,7 +6125,7 @@
       </a:lvl9pPr>
     </p:titleStyle>
     <p:bodyStyle>
-      <a:defPPr lvl="0" marR="0" rtl="0" algn="l">
+      <a:defPPr marR="0" lvl="0" algn="l" rtl="0">
         <a:lnSpc>
           <a:spcPct val="100000"/>
         </a:lnSpc>
@@ -5984,7 +6136,7 @@
           <a:spcPts val="0"/>
         </a:spcAft>
       </a:defPPr>
-      <a:lvl1pPr lvl="0" marR="0" rtl="0" algn="l">
+      <a:lvl1pPr marR="0" lvl="0" algn="l" rtl="0">
         <a:lnSpc>
           <a:spcPct val="100000"/>
         </a:lnSpc>
@@ -5998,7 +6150,7 @@
           <a:srgbClr val="000000"/>
         </a:buClr>
         <a:buFont typeface="Arial"/>
-        <a:defRPr b="0" i="0" sz="1400" u="none" cap="none" strike="noStrike">
+        <a:defRPr sz="1400" b="0" i="0" u="none" strike="noStrike" cap="none">
           <a:solidFill>
             <a:srgbClr val="000000"/>
           </a:solidFill>
@@ -6008,7 +6160,7 @@
           <a:sym typeface="Arial"/>
         </a:defRPr>
       </a:lvl1pPr>
-      <a:lvl2pPr lvl="1" marR="0" rtl="0" algn="l">
+      <a:lvl2pPr marR="0" lvl="1" algn="l" rtl="0">
         <a:lnSpc>
           <a:spcPct val="100000"/>
         </a:lnSpc>
@@ -6022,7 +6174,7 @@
           <a:srgbClr val="000000"/>
         </a:buClr>
         <a:buFont typeface="Arial"/>
-        <a:defRPr b="0" i="0" sz="1400" u="none" cap="none" strike="noStrike">
+        <a:defRPr sz="1400" b="0" i="0" u="none" strike="noStrike" cap="none">
           <a:solidFill>
             <a:srgbClr val="000000"/>
           </a:solidFill>
@@ -6032,7 +6184,7 @@
           <a:sym typeface="Arial"/>
         </a:defRPr>
       </a:lvl2pPr>
-      <a:lvl3pPr lvl="2" marR="0" rtl="0" algn="l">
+      <a:lvl3pPr marR="0" lvl="2" algn="l" rtl="0">
         <a:lnSpc>
           <a:spcPct val="100000"/>
         </a:lnSpc>
@@ -6046,7 +6198,7 @@
           <a:srgbClr val="000000"/>
         </a:buClr>
         <a:buFont typeface="Arial"/>
-        <a:defRPr b="0" i="0" sz="1400" u="none" cap="none" strike="noStrike">
+        <a:defRPr sz="1400" b="0" i="0" u="none" strike="noStrike" cap="none">
           <a:solidFill>
             <a:srgbClr val="000000"/>
           </a:solidFill>
@@ -6056,7 +6208,7 @@
           <a:sym typeface="Arial"/>
         </a:defRPr>
       </a:lvl3pPr>
-      <a:lvl4pPr lvl="3" marR="0" rtl="0" algn="l">
+      <a:lvl4pPr marR="0" lvl="3" algn="l" rtl="0">
         <a:lnSpc>
           <a:spcPct val="100000"/>
         </a:lnSpc>
@@ -6070,7 +6222,7 @@
           <a:srgbClr val="000000"/>
         </a:buClr>
         <a:buFont typeface="Arial"/>
-        <a:defRPr b="0" i="0" sz="1400" u="none" cap="none" strike="noStrike">
+        <a:defRPr sz="1400" b="0" i="0" u="none" strike="noStrike" cap="none">
           <a:solidFill>
             <a:srgbClr val="000000"/>
           </a:solidFill>
@@ -6080,7 +6232,7 @@
           <a:sym typeface="Arial"/>
         </a:defRPr>
       </a:lvl4pPr>
-      <a:lvl5pPr lvl="4" marR="0" rtl="0" algn="l">
+      <a:lvl5pPr marR="0" lvl="4" algn="l" rtl="0">
         <a:lnSpc>
           <a:spcPct val="100000"/>
         </a:lnSpc>
@@ -6094,7 +6246,7 @@
           <a:srgbClr val="000000"/>
         </a:buClr>
         <a:buFont typeface="Arial"/>
-        <a:defRPr b="0" i="0" sz="1400" u="none" cap="none" strike="noStrike">
+        <a:defRPr sz="1400" b="0" i="0" u="none" strike="noStrike" cap="none">
           <a:solidFill>
             <a:srgbClr val="000000"/>
           </a:solidFill>
@@ -6104,7 +6256,7 @@
           <a:sym typeface="Arial"/>
         </a:defRPr>
       </a:lvl5pPr>
-      <a:lvl6pPr lvl="5" marR="0" rtl="0" algn="l">
+      <a:lvl6pPr marR="0" lvl="5" algn="l" rtl="0">
         <a:lnSpc>
           <a:spcPct val="100000"/>
         </a:lnSpc>
@@ -6118,7 +6270,7 @@
           <a:srgbClr val="000000"/>
         </a:buClr>
         <a:buFont typeface="Arial"/>
-        <a:defRPr b="0" i="0" sz="1400" u="none" cap="none" strike="noStrike">
+        <a:defRPr sz="1400" b="0" i="0" u="none" strike="noStrike" cap="none">
           <a:solidFill>
             <a:srgbClr val="000000"/>
           </a:solidFill>
@@ -6128,7 +6280,7 @@
           <a:sym typeface="Arial"/>
         </a:defRPr>
       </a:lvl6pPr>
-      <a:lvl7pPr lvl="6" marR="0" rtl="0" algn="l">
+      <a:lvl7pPr marR="0" lvl="6" algn="l" rtl="0">
         <a:lnSpc>
           <a:spcPct val="100000"/>
         </a:lnSpc>
@@ -6142,7 +6294,7 @@
           <a:srgbClr val="000000"/>
         </a:buClr>
         <a:buFont typeface="Arial"/>
-        <a:defRPr b="0" i="0" sz="1400" u="none" cap="none" strike="noStrike">
+        <a:defRPr sz="1400" b="0" i="0" u="none" strike="noStrike" cap="none">
           <a:solidFill>
             <a:srgbClr val="000000"/>
           </a:solidFill>
@@ -6152,7 +6304,7 @@
           <a:sym typeface="Arial"/>
         </a:defRPr>
       </a:lvl7pPr>
-      <a:lvl8pPr lvl="7" marR="0" rtl="0" algn="l">
+      <a:lvl8pPr marR="0" lvl="7" algn="l" rtl="0">
         <a:lnSpc>
           <a:spcPct val="100000"/>
         </a:lnSpc>
@@ -6166,7 +6318,7 @@
           <a:srgbClr val="000000"/>
         </a:buClr>
         <a:buFont typeface="Arial"/>
-        <a:defRPr b="0" i="0" sz="1400" u="none" cap="none" strike="noStrike">
+        <a:defRPr sz="1400" b="0" i="0" u="none" strike="noStrike" cap="none">
           <a:solidFill>
             <a:srgbClr val="000000"/>
           </a:solidFill>
@@ -6176,7 +6328,7 @@
           <a:sym typeface="Arial"/>
         </a:defRPr>
       </a:lvl8pPr>
-      <a:lvl9pPr lvl="8" marR="0" rtl="0" algn="l">
+      <a:lvl9pPr marR="0" lvl="8" algn="l" rtl="0">
         <a:lnSpc>
           <a:spcPct val="100000"/>
         </a:lnSpc>
@@ -6190,7 +6342,7 @@
           <a:srgbClr val="000000"/>
         </a:buClr>
         <a:buFont typeface="Arial"/>
-        <a:defRPr b="0" i="0" sz="1400" u="none" cap="none" strike="noStrike">
+        <a:defRPr sz="1400" b="0" i="0" u="none" strike="noStrike" cap="none">
           <a:solidFill>
             <a:srgbClr val="000000"/>
           </a:solidFill>
@@ -6202,7 +6354,7 @@
       </a:lvl9pPr>
     </p:bodyStyle>
     <p:otherStyle>
-      <a:defPPr lvl="0" marR="0" rtl="0" algn="l">
+      <a:defPPr marR="0" lvl="0" algn="l" rtl="0">
         <a:lnSpc>
           <a:spcPct val="100000"/>
         </a:lnSpc>
@@ -6213,7 +6365,7 @@
           <a:spcPts val="0"/>
         </a:spcAft>
       </a:defPPr>
-      <a:lvl1pPr lvl="0" marR="0" rtl="0" algn="l">
+      <a:lvl1pPr marR="0" lvl="0" algn="l" rtl="0">
         <a:lnSpc>
           <a:spcPct val="100000"/>
         </a:lnSpc>
@@ -6227,7 +6379,7 @@
           <a:srgbClr val="000000"/>
         </a:buClr>
         <a:buFont typeface="Arial"/>
-        <a:defRPr b="0" i="0" sz="1400" u="none" cap="none" strike="noStrike">
+        <a:defRPr sz="1400" b="0" i="0" u="none" strike="noStrike" cap="none">
           <a:solidFill>
             <a:srgbClr val="000000"/>
           </a:solidFill>
@@ -6237,7 +6389,7 @@
           <a:sym typeface="Arial"/>
         </a:defRPr>
       </a:lvl1pPr>
-      <a:lvl2pPr lvl="1" marR="0" rtl="0" algn="l">
+      <a:lvl2pPr marR="0" lvl="1" algn="l" rtl="0">
         <a:lnSpc>
           <a:spcPct val="100000"/>
         </a:lnSpc>
@@ -6251,7 +6403,7 @@
           <a:srgbClr val="000000"/>
         </a:buClr>
         <a:buFont typeface="Arial"/>
-        <a:defRPr b="0" i="0" sz="1400" u="none" cap="none" strike="noStrike">
+        <a:defRPr sz="1400" b="0" i="0" u="none" strike="noStrike" cap="none">
           <a:solidFill>
             <a:srgbClr val="000000"/>
           </a:solidFill>
@@ -6261,7 +6413,7 @@
           <a:sym typeface="Arial"/>
         </a:defRPr>
       </a:lvl2pPr>
-      <a:lvl3pPr lvl="2" marR="0" rtl="0" algn="l">
+      <a:lvl3pPr marR="0" lvl="2" algn="l" rtl="0">
         <a:lnSpc>
           <a:spcPct val="100000"/>
         </a:lnSpc>
@@ -6275,7 +6427,7 @@
           <a:srgbClr val="000000"/>
         </a:buClr>
         <a:buFont typeface="Arial"/>
-        <a:defRPr b="0" i="0" sz="1400" u="none" cap="none" strike="noStrike">
+        <a:defRPr sz="1400" b="0" i="0" u="none" strike="noStrike" cap="none">
           <a:solidFill>
             <a:srgbClr val="000000"/>
           </a:solidFill>
@@ -6285,7 +6437,7 @@
           <a:sym typeface="Arial"/>
         </a:defRPr>
       </a:lvl3pPr>
-      <a:lvl4pPr lvl="3" marR="0" rtl="0" algn="l">
+      <a:lvl4pPr marR="0" lvl="3" algn="l" rtl="0">
         <a:lnSpc>
           <a:spcPct val="100000"/>
         </a:lnSpc>
@@ -6299,7 +6451,7 @@
           <a:srgbClr val="000000"/>
         </a:buClr>
         <a:buFont typeface="Arial"/>
-        <a:defRPr b="0" i="0" sz="1400" u="none" cap="none" strike="noStrike">
+        <a:defRPr sz="1400" b="0" i="0" u="none" strike="noStrike" cap="none">
           <a:solidFill>
             <a:srgbClr val="000000"/>
           </a:solidFill>
@@ -6309,7 +6461,7 @@
           <a:sym typeface="Arial"/>
         </a:defRPr>
       </a:lvl4pPr>
-      <a:lvl5pPr lvl="4" marR="0" rtl="0" algn="l">
+      <a:lvl5pPr marR="0" lvl="4" algn="l" rtl="0">
         <a:lnSpc>
           <a:spcPct val="100000"/>
         </a:lnSpc>
@@ -6323,7 +6475,7 @@
           <a:srgbClr val="000000"/>
         </a:buClr>
         <a:buFont typeface="Arial"/>
-        <a:defRPr b="0" i="0" sz="1400" u="none" cap="none" strike="noStrike">
+        <a:defRPr sz="1400" b="0" i="0" u="none" strike="noStrike" cap="none">
           <a:solidFill>
             <a:srgbClr val="000000"/>
           </a:solidFill>
@@ -6333,7 +6485,7 @@
           <a:sym typeface="Arial"/>
         </a:defRPr>
       </a:lvl5pPr>
-      <a:lvl6pPr lvl="5" marR="0" rtl="0" algn="l">
+      <a:lvl6pPr marR="0" lvl="5" algn="l" rtl="0">
         <a:lnSpc>
           <a:spcPct val="100000"/>
         </a:lnSpc>
@@ -6347,7 +6499,7 @@
           <a:srgbClr val="000000"/>
         </a:buClr>
         <a:buFont typeface="Arial"/>
-        <a:defRPr b="0" i="0" sz="1400" u="none" cap="none" strike="noStrike">
+        <a:defRPr sz="1400" b="0" i="0" u="none" strike="noStrike" cap="none">
           <a:solidFill>
             <a:srgbClr val="000000"/>
           </a:solidFill>
@@ -6357,7 +6509,7 @@
           <a:sym typeface="Arial"/>
         </a:defRPr>
       </a:lvl6pPr>
-      <a:lvl7pPr lvl="6" marR="0" rtl="0" algn="l">
+      <a:lvl7pPr marR="0" lvl="6" algn="l" rtl="0">
         <a:lnSpc>
           <a:spcPct val="100000"/>
         </a:lnSpc>
@@ -6371,7 +6523,7 @@
           <a:srgbClr val="000000"/>
         </a:buClr>
         <a:buFont typeface="Arial"/>
-        <a:defRPr b="0" i="0" sz="1400" u="none" cap="none" strike="noStrike">
+        <a:defRPr sz="1400" b="0" i="0" u="none" strike="noStrike" cap="none">
           <a:solidFill>
             <a:srgbClr val="000000"/>
           </a:solidFill>
@@ -6381,7 +6533,7 @@
           <a:sym typeface="Arial"/>
         </a:defRPr>
       </a:lvl7pPr>
-      <a:lvl8pPr lvl="7" marR="0" rtl="0" algn="l">
+      <a:lvl8pPr marR="0" lvl="7" algn="l" rtl="0">
         <a:lnSpc>
           <a:spcPct val="100000"/>
         </a:lnSpc>
@@ -6395,7 +6547,7 @@
           <a:srgbClr val="000000"/>
         </a:buClr>
         <a:buFont typeface="Arial"/>
-        <a:defRPr b="0" i="0" sz="1400" u="none" cap="none" strike="noStrike">
+        <a:defRPr sz="1400" b="0" i="0" u="none" strike="noStrike" cap="none">
           <a:solidFill>
             <a:srgbClr val="000000"/>
           </a:solidFill>
@@ -6405,7 +6557,7 @@
           <a:sym typeface="Arial"/>
         </a:defRPr>
       </a:lvl8pPr>
-      <a:lvl9pPr lvl="8" marR="0" rtl="0" algn="l">
+      <a:lvl9pPr marR="0" lvl="8" algn="l" rtl="0">
         <a:lnSpc>
           <a:spcPct val="100000"/>
         </a:lnSpc>
@@ -6419,7 +6571,7 @@
           <a:srgbClr val="000000"/>
         </a:buClr>
         <a:buFont typeface="Arial"/>
-        <a:defRPr b="0" i="0" sz="1400" u="none" cap="none" strike="noStrike">
+        <a:defRPr sz="1400" b="0" i="0" u="none" strike="noStrike" cap="none">
           <a:solidFill>
             <a:srgbClr val="000000"/>
           </a:solidFill>
@@ -6435,11 +6587,11 @@
 </file>
 
 <file path=ppt/slides/slide1.xml><?xml version="1.0" encoding="utf-8"?>
-<p:sld xmlns:a="http://schemas.openxmlformats.org/drawingml/2006/main" xmlns:r="http://schemas.openxmlformats.org/officeDocument/2006/relationships" xmlns:mc="http://schemas.openxmlformats.org/markup-compatibility/2006" xmlns:mv="urn:schemas-microsoft-com:mac:vml" xmlns:p="http://schemas.openxmlformats.org/presentationml/2006/main" xmlns:c="http://schemas.openxmlformats.org/drawingml/2006/chart" xmlns:dgm="http://schemas.openxmlformats.org/drawingml/2006/diagram" xmlns:o="urn:schemas-microsoft-com:office:office" xmlns:v="urn:schemas-microsoft-com:vml" xmlns:pvml="urn:schemas-microsoft-com:office:powerpoint" xmlns:com="http://schemas.openxmlformats.org/drawingml/2006/compatibility" xmlns:p14="http://schemas.microsoft.com/office/powerpoint/2010/main" xmlns:p15="http://schemas.microsoft.com/office/powerpoint/2012/main">
+<p:sld xmlns:a="http://schemas.openxmlformats.org/drawingml/2006/main" xmlns:r="http://schemas.openxmlformats.org/officeDocument/2006/relationships" xmlns:p="http://schemas.openxmlformats.org/presentationml/2006/main">
   <p:cSld>
     <p:spTree>
       <p:nvGrpSpPr>
-        <p:cNvPr id="53" name="Shape 53"/>
+        <p:cNvPr id="1" name=""/>
         <p:cNvGrpSpPr/>
         <p:nvPr/>
       </p:nvGrpSpPr>
@@ -6453,28 +6605,245 @@
       </p:grpSpPr>
       <p:sp>
         <p:nvSpPr>
-          <p:cNvPr id="54" name="Google Shape;54;p13"/>
-          <p:cNvSpPr txBox="1"/>
+          <p:cNvPr id="2" name="Title 1"/>
+          <p:cNvSpPr>
+            <a:spLocks noGrp="1"/>
+          </p:cNvSpPr>
           <p:nvPr>
             <p:ph type="ctrTitle"/>
           </p:nvPr>
         </p:nvSpPr>
         <p:spPr>
           <a:xfrm>
-            <a:off x="311708" y="744575"/>
-            <a:ext cx="8520600" cy="2052600"/>
+            <a:off x="566059" y="0"/>
+            <a:ext cx="8011886" cy="5143500"/>
+          </a:xfrm>
+        </p:spPr>
+        <p:txBody>
+          <a:bodyPr anchor="ctr">
+            <a:noAutofit/>
+          </a:bodyPr>
+          <a:lstStyle/>
+          <a:p>
+            <a:pPr algn="l" fontAlgn="ctr">
+              <a:lnSpc>
+                <a:spcPct val="150000"/>
+              </a:lnSpc>
+            </a:pPr>
+            <a:r>
+              <a:rPr lang="en-US" sz="2700" b="1" dirty="0">
+                <a:latin typeface="Times New Roman" charset="0"/>
+                <a:ea typeface="Times New Roman" charset="0"/>
+                <a:cs typeface="Times New Roman" charset="0"/>
+              </a:rPr>
+              <a:t>Blue Waters Petascale</a:t>
+            </a:r>
+            <a:r>
+              <a:rPr lang="en-US" sz="2700" b="1" dirty="0">
+                <a:latin typeface="Times New Roman" charset="0"/>
+                <a:ea typeface="Times New Roman" charset="0"/>
+                <a:cs typeface="Times New Roman" charset="0"/>
+              </a:rPr>
+              <a:t> Semester Curriculum v1.0</a:t>
+            </a:r>
+            <a:r>
+              <a:rPr lang="en-US" sz="2700" dirty="0">
+                <a:latin typeface="Times New Roman" charset="0"/>
+                <a:ea typeface="Times New Roman" charset="0"/>
+                <a:cs typeface="Times New Roman" charset="0"/>
+              </a:rPr>
+              <a:t/>
+            </a:r>
+            <a:br>
+              <a:rPr lang="en-US" sz="2700" dirty="0">
+                <a:latin typeface="Times New Roman" charset="0"/>
+                <a:ea typeface="Times New Roman" charset="0"/>
+                <a:cs typeface="Times New Roman" charset="0"/>
+              </a:rPr>
+            </a:br>
+            <a:r>
+              <a:rPr lang="en-US" sz="2700" b="1" dirty="0">
+                <a:latin typeface="Times New Roman" charset="0"/>
+                <a:ea typeface="Times New Roman" charset="0"/>
+                <a:cs typeface="Times New Roman" charset="0"/>
+              </a:rPr>
+              <a:t>Unit </a:t>
+            </a:r>
+            <a:r>
+              <a:rPr lang="en-US" sz="2700" b="1" dirty="0">
+                <a:latin typeface="Times New Roman" charset="0"/>
+                <a:ea typeface="Times New Roman" charset="0"/>
+                <a:cs typeface="Times New Roman" charset="0"/>
+              </a:rPr>
+              <a:t>10: Productivity and </a:t>
+            </a:r>
+            <a:r>
+              <a:rPr lang="en-US" sz="2700" b="1" dirty="0" smtClean="0">
+                <a:latin typeface="Times New Roman" charset="0"/>
+                <a:ea typeface="Times New Roman" charset="0"/>
+                <a:cs typeface="Times New Roman" charset="0"/>
+              </a:rPr>
+              <a:t>Visualization</a:t>
+            </a:r>
+            <a:r>
+              <a:rPr lang="en-US" sz="2700" b="1" dirty="0">
+                <a:latin typeface="Times New Roman" charset="0"/>
+                <a:ea typeface="Times New Roman" charset="0"/>
+                <a:cs typeface="Times New Roman" charset="0"/>
+              </a:rPr>
+              <a:t/>
+            </a:r>
+            <a:br>
+              <a:rPr lang="en-US" sz="2700" b="1" dirty="0">
+                <a:latin typeface="Times New Roman" charset="0"/>
+                <a:ea typeface="Times New Roman" charset="0"/>
+                <a:cs typeface="Times New Roman" charset="0"/>
+              </a:rPr>
+            </a:br>
+            <a:r>
+              <a:rPr lang="en-US" sz="2700" b="1" dirty="0">
+                <a:latin typeface="Times New Roman" charset="0"/>
+                <a:ea typeface="Times New Roman" charset="0"/>
+                <a:cs typeface="Times New Roman" charset="0"/>
+              </a:rPr>
+              <a:t>Lesson 1: Python Scripting </a:t>
+            </a:r>
+            <a:r>
+              <a:rPr lang="en-US" sz="2700" b="1" dirty="0" smtClean="0">
+                <a:latin typeface="Times New Roman" charset="0"/>
+                <a:ea typeface="Times New Roman" charset="0"/>
+                <a:cs typeface="Times New Roman" charset="0"/>
+              </a:rPr>
+              <a:t>1</a:t>
+            </a:r>
+            <a:br>
+              <a:rPr lang="en-US" sz="2700" b="1" dirty="0" smtClean="0">
+                <a:latin typeface="Times New Roman" charset="0"/>
+                <a:ea typeface="Times New Roman" charset="0"/>
+                <a:cs typeface="Times New Roman" charset="0"/>
+              </a:rPr>
+            </a:br>
+            <a:r>
+              <a:rPr lang="en-US" sz="2700" i="1" dirty="0" smtClean="0">
+                <a:latin typeface="Times New Roman" charset="0"/>
+                <a:ea typeface="Times New Roman" charset="0"/>
+                <a:cs typeface="Times New Roman" charset="0"/>
+              </a:rPr>
+              <a:t>Developed </a:t>
+            </a:r>
+            <a:r>
+              <a:rPr lang="en-US" sz="2700" i="1" dirty="0">
+                <a:latin typeface="Times New Roman" charset="0"/>
+                <a:ea typeface="Times New Roman" charset="0"/>
+                <a:cs typeface="Times New Roman" charset="0"/>
+              </a:rPr>
+              <a:t>by </a:t>
+            </a:r>
+            <a:r>
+              <a:rPr lang="en-US" sz="2700" i="1" dirty="0">
+                <a:latin typeface="Times New Roman" charset="0"/>
+                <a:ea typeface="Times New Roman" charset="0"/>
+                <a:cs typeface="Times New Roman" charset="0"/>
+              </a:rPr>
+              <a:t>Michael N. </a:t>
+            </a:r>
+            <a:r>
+              <a:rPr lang="en-US" sz="2700" i="1" dirty="0" smtClean="0">
+                <a:latin typeface="Times New Roman" charset="0"/>
+                <a:ea typeface="Times New Roman" charset="0"/>
+                <a:cs typeface="Times New Roman" charset="0"/>
+              </a:rPr>
+              <a:t>Groves</a:t>
+            </a:r>
+            <a:r>
+              <a:rPr lang="en-US" sz="2700" i="1" dirty="0">
+                <a:latin typeface="Times New Roman" charset="0"/>
+                <a:ea typeface="Times New Roman" charset="0"/>
+                <a:cs typeface="Times New Roman" charset="0"/>
+              </a:rPr>
+              <a:t/>
+            </a:r>
+            <a:br>
+              <a:rPr lang="en-US" sz="2700" i="1" dirty="0">
+                <a:latin typeface="Times New Roman" charset="0"/>
+                <a:ea typeface="Times New Roman" charset="0"/>
+                <a:cs typeface="Times New Roman" charset="0"/>
+              </a:rPr>
+            </a:br>
+            <a:r>
+              <a:rPr lang="en-US" sz="2700" i="1" dirty="0">
+                <a:latin typeface="Times New Roman" charset="0"/>
+                <a:ea typeface="Times New Roman" charset="0"/>
+                <a:cs typeface="Times New Roman" charset="0"/>
+              </a:rPr>
+              <a:t>for the Shodor Education Foundation, Inc.</a:t>
+            </a:r>
+          </a:p>
+        </p:txBody>
+      </p:sp>
+    </p:spTree>
+    <p:extLst>
+      <p:ext uri="{BB962C8B-B14F-4D97-AF65-F5344CB8AC3E}">
+        <p14:creationId xmlns:p14="http://schemas.microsoft.com/office/powerpoint/2010/main" val="863518476"/>
+      </p:ext>
+    </p:extLst>
+  </p:cSld>
+  <p:clrMapOvr>
+    <a:masterClrMapping/>
+  </p:clrMapOvr>
+  <p:timing>
+    <p:tnLst>
+      <p:par>
+        <p:cTn id="1" dur="indefinite" restart="never" nodeType="tmRoot"/>
+      </p:par>
+    </p:tnLst>
+  </p:timing>
+</p:sld>
+</file>
+
+<file path=ppt/slides/slide10.xml><?xml version="1.0" encoding="utf-8"?>
+<p:sld xmlns:a="http://schemas.openxmlformats.org/drawingml/2006/main" xmlns:r="http://schemas.openxmlformats.org/officeDocument/2006/relationships" xmlns:p="http://schemas.openxmlformats.org/presentationml/2006/main">
+  <p:cSld>
+    <p:spTree>
+      <p:nvGrpSpPr>
+        <p:cNvPr id="1" name="Shape 105"/>
+        <p:cNvGrpSpPr/>
+        <p:nvPr/>
+      </p:nvGrpSpPr>
+      <p:grpSpPr>
+        <a:xfrm>
+          <a:off x="0" y="0"/>
+          <a:ext cx="0" cy="0"/>
+          <a:chOff x="0" y="0"/>
+          <a:chExt cx="0" cy="0"/>
+        </a:xfrm>
+      </p:grpSpPr>
+      <p:sp>
+        <p:nvSpPr>
+          <p:cNvPr id="106" name="Google Shape;106;p21"/>
+          <p:cNvSpPr txBox="1">
+            <a:spLocks noGrp="1"/>
+          </p:cNvSpPr>
+          <p:nvPr>
+            <p:ph type="title"/>
+          </p:nvPr>
+        </p:nvSpPr>
+        <p:spPr>
+          <a:xfrm>
+            <a:off x="311700" y="445025"/>
+            <a:ext cx="8520600" cy="572700"/>
           </a:xfrm>
           <a:prstGeom prst="rect">
             <a:avLst/>
           </a:prstGeom>
         </p:spPr>
         <p:txBody>
-          <a:bodyPr anchorCtr="0" anchor="b" bIns="91425" lIns="91425" spcFirstLastPara="1" rIns="91425" wrap="square" tIns="91425">
+          <a:bodyPr spcFirstLastPara="1" wrap="square" lIns="91425" tIns="91425" rIns="91425" bIns="91425" anchor="t" anchorCtr="0">
             <a:noAutofit/>
           </a:bodyPr>
           <a:lstStyle/>
           <a:p>
-            <a:pPr indent="0" lvl="0" marL="0" rtl="0" algn="ctr">
+            <a:pPr marL="0" lvl="0" indent="0" algn="l" rtl="0">
               <a:spcBef>
                 <a:spcPts val="0"/>
               </a:spcBef>
@@ -6485,7 +6854,7 @@
             </a:pPr>
             <a:r>
               <a:rPr lang="en"/>
-              <a:t>Lesson 10.1</a:t>
+              <a:t>For Loops</a:t>
             </a:r>
             <a:endParaRPr/>
           </a:p>
@@ -6493,28 +6862,30 @@
       </p:sp>
       <p:sp>
         <p:nvSpPr>
-          <p:cNvPr id="55" name="Google Shape;55;p13"/>
-          <p:cNvSpPr txBox="1"/>
+          <p:cNvPr id="107" name="Google Shape;107;p21"/>
+          <p:cNvSpPr txBox="1">
+            <a:spLocks noGrp="1"/>
+          </p:cNvSpPr>
           <p:nvPr>
-            <p:ph idx="1" type="subTitle"/>
+            <p:ph type="body" idx="1"/>
           </p:nvPr>
         </p:nvSpPr>
         <p:spPr>
           <a:xfrm>
-            <a:off x="311700" y="2834125"/>
-            <a:ext cx="8520600" cy="792600"/>
+            <a:off x="311700" y="1152475"/>
+            <a:ext cx="8520600" cy="3416400"/>
           </a:xfrm>
           <a:prstGeom prst="rect">
             <a:avLst/>
           </a:prstGeom>
         </p:spPr>
         <p:txBody>
-          <a:bodyPr anchorCtr="0" anchor="t" bIns="91425" lIns="91425" spcFirstLastPara="1" rIns="91425" wrap="square" tIns="91425">
+          <a:bodyPr spcFirstLastPara="1" wrap="square" lIns="91425" tIns="91425" rIns="91425" bIns="91425" anchor="t" anchorCtr="0">
             <a:noAutofit/>
           </a:bodyPr>
           <a:lstStyle/>
           <a:p>
-            <a:pPr indent="0" lvl="0" marL="0" rtl="0" algn="ctr">
+            <a:pPr marL="0" lvl="0" indent="0" algn="l" rtl="0">
               <a:spcBef>
                 <a:spcPts val="0"/>
               </a:spcBef>
@@ -6525,7 +6896,89 @@
             </a:pPr>
             <a:r>
               <a:rPr lang="en"/>
-              <a:t>Python Scripting 1</a:t>
+              <a:t>For loops are used to iterate through a list and perform an operation on each element. For example, to print each letter of c=’Python’ using a for loop:</a:t>
+            </a:r>
+            <a:endParaRPr/>
+          </a:p>
+          <a:p>
+            <a:pPr marL="0" lvl="0" indent="0" algn="l" rtl="0">
+              <a:spcBef>
+                <a:spcPts val="1600"/>
+              </a:spcBef>
+              <a:spcAft>
+                <a:spcPts val="0"/>
+              </a:spcAft>
+              <a:buNone/>
+            </a:pPr>
+            <a:r>
+              <a:rPr lang="en"/>
+              <a:t>for letter in c:</a:t>
+            </a:r>
+            <a:endParaRPr/>
+          </a:p>
+          <a:p>
+            <a:pPr marL="0" lvl="0" indent="0" algn="l" rtl="0">
+              <a:spcBef>
+                <a:spcPts val="1600"/>
+              </a:spcBef>
+              <a:spcAft>
+                <a:spcPts val="0"/>
+              </a:spcAft>
+              <a:buNone/>
+            </a:pPr>
+            <a:r>
+              <a:rPr lang="en"/>
+              <a:t>	print(letter)</a:t>
+            </a:r>
+            <a:endParaRPr/>
+          </a:p>
+          <a:p>
+            <a:pPr marL="0" lvl="0" indent="0" algn="l" rtl="0">
+              <a:spcBef>
+                <a:spcPts val="1600"/>
+              </a:spcBef>
+              <a:spcAft>
+                <a:spcPts val="0"/>
+              </a:spcAft>
+              <a:buNone/>
+            </a:pPr>
+            <a:r>
+              <a:rPr lang="en"/>
+              <a:t>Note two things:</a:t>
+            </a:r>
+            <a:endParaRPr/>
+          </a:p>
+          <a:p>
+            <a:pPr marL="457200" lvl="0" indent="-342900" algn="l" rtl="0">
+              <a:spcBef>
+                <a:spcPts val="1600"/>
+              </a:spcBef>
+              <a:spcAft>
+                <a:spcPts val="0"/>
+              </a:spcAft>
+              <a:buSzPts val="1800"/>
+              <a:buAutoNum type="arabicParenR"/>
+            </a:pPr>
+            <a:r>
+              <a:rPr lang="en"/>
+              <a:t>The syntax of the for loop is ‘for element in list’ so each element of the list will take a turn as element</a:t>
+            </a:r>
+            <a:endParaRPr/>
+          </a:p>
+          <a:p>
+            <a:pPr marL="457200" lvl="0" indent="-342900" algn="l" rtl="0">
+              <a:spcBef>
+                <a:spcPts val="0"/>
+              </a:spcBef>
+              <a:spcAft>
+                <a:spcPts val="0"/>
+              </a:spcAft>
+              <a:buSzPts val="1800"/>
+              <a:buAutoNum type="arabicParenR"/>
+            </a:pPr>
+            <a:r>
+              <a:rPr lang="en"/>
+              <a:t>The indentation.  Python uses significant whitespace.  The end of the for loop occurs when the indented block ends.</a:t>
             </a:r>
             <a:endParaRPr/>
           </a:p>
@@ -6539,12 +6992,12 @@
 </p:sld>
 </file>
 
-<file path=ppt/slides/slide10.xml><?xml version="1.0" encoding="utf-8"?>
-<p:sld xmlns:a="http://schemas.openxmlformats.org/drawingml/2006/main" xmlns:r="http://schemas.openxmlformats.org/officeDocument/2006/relationships" xmlns:mc="http://schemas.openxmlformats.org/markup-compatibility/2006" xmlns:mv="urn:schemas-microsoft-com:mac:vml" xmlns:p="http://schemas.openxmlformats.org/presentationml/2006/main" xmlns:c="http://schemas.openxmlformats.org/drawingml/2006/chart" xmlns:dgm="http://schemas.openxmlformats.org/drawingml/2006/diagram" xmlns:o="urn:schemas-microsoft-com:office:office" xmlns:v="urn:schemas-microsoft-com:vml" xmlns:pvml="urn:schemas-microsoft-com:office:powerpoint" xmlns:com="http://schemas.openxmlformats.org/drawingml/2006/compatibility" xmlns:p14="http://schemas.microsoft.com/office/powerpoint/2010/main" xmlns:p15="http://schemas.microsoft.com/office/powerpoint/2012/main">
+<file path=ppt/slides/slide11.xml><?xml version="1.0" encoding="utf-8"?>
+<p:sld xmlns:a="http://schemas.openxmlformats.org/drawingml/2006/main" xmlns:r="http://schemas.openxmlformats.org/officeDocument/2006/relationships" xmlns:p="http://schemas.openxmlformats.org/presentationml/2006/main">
   <p:cSld>
     <p:spTree>
       <p:nvGrpSpPr>
-        <p:cNvPr id="111" name="Shape 111"/>
+        <p:cNvPr id="1" name="Shape 111"/>
         <p:cNvGrpSpPr/>
         <p:nvPr/>
       </p:nvGrpSpPr>
@@ -6559,7 +7012,9 @@
       <p:sp>
         <p:nvSpPr>
           <p:cNvPr id="112" name="Google Shape;112;p22"/>
-          <p:cNvSpPr txBox="1"/>
+          <p:cNvSpPr txBox="1">
+            <a:spLocks noGrp="1"/>
+          </p:cNvSpPr>
           <p:nvPr>
             <p:ph type="title"/>
           </p:nvPr>
@@ -6574,12 +7029,12 @@
           </a:prstGeom>
         </p:spPr>
         <p:txBody>
-          <a:bodyPr anchorCtr="0" anchor="t" bIns="91425" lIns="91425" spcFirstLastPara="1" rIns="91425" wrap="square" tIns="91425">
+          <a:bodyPr spcFirstLastPara="1" wrap="square" lIns="91425" tIns="91425" rIns="91425" bIns="91425" anchor="t" anchorCtr="0">
             <a:noAutofit/>
           </a:bodyPr>
           <a:lstStyle/>
           <a:p>
-            <a:pPr indent="0" lvl="0" marL="0" rtl="0" algn="l">
+            <a:pPr marL="0" lvl="0" indent="0" algn="l" rtl="0">
               <a:spcBef>
                 <a:spcPts val="0"/>
               </a:spcBef>
@@ -6599,9 +7054,11 @@
       <p:sp>
         <p:nvSpPr>
           <p:cNvPr id="113" name="Google Shape;113;p22"/>
-          <p:cNvSpPr txBox="1"/>
+          <p:cNvSpPr txBox="1">
+            <a:spLocks noGrp="1"/>
+          </p:cNvSpPr>
           <p:nvPr>
-            <p:ph idx="1" type="body"/>
+            <p:ph type="body" idx="1"/>
           </p:nvPr>
         </p:nvSpPr>
         <p:spPr>
@@ -6614,12 +7071,12 @@
           </a:prstGeom>
         </p:spPr>
         <p:txBody>
-          <a:bodyPr anchorCtr="0" anchor="t" bIns="91425" lIns="91425" spcFirstLastPara="1" rIns="91425" wrap="square" tIns="91425">
+          <a:bodyPr spcFirstLastPara="1" wrap="square" lIns="91425" tIns="91425" rIns="91425" bIns="91425" anchor="t" anchorCtr="0">
             <a:noAutofit/>
           </a:bodyPr>
           <a:lstStyle/>
           <a:p>
-            <a:pPr indent="0" lvl="0" marL="0" rtl="0" algn="l">
+            <a:pPr marL="0" lvl="0" indent="0" algn="l" rtl="0">
               <a:spcBef>
                 <a:spcPts val="0"/>
               </a:spcBef>
@@ -6635,7 +7092,7 @@
             <a:endParaRPr/>
           </a:p>
           <a:p>
-            <a:pPr indent="0" lvl="0" marL="0" rtl="0" algn="l">
+            <a:pPr marL="0" lvl="0" indent="0" algn="l" rtl="0">
               <a:spcBef>
                 <a:spcPts val="1600"/>
               </a:spcBef>
@@ -6646,16 +7103,12 @@
             </a:pPr>
             <a:r>
               <a:rPr lang="en"/>
-              <a:t>i</a:t>
+              <a:t>if a &gt; 1:</a:t>
             </a:r>
-            <a:r>
-              <a:rPr lang="en"/>
-              <a:t>f a &gt; 1:</a:t>
-            </a:r>
-            <a:endParaRPr/>
-          </a:p>
-          <a:p>
-            <a:pPr indent="0" lvl="0" marL="0" rtl="0" algn="l">
+            <a:endParaRPr/>
+          </a:p>
+          <a:p>
+            <a:pPr marL="0" lvl="0" indent="0" algn="l" rtl="0">
               <a:spcBef>
                 <a:spcPts val="1600"/>
               </a:spcBef>
@@ -6671,7 +7124,7 @@
             <a:endParaRPr/>
           </a:p>
           <a:p>
-            <a:pPr indent="0" lvl="0" marL="0" rtl="0" algn="l">
+            <a:pPr marL="0" lvl="0" indent="0" algn="l" rtl="0">
               <a:spcBef>
                 <a:spcPts val="1600"/>
               </a:spcBef>
@@ -6682,16 +7135,12 @@
             </a:pPr>
             <a:r>
               <a:rPr lang="en"/>
-              <a:t>e</a:t>
+              <a:t>elif a &lt; 1:</a:t>
             </a:r>
-            <a:r>
-              <a:rPr lang="en"/>
-              <a:t>lif a &lt; 1:</a:t>
-            </a:r>
-            <a:endParaRPr/>
-          </a:p>
-          <a:p>
-            <a:pPr indent="0" lvl="0" marL="0" rtl="0" algn="l">
+            <a:endParaRPr/>
+          </a:p>
+          <a:p>
+            <a:pPr marL="0" lvl="0" indent="0" algn="l" rtl="0">
               <a:spcBef>
                 <a:spcPts val="1600"/>
               </a:spcBef>
@@ -6707,7 +7156,7 @@
             <a:endParaRPr/>
           </a:p>
           <a:p>
-            <a:pPr indent="0" lvl="0" marL="0" rtl="0" algn="l">
+            <a:pPr marL="0" lvl="0" indent="0" algn="l" rtl="0">
               <a:spcBef>
                 <a:spcPts val="1600"/>
               </a:spcBef>
@@ -6718,16 +7167,12 @@
             </a:pPr>
             <a:r>
               <a:rPr lang="en"/>
-              <a:t>e</a:t>
+              <a:t>else: </a:t>
             </a:r>
-            <a:r>
-              <a:rPr lang="en"/>
-              <a:t>lse: </a:t>
-            </a:r>
-            <a:endParaRPr/>
-          </a:p>
-          <a:p>
-            <a:pPr indent="0" lvl="0" marL="0" rtl="0" algn="l">
+            <a:endParaRPr/>
+          </a:p>
+          <a:p>
+            <a:pPr marL="0" lvl="0" indent="0" algn="l" rtl="0">
               <a:spcBef>
                 <a:spcPts val="1600"/>
               </a:spcBef>
@@ -6752,12 +7197,12 @@
 </p:sld>
 </file>
 
-<file path=ppt/slides/slide11.xml><?xml version="1.0" encoding="utf-8"?>
-<p:sld xmlns:a="http://schemas.openxmlformats.org/drawingml/2006/main" xmlns:r="http://schemas.openxmlformats.org/officeDocument/2006/relationships" xmlns:mc="http://schemas.openxmlformats.org/markup-compatibility/2006" xmlns:mv="urn:schemas-microsoft-com:mac:vml" xmlns:p="http://schemas.openxmlformats.org/presentationml/2006/main" xmlns:c="http://schemas.openxmlformats.org/drawingml/2006/chart" xmlns:dgm="http://schemas.openxmlformats.org/drawingml/2006/diagram" xmlns:o="urn:schemas-microsoft-com:office:office" xmlns:v="urn:schemas-microsoft-com:vml" xmlns:pvml="urn:schemas-microsoft-com:office:powerpoint" xmlns:com="http://schemas.openxmlformats.org/drawingml/2006/compatibility" xmlns:p14="http://schemas.microsoft.com/office/powerpoint/2010/main" xmlns:p15="http://schemas.microsoft.com/office/powerpoint/2012/main">
+<file path=ppt/slides/slide12.xml><?xml version="1.0" encoding="utf-8"?>
+<p:sld xmlns:a="http://schemas.openxmlformats.org/drawingml/2006/main" xmlns:r="http://schemas.openxmlformats.org/officeDocument/2006/relationships" xmlns:p="http://schemas.openxmlformats.org/presentationml/2006/main">
   <p:cSld>
     <p:spTree>
       <p:nvGrpSpPr>
-        <p:cNvPr id="117" name="Shape 117"/>
+        <p:cNvPr id="1" name="Shape 117"/>
         <p:cNvGrpSpPr/>
         <p:nvPr/>
       </p:nvGrpSpPr>
@@ -6772,7 +7217,9 @@
       <p:sp>
         <p:nvSpPr>
           <p:cNvPr id="118" name="Google Shape;118;p23"/>
-          <p:cNvSpPr txBox="1"/>
+          <p:cNvSpPr txBox="1">
+            <a:spLocks noGrp="1"/>
+          </p:cNvSpPr>
           <p:nvPr>
             <p:ph type="title"/>
           </p:nvPr>
@@ -6787,12 +7234,12 @@
           </a:prstGeom>
         </p:spPr>
         <p:txBody>
-          <a:bodyPr anchorCtr="0" anchor="t" bIns="91425" lIns="91425" spcFirstLastPara="1" rIns="91425" wrap="square" tIns="91425">
+          <a:bodyPr spcFirstLastPara="1" wrap="square" lIns="91425" tIns="91425" rIns="91425" bIns="91425" anchor="t" anchorCtr="0">
             <a:noAutofit/>
           </a:bodyPr>
           <a:lstStyle/>
           <a:p>
-            <a:pPr indent="0" lvl="0" marL="0" rtl="0" algn="l">
+            <a:pPr marL="0" lvl="0" indent="0" algn="l" rtl="0">
               <a:spcBef>
                 <a:spcPts val="0"/>
               </a:spcBef>
@@ -6812,9 +7259,11 @@
       <p:sp>
         <p:nvSpPr>
           <p:cNvPr id="119" name="Google Shape;119;p23"/>
-          <p:cNvSpPr txBox="1"/>
+          <p:cNvSpPr txBox="1">
+            <a:spLocks noGrp="1"/>
+          </p:cNvSpPr>
           <p:nvPr>
-            <p:ph idx="1" type="body"/>
+            <p:ph type="body" idx="1"/>
           </p:nvPr>
         </p:nvSpPr>
         <p:spPr>
@@ -6827,12 +7276,12 @@
           </a:prstGeom>
         </p:spPr>
         <p:txBody>
-          <a:bodyPr anchorCtr="0" anchor="t" bIns="91425" lIns="91425" spcFirstLastPara="1" rIns="91425" wrap="square" tIns="91425">
+          <a:bodyPr spcFirstLastPara="1" wrap="square" lIns="91425" tIns="91425" rIns="91425" bIns="91425" anchor="t" anchorCtr="0">
             <a:noAutofit/>
           </a:bodyPr>
           <a:lstStyle/>
           <a:p>
-            <a:pPr indent="-342900" lvl="0" marL="457200" rtl="0" algn="l">
+            <a:pPr marL="457200" lvl="0" indent="-342900" algn="l" rtl="0">
               <a:spcBef>
                 <a:spcPts val="0"/>
               </a:spcBef>
@@ -6849,7 +7298,7 @@
             <a:endParaRPr/>
           </a:p>
           <a:p>
-            <a:pPr indent="-342900" lvl="0" marL="457200" rtl="0" algn="l">
+            <a:pPr marL="457200" lvl="0" indent="-342900" algn="l" rtl="0">
               <a:spcBef>
                 <a:spcPts val="0"/>
               </a:spcBef>
@@ -6866,7 +7315,7 @@
             <a:endParaRPr/>
           </a:p>
           <a:p>
-            <a:pPr indent="-342900" lvl="0" marL="457200" rtl="0" algn="l">
+            <a:pPr marL="457200" lvl="0" indent="-342900" algn="l" rtl="0">
               <a:spcBef>
                 <a:spcPts val="0"/>
               </a:spcBef>
@@ -6893,11 +7342,267 @@
 </file>
 
 <file path=ppt/slides/slide2.xml><?xml version="1.0" encoding="utf-8"?>
-<p:sld xmlns:a="http://schemas.openxmlformats.org/drawingml/2006/main" xmlns:r="http://schemas.openxmlformats.org/officeDocument/2006/relationships" xmlns:mc="http://schemas.openxmlformats.org/markup-compatibility/2006" xmlns:mv="urn:schemas-microsoft-com:mac:vml" xmlns:p="http://schemas.openxmlformats.org/presentationml/2006/main" xmlns:c="http://schemas.openxmlformats.org/drawingml/2006/chart" xmlns:dgm="http://schemas.openxmlformats.org/drawingml/2006/diagram" xmlns:o="urn:schemas-microsoft-com:office:office" xmlns:v="urn:schemas-microsoft-com:vml" xmlns:pvml="urn:schemas-microsoft-com:office:powerpoint" xmlns:com="http://schemas.openxmlformats.org/drawingml/2006/compatibility" xmlns:p14="http://schemas.microsoft.com/office/powerpoint/2010/main" xmlns:p15="http://schemas.microsoft.com/office/powerpoint/2012/main">
+<p:sld xmlns:a="http://schemas.openxmlformats.org/drawingml/2006/main" xmlns:r="http://schemas.openxmlformats.org/officeDocument/2006/relationships" xmlns:p="http://schemas.openxmlformats.org/presentationml/2006/main">
   <p:cSld>
     <p:spTree>
       <p:nvGrpSpPr>
-        <p:cNvPr id="59" name="Shape 59"/>
+        <p:cNvPr id="1" name=""/>
+        <p:cNvGrpSpPr/>
+        <p:nvPr/>
+      </p:nvGrpSpPr>
+      <p:grpSpPr>
+        <a:xfrm>
+          <a:off x="0" y="0"/>
+          <a:ext cx="0" cy="0"/>
+          <a:chOff x="0" y="0"/>
+          <a:chExt cx="0" cy="0"/>
+        </a:xfrm>
+      </p:grpSpPr>
+      <p:sp>
+        <p:nvSpPr>
+          <p:cNvPr id="2" name="Title 1"/>
+          <p:cNvSpPr>
+            <a:spLocks noGrp="1"/>
+          </p:cNvSpPr>
+          <p:nvPr>
+            <p:ph type="ctrTitle"/>
+          </p:nvPr>
+        </p:nvSpPr>
+        <p:spPr>
+          <a:xfrm>
+            <a:off x="566059" y="0"/>
+            <a:ext cx="8011886" cy="5143500"/>
+          </a:xfrm>
+        </p:spPr>
+        <p:txBody>
+          <a:bodyPr anchor="ctr">
+            <a:noAutofit/>
+          </a:bodyPr>
+          <a:lstStyle/>
+          <a:p>
+            <a:pPr algn="l" fontAlgn="ctr"/>
+            <a:r>
+              <a:rPr lang="en-US" sz="2100" dirty="0">
+                <a:latin typeface="Times New Roman" charset="0"/>
+                <a:ea typeface="Times New Roman" charset="0"/>
+                <a:cs typeface="Times New Roman" charset="0"/>
+              </a:rPr>
+              <a:t>Except where otherwise noted, this work by</a:t>
+            </a:r>
+            <a:br>
+              <a:rPr lang="en-US" sz="2100" dirty="0">
+                <a:latin typeface="Times New Roman" charset="0"/>
+                <a:ea typeface="Times New Roman" charset="0"/>
+                <a:cs typeface="Times New Roman" charset="0"/>
+              </a:rPr>
+            </a:br>
+            <a:r>
+              <a:rPr lang="en-US" sz="2100" dirty="0">
+                <a:latin typeface="Times New Roman" charset="0"/>
+                <a:ea typeface="Times New Roman" charset="0"/>
+                <a:cs typeface="Times New Roman" charset="0"/>
+              </a:rPr>
+              <a:t>The Shodor Education Foundation, Inc. is licensed under</a:t>
+            </a:r>
+            <a:br>
+              <a:rPr lang="en-US" sz="2100" dirty="0">
+                <a:latin typeface="Times New Roman" charset="0"/>
+                <a:ea typeface="Times New Roman" charset="0"/>
+                <a:cs typeface="Times New Roman" charset="0"/>
+              </a:rPr>
+            </a:br>
+            <a:r>
+              <a:rPr lang="en-US" sz="2100" dirty="0">
+                <a:latin typeface="Times New Roman" charset="0"/>
+                <a:ea typeface="Times New Roman" charset="0"/>
+                <a:cs typeface="Times New Roman" charset="0"/>
+              </a:rPr>
+              <a:t>CC BY-NC 4.0. To view a copy of this license, visit </a:t>
+            </a:r>
+            <a:r>
+              <a:rPr lang="en-US" sz="2100" dirty="0">
+                <a:latin typeface="Times New Roman" charset="0"/>
+                <a:ea typeface="Times New Roman" charset="0"/>
+                <a:cs typeface="Times New Roman" charset="0"/>
+                <a:hlinkClick r:id="rId2"/>
+              </a:rPr>
+              <a:t>https://creativecommons.org/licenses/by-nc/4.0</a:t>
+            </a:r>
+            <a:r>
+              <a:rPr lang="en-US" sz="2100" dirty="0">
+                <a:latin typeface="Times New Roman" charset="0"/>
+                <a:ea typeface="Times New Roman" charset="0"/>
+                <a:cs typeface="Times New Roman" charset="0"/>
+              </a:rPr>
+              <a:t/>
+            </a:r>
+            <a:br>
+              <a:rPr lang="en-US" sz="2100" dirty="0">
+                <a:latin typeface="Times New Roman" charset="0"/>
+                <a:ea typeface="Times New Roman" charset="0"/>
+                <a:cs typeface="Times New Roman" charset="0"/>
+              </a:rPr>
+            </a:br>
+            <a:r>
+              <a:rPr lang="en-US" sz="2100" dirty="0">
+                <a:latin typeface="Times New Roman" charset="0"/>
+                <a:ea typeface="Times New Roman" charset="0"/>
+                <a:cs typeface="Times New Roman" charset="0"/>
+              </a:rPr>
+              <a:t/>
+            </a:r>
+            <a:br>
+              <a:rPr lang="en-US" sz="2100" dirty="0">
+                <a:latin typeface="Times New Roman" charset="0"/>
+                <a:ea typeface="Times New Roman" charset="0"/>
+                <a:cs typeface="Times New Roman" charset="0"/>
+              </a:rPr>
+            </a:br>
+            <a:r>
+              <a:rPr lang="en-US" sz="2100" dirty="0">
+                <a:latin typeface="Times New Roman" charset="0"/>
+                <a:ea typeface="Times New Roman" charset="0"/>
+                <a:cs typeface="Times New Roman" charset="0"/>
+              </a:rPr>
+              <a:t>Browse and search the full curriculum at </a:t>
+            </a:r>
+            <a:r>
+              <a:rPr lang="en-US" sz="2100" dirty="0">
+                <a:latin typeface="Times New Roman" charset="0"/>
+                <a:ea typeface="Times New Roman" charset="0"/>
+                <a:cs typeface="Times New Roman" charset="0"/>
+                <a:hlinkClick r:id="rId3"/>
+              </a:rPr>
+              <a:t>http://shodor.org/petascale/materials/semester-curriculum</a:t>
+            </a:r>
+            <a:r>
+              <a:rPr lang="en-US" sz="2100" dirty="0">
+                <a:latin typeface="Times New Roman" charset="0"/>
+                <a:ea typeface="Times New Roman" charset="0"/>
+                <a:cs typeface="Times New Roman" charset="0"/>
+              </a:rPr>
+              <a:t/>
+            </a:r>
+            <a:br>
+              <a:rPr lang="en-US" sz="2100" dirty="0">
+                <a:latin typeface="Times New Roman" charset="0"/>
+                <a:ea typeface="Times New Roman" charset="0"/>
+                <a:cs typeface="Times New Roman" charset="0"/>
+              </a:rPr>
+            </a:br>
+            <a:r>
+              <a:rPr lang="en-US" sz="2100" dirty="0">
+                <a:latin typeface="Times New Roman" charset="0"/>
+                <a:ea typeface="Times New Roman" charset="0"/>
+                <a:cs typeface="Times New Roman" charset="0"/>
+              </a:rPr>
+              <a:t/>
+            </a:r>
+            <a:br>
+              <a:rPr lang="en-US" sz="2100" dirty="0">
+                <a:latin typeface="Times New Roman" charset="0"/>
+                <a:ea typeface="Times New Roman" charset="0"/>
+                <a:cs typeface="Times New Roman" charset="0"/>
+              </a:rPr>
+            </a:br>
+            <a:r>
+              <a:rPr lang="en-US" sz="2100" dirty="0">
+                <a:latin typeface="Times New Roman" charset="0"/>
+                <a:ea typeface="Times New Roman" charset="0"/>
+                <a:cs typeface="Times New Roman" charset="0"/>
+              </a:rPr>
+              <a:t>We welcome your improvements! You can submit your proposed changes to this material and the rest of the curriculum in our GitHub repository at </a:t>
+            </a:r>
+            <a:r>
+              <a:rPr lang="en-US" sz="2100" dirty="0">
+                <a:latin typeface="Times New Roman" charset="0"/>
+                <a:ea typeface="Times New Roman" charset="0"/>
+                <a:cs typeface="Times New Roman" charset="0"/>
+                <a:hlinkClick r:id="rId4"/>
+              </a:rPr>
+              <a:t>https://github.com/shodor-education/petascale-semester-curriculum</a:t>
+            </a:r>
+            <a:r>
+              <a:rPr lang="en-US" sz="2100" dirty="0">
+                <a:latin typeface="Times New Roman" charset="0"/>
+                <a:ea typeface="Times New Roman" charset="0"/>
+                <a:cs typeface="Times New Roman" charset="0"/>
+              </a:rPr>
+              <a:t/>
+            </a:r>
+            <a:br>
+              <a:rPr lang="en-US" sz="2100" dirty="0">
+                <a:latin typeface="Times New Roman" charset="0"/>
+                <a:ea typeface="Times New Roman" charset="0"/>
+                <a:cs typeface="Times New Roman" charset="0"/>
+              </a:rPr>
+            </a:br>
+            <a:r>
+              <a:rPr lang="en-US" sz="2100" dirty="0">
+                <a:latin typeface="Times New Roman" charset="0"/>
+                <a:ea typeface="Times New Roman" charset="0"/>
+                <a:cs typeface="Times New Roman" charset="0"/>
+              </a:rPr>
+              <a:t/>
+            </a:r>
+            <a:br>
+              <a:rPr lang="en-US" sz="2100" dirty="0">
+                <a:latin typeface="Times New Roman" charset="0"/>
+                <a:ea typeface="Times New Roman" charset="0"/>
+                <a:cs typeface="Times New Roman" charset="0"/>
+              </a:rPr>
+            </a:br>
+            <a:r>
+              <a:rPr lang="en-US" sz="2100" dirty="0">
+                <a:latin typeface="Times New Roman" charset="0"/>
+                <a:ea typeface="Times New Roman" charset="0"/>
+                <a:cs typeface="Times New Roman" charset="0"/>
+              </a:rPr>
+              <a:t>We want to hear from you! Please let us know your experiences using this material by sending email to </a:t>
+            </a:r>
+            <a:r>
+              <a:rPr lang="en-US" sz="2100" dirty="0">
+                <a:latin typeface="Times New Roman" charset="0"/>
+                <a:ea typeface="Times New Roman" charset="0"/>
+                <a:cs typeface="Times New Roman" charset="0"/>
+                <a:hlinkClick r:id="rId5"/>
+              </a:rPr>
+              <a:t>petascale@shodor.org</a:t>
+            </a:r>
+            <a:endParaRPr lang="en-US" sz="2700" dirty="0">
+              <a:latin typeface="Times New Roman" charset="0"/>
+              <a:ea typeface="Times New Roman" charset="0"/>
+              <a:cs typeface="Times New Roman" charset="0"/>
+            </a:endParaRPr>
+          </a:p>
+        </p:txBody>
+      </p:sp>
+    </p:spTree>
+    <p:extLst>
+      <p:ext uri="{BB962C8B-B14F-4D97-AF65-F5344CB8AC3E}">
+        <p14:creationId xmlns:p14="http://schemas.microsoft.com/office/powerpoint/2010/main" val="759774954"/>
+      </p:ext>
+    </p:extLst>
+  </p:cSld>
+  <p:clrMapOvr>
+    <a:masterClrMapping/>
+  </p:clrMapOvr>
+  <p:timing>
+    <p:tnLst>
+      <p:par>
+        <p:cTn id="1" dur="indefinite" restart="never" nodeType="tmRoot"/>
+      </p:par>
+    </p:tnLst>
+  </p:timing>
+</p:sld>
+</file>
+
+<file path=ppt/slides/slide3.xml><?xml version="1.0" encoding="utf-8"?>
+<p:sld xmlns:a="http://schemas.openxmlformats.org/drawingml/2006/main" xmlns:r="http://schemas.openxmlformats.org/officeDocument/2006/relationships" xmlns:p="http://schemas.openxmlformats.org/presentationml/2006/main">
+  <p:cSld>
+    <p:spTree>
+      <p:nvGrpSpPr>
+        <p:cNvPr id="1" name="Shape 59"/>
         <p:cNvGrpSpPr/>
         <p:nvPr/>
       </p:nvGrpSpPr>
@@ -6912,7 +7617,9 @@
       <p:sp>
         <p:nvSpPr>
           <p:cNvPr id="60" name="Google Shape;60;p14"/>
-          <p:cNvSpPr txBox="1"/>
+          <p:cNvSpPr txBox="1">
+            <a:spLocks noGrp="1"/>
+          </p:cNvSpPr>
           <p:nvPr>
             <p:ph type="title"/>
           </p:nvPr>
@@ -6927,12 +7634,12 @@
           </a:prstGeom>
         </p:spPr>
         <p:txBody>
-          <a:bodyPr anchorCtr="0" anchor="t" bIns="91425" lIns="91425" spcFirstLastPara="1" rIns="91425" wrap="square" tIns="91425">
+          <a:bodyPr spcFirstLastPara="1" wrap="square" lIns="91425" tIns="91425" rIns="91425" bIns="91425" anchor="t" anchorCtr="0">
             <a:noAutofit/>
           </a:bodyPr>
           <a:lstStyle/>
           <a:p>
-            <a:pPr indent="0" lvl="0" marL="0" rtl="0" algn="l">
+            <a:pPr marL="0" lvl="0" indent="0" algn="l" rtl="0">
               <a:spcBef>
                 <a:spcPts val="0"/>
               </a:spcBef>
@@ -6952,9 +7659,11 @@
       <p:sp>
         <p:nvSpPr>
           <p:cNvPr id="61" name="Google Shape;61;p14"/>
-          <p:cNvSpPr txBox="1"/>
+          <p:cNvSpPr txBox="1">
+            <a:spLocks noGrp="1"/>
+          </p:cNvSpPr>
           <p:nvPr>
-            <p:ph idx="1" type="body"/>
+            <p:ph type="body" idx="1"/>
           </p:nvPr>
         </p:nvSpPr>
         <p:spPr>
@@ -6967,12 +7676,12 @@
           </a:prstGeom>
         </p:spPr>
         <p:txBody>
-          <a:bodyPr anchorCtr="0" anchor="t" bIns="91425" lIns="91425" spcFirstLastPara="1" rIns="91425" wrap="square" tIns="91425">
+          <a:bodyPr spcFirstLastPara="1" wrap="square" lIns="91425" tIns="91425" rIns="91425" bIns="91425" anchor="t" anchorCtr="0">
             <a:noAutofit/>
           </a:bodyPr>
           <a:lstStyle/>
           <a:p>
-            <a:pPr indent="0" lvl="0" marL="0" rtl="0" algn="l">
+            <a:pPr marL="0" lvl="0" indent="0" algn="l" rtl="0">
               <a:spcBef>
                 <a:spcPts val="0"/>
               </a:spcBef>
@@ -7001,7 +7710,7 @@
             </a:endParaRPr>
           </a:p>
           <a:p>
-            <a:pPr indent="0" lvl="0" marL="0" rtl="0" algn="l">
+            <a:pPr marL="0" lvl="0" indent="0" algn="l" rtl="0">
               <a:spcBef>
                 <a:spcPts val="0"/>
               </a:spcBef>
@@ -7015,9 +7724,6 @@
               <a:buFont typeface="Arial"/>
               <a:buNone/>
             </a:pPr>
-            <a:r>
-              <a:t/>
-            </a:r>
             <a:endParaRPr>
               <a:solidFill>
                 <a:schemeClr val="dk1"/>
@@ -7025,7 +7731,7 @@
             </a:endParaRPr>
           </a:p>
           <a:p>
-            <a:pPr indent="0" lvl="0" marL="0" rtl="0" algn="l">
+            <a:pPr marL="0" lvl="0" indent="0" algn="l" rtl="0">
               <a:spcBef>
                 <a:spcPts val="0"/>
               </a:spcBef>
@@ -7054,7 +7760,7 @@
             </a:endParaRPr>
           </a:p>
           <a:p>
-            <a:pPr indent="0" lvl="0" marL="0" rtl="0" algn="l">
+            <a:pPr marL="0" lvl="0" indent="0" algn="l" rtl="0">
               <a:spcBef>
                 <a:spcPts val="0"/>
               </a:spcBef>
@@ -7063,9 +7769,6 @@
               </a:spcAft>
               <a:buNone/>
             </a:pPr>
-            <a:r>
-              <a:t/>
-            </a:r>
             <a:endParaRPr/>
           </a:p>
         </p:txBody>
@@ -7078,12 +7781,12 @@
 </p:sld>
 </file>
 
-<file path=ppt/slides/slide3.xml><?xml version="1.0" encoding="utf-8"?>
-<p:sld xmlns:a="http://schemas.openxmlformats.org/drawingml/2006/main" xmlns:r="http://schemas.openxmlformats.org/officeDocument/2006/relationships" xmlns:mc="http://schemas.openxmlformats.org/markup-compatibility/2006" xmlns:mv="urn:schemas-microsoft-com:mac:vml" xmlns:p="http://schemas.openxmlformats.org/presentationml/2006/main" xmlns:c="http://schemas.openxmlformats.org/drawingml/2006/chart" xmlns:dgm="http://schemas.openxmlformats.org/drawingml/2006/diagram" xmlns:o="urn:schemas-microsoft-com:office:office" xmlns:v="urn:schemas-microsoft-com:vml" xmlns:pvml="urn:schemas-microsoft-com:office:powerpoint" xmlns:com="http://schemas.openxmlformats.org/drawingml/2006/compatibility" xmlns:p14="http://schemas.microsoft.com/office/powerpoint/2010/main" xmlns:p15="http://schemas.microsoft.com/office/powerpoint/2012/main">
+<file path=ppt/slides/slide4.xml><?xml version="1.0" encoding="utf-8"?>
+<p:sld xmlns:a="http://schemas.openxmlformats.org/drawingml/2006/main" xmlns:r="http://schemas.openxmlformats.org/officeDocument/2006/relationships" xmlns:p="http://schemas.openxmlformats.org/presentationml/2006/main">
   <p:cSld>
     <p:spTree>
       <p:nvGrpSpPr>
-        <p:cNvPr id="65" name="Shape 65"/>
+        <p:cNvPr id="1" name="Shape 65"/>
         <p:cNvGrpSpPr/>
         <p:nvPr/>
       </p:nvGrpSpPr>
@@ -7098,7 +7801,9 @@
       <p:sp>
         <p:nvSpPr>
           <p:cNvPr id="66" name="Google Shape;66;p15"/>
-          <p:cNvSpPr txBox="1"/>
+          <p:cNvSpPr txBox="1">
+            <a:spLocks noGrp="1"/>
+          </p:cNvSpPr>
           <p:nvPr>
             <p:ph type="title"/>
           </p:nvPr>
@@ -7113,12 +7818,12 @@
           </a:prstGeom>
         </p:spPr>
         <p:txBody>
-          <a:bodyPr anchorCtr="0" anchor="t" bIns="91425" lIns="91425" spcFirstLastPara="1" rIns="91425" wrap="square" tIns="91425">
+          <a:bodyPr spcFirstLastPara="1" wrap="square" lIns="91425" tIns="91425" rIns="91425" bIns="91425" anchor="t" anchorCtr="0">
             <a:noAutofit/>
           </a:bodyPr>
           <a:lstStyle/>
           <a:p>
-            <a:pPr indent="0" lvl="0" marL="0" rtl="0" algn="l">
+            <a:pPr marL="0" lvl="0" indent="0" algn="l" rtl="0">
               <a:spcBef>
                 <a:spcPts val="0"/>
               </a:spcBef>
@@ -7138,9 +7843,11 @@
       <p:sp>
         <p:nvSpPr>
           <p:cNvPr id="67" name="Google Shape;67;p15"/>
-          <p:cNvSpPr txBox="1"/>
+          <p:cNvSpPr txBox="1">
+            <a:spLocks noGrp="1"/>
+          </p:cNvSpPr>
           <p:nvPr>
-            <p:ph idx="1" type="body"/>
+            <p:ph type="body" idx="1"/>
           </p:nvPr>
         </p:nvSpPr>
         <p:spPr>
@@ -7153,12 +7860,12 @@
           </a:prstGeom>
         </p:spPr>
         <p:txBody>
-          <a:bodyPr anchorCtr="0" anchor="t" bIns="91425" lIns="91425" spcFirstLastPara="1" rIns="91425" wrap="square" tIns="91425">
+          <a:bodyPr spcFirstLastPara="1" wrap="square" lIns="91425" tIns="91425" rIns="91425" bIns="91425" anchor="t" anchorCtr="0">
             <a:noAutofit/>
           </a:bodyPr>
           <a:lstStyle/>
           <a:p>
-            <a:pPr indent="0" lvl="0" marL="0" rtl="0" algn="l">
+            <a:pPr marL="0" lvl="0" indent="0" algn="l" rtl="0">
               <a:spcBef>
                 <a:spcPts val="0"/>
               </a:spcBef>
@@ -7174,7 +7881,7 @@
             <a:endParaRPr/>
           </a:p>
           <a:p>
-            <a:pPr indent="0" lvl="0" marL="0" rtl="0" algn="l">
+            <a:pPr marL="0" lvl="0" indent="0" algn="l" rtl="0">
               <a:spcBef>
                 <a:spcPts val="1600"/>
               </a:spcBef>
@@ -7190,7 +7897,7 @@
             <a:endParaRPr/>
           </a:p>
           <a:p>
-            <a:pPr indent="0" lvl="0" marL="0" rtl="0" algn="l">
+            <a:pPr marL="0" lvl="0" indent="0" algn="l" rtl="0">
               <a:spcBef>
                 <a:spcPts val="1600"/>
               </a:spcBef>
@@ -7206,7 +7913,7 @@
             <a:endParaRPr/>
           </a:p>
           <a:p>
-            <a:pPr indent="0" lvl="0" marL="0" rtl="0" algn="l">
+            <a:pPr marL="0" lvl="0" indent="0" algn="l" rtl="0">
               <a:spcBef>
                 <a:spcPts val="1600"/>
               </a:spcBef>
@@ -7231,9 +7938,11 @@
       <p:sp>
         <p:nvSpPr>
           <p:cNvPr id="68" name="Google Shape;68;p15"/>
-          <p:cNvSpPr txBox="1"/>
+          <p:cNvSpPr txBox="1">
+            <a:spLocks noGrp="1"/>
+          </p:cNvSpPr>
           <p:nvPr>
-            <p:ph idx="2" type="body"/>
+            <p:ph type="body" idx="2"/>
           </p:nvPr>
         </p:nvSpPr>
         <p:spPr>
@@ -7246,12 +7955,12 @@
           </a:prstGeom>
         </p:spPr>
         <p:txBody>
-          <a:bodyPr anchorCtr="0" anchor="t" bIns="91425" lIns="91425" spcFirstLastPara="1" rIns="91425" wrap="square" tIns="91425">
+          <a:bodyPr spcFirstLastPara="1" wrap="square" lIns="91425" tIns="91425" rIns="91425" bIns="91425" anchor="t" anchorCtr="0">
             <a:noAutofit/>
           </a:bodyPr>
           <a:lstStyle/>
           <a:p>
-            <a:pPr indent="0" lvl="0" marL="0" rtl="0" algn="l">
+            <a:pPr marL="0" lvl="0" indent="0" algn="l" rtl="0">
               <a:spcBef>
                 <a:spcPts val="0"/>
               </a:spcBef>
@@ -7267,7 +7976,7 @@
             <a:endParaRPr/>
           </a:p>
           <a:p>
-            <a:pPr indent="0" lvl="0" marL="0" rtl="0" algn="l">
+            <a:pPr marL="0" lvl="0" indent="0" algn="l" rtl="0">
               <a:spcBef>
                 <a:spcPts val="1600"/>
               </a:spcBef>
@@ -7283,7 +7992,7 @@
             <a:endParaRPr/>
           </a:p>
           <a:p>
-            <a:pPr indent="0" lvl="0" marL="0" rtl="0" algn="l">
+            <a:pPr marL="0" lvl="0" indent="0" algn="l" rtl="0">
               <a:spcBef>
                 <a:spcPts val="1600"/>
               </a:spcBef>
@@ -7299,7 +8008,7 @@
             <a:endParaRPr/>
           </a:p>
           <a:p>
-            <a:pPr indent="0" lvl="0" marL="0" rtl="0" algn="l">
+            <a:pPr marL="0" lvl="0" indent="0" algn="l" rtl="0">
               <a:spcBef>
                 <a:spcPts val="1600"/>
               </a:spcBef>
@@ -7324,12 +8033,12 @@
 </p:sld>
 </file>
 
-<file path=ppt/slides/slide4.xml><?xml version="1.0" encoding="utf-8"?>
-<p:sld xmlns:a="http://schemas.openxmlformats.org/drawingml/2006/main" xmlns:r="http://schemas.openxmlformats.org/officeDocument/2006/relationships" xmlns:mc="http://schemas.openxmlformats.org/markup-compatibility/2006" xmlns:mv="urn:schemas-microsoft-com:mac:vml" xmlns:p="http://schemas.openxmlformats.org/presentationml/2006/main" xmlns:c="http://schemas.openxmlformats.org/drawingml/2006/chart" xmlns:dgm="http://schemas.openxmlformats.org/drawingml/2006/diagram" xmlns:o="urn:schemas-microsoft-com:office:office" xmlns:v="urn:schemas-microsoft-com:vml" xmlns:pvml="urn:schemas-microsoft-com:office:powerpoint" xmlns:com="http://schemas.openxmlformats.org/drawingml/2006/compatibility" xmlns:p14="http://schemas.microsoft.com/office/powerpoint/2010/main" xmlns:p15="http://schemas.microsoft.com/office/powerpoint/2012/main">
+<file path=ppt/slides/slide5.xml><?xml version="1.0" encoding="utf-8"?>
+<p:sld xmlns:a="http://schemas.openxmlformats.org/drawingml/2006/main" xmlns:r="http://schemas.openxmlformats.org/officeDocument/2006/relationships" xmlns:p="http://schemas.openxmlformats.org/presentationml/2006/main">
   <p:cSld>
     <p:spTree>
       <p:nvGrpSpPr>
-        <p:cNvPr id="72" name="Shape 72"/>
+        <p:cNvPr id="1" name="Shape 72"/>
         <p:cNvGrpSpPr/>
         <p:nvPr/>
       </p:nvGrpSpPr>
@@ -7344,7 +8053,9 @@
       <p:sp>
         <p:nvSpPr>
           <p:cNvPr id="73" name="Google Shape;73;p16"/>
-          <p:cNvSpPr txBox="1"/>
+          <p:cNvSpPr txBox="1">
+            <a:spLocks noGrp="1"/>
+          </p:cNvSpPr>
           <p:nvPr>
             <p:ph type="title"/>
           </p:nvPr>
@@ -7359,12 +8070,12 @@
           </a:prstGeom>
         </p:spPr>
         <p:txBody>
-          <a:bodyPr anchorCtr="0" anchor="t" bIns="91425" lIns="91425" spcFirstLastPara="1" rIns="91425" wrap="square" tIns="91425">
+          <a:bodyPr spcFirstLastPara="1" wrap="square" lIns="91425" tIns="91425" rIns="91425" bIns="91425" anchor="t" anchorCtr="0">
             <a:noAutofit/>
           </a:bodyPr>
           <a:lstStyle/>
           <a:p>
-            <a:pPr indent="0" lvl="0" marL="0" rtl="0" algn="l">
+            <a:pPr marL="0" lvl="0" indent="0" algn="l" rtl="0">
               <a:spcBef>
                 <a:spcPts val="0"/>
               </a:spcBef>
@@ -7384,9 +8095,11 @@
       <p:sp>
         <p:nvSpPr>
           <p:cNvPr id="74" name="Google Shape;74;p16"/>
-          <p:cNvSpPr txBox="1"/>
+          <p:cNvSpPr txBox="1">
+            <a:spLocks noGrp="1"/>
+          </p:cNvSpPr>
           <p:nvPr>
-            <p:ph idx="1" type="body"/>
+            <p:ph type="body" idx="1"/>
           </p:nvPr>
         </p:nvSpPr>
         <p:spPr>
@@ -7399,12 +8112,12 @@
           </a:prstGeom>
         </p:spPr>
         <p:txBody>
-          <a:bodyPr anchorCtr="0" anchor="t" bIns="91425" lIns="91425" spcFirstLastPara="1" rIns="91425" wrap="square" tIns="91425">
+          <a:bodyPr spcFirstLastPara="1" wrap="square" lIns="91425" tIns="91425" rIns="91425" bIns="91425" anchor="t" anchorCtr="0">
             <a:noAutofit/>
           </a:bodyPr>
           <a:lstStyle/>
           <a:p>
-            <a:pPr indent="-342900" lvl="0" marL="457200" rtl="0" algn="l">
+            <a:pPr marL="457200" lvl="0" indent="-342900" algn="l" rtl="0">
               <a:spcBef>
                 <a:spcPts val="0"/>
               </a:spcBef>
@@ -7421,7 +8134,7 @@
             <a:endParaRPr/>
           </a:p>
           <a:p>
-            <a:pPr indent="-342900" lvl="0" marL="457200" rtl="0" algn="l">
+            <a:pPr marL="457200" lvl="0" indent="-342900" algn="l" rtl="0">
               <a:spcBef>
                 <a:spcPts val="0"/>
               </a:spcBef>
@@ -7438,7 +8151,7 @@
             <a:endParaRPr/>
           </a:p>
           <a:p>
-            <a:pPr indent="-342900" lvl="0" marL="457200" rtl="0" algn="l">
+            <a:pPr marL="457200" lvl="0" indent="-342900" algn="l" rtl="0">
               <a:spcBef>
                 <a:spcPts val="0"/>
               </a:spcBef>
@@ -7455,7 +8168,7 @@
             <a:endParaRPr/>
           </a:p>
           <a:p>
-            <a:pPr indent="-342900" lvl="0" marL="457200" rtl="0" algn="l">
+            <a:pPr marL="457200" lvl="0" indent="-342900" algn="l" rtl="0">
               <a:spcBef>
                 <a:spcPts val="0"/>
               </a:spcBef>
@@ -7509,12 +8222,12 @@
 </p:sld>
 </file>
 
-<file path=ppt/slides/slide5.xml><?xml version="1.0" encoding="utf-8"?>
-<p:sld xmlns:a="http://schemas.openxmlformats.org/drawingml/2006/main" xmlns:r="http://schemas.openxmlformats.org/officeDocument/2006/relationships" xmlns:mc="http://schemas.openxmlformats.org/markup-compatibility/2006" xmlns:mv="urn:schemas-microsoft-com:mac:vml" xmlns:p="http://schemas.openxmlformats.org/presentationml/2006/main" xmlns:c="http://schemas.openxmlformats.org/drawingml/2006/chart" xmlns:dgm="http://schemas.openxmlformats.org/drawingml/2006/diagram" xmlns:o="urn:schemas-microsoft-com:office:office" xmlns:v="urn:schemas-microsoft-com:vml" xmlns:pvml="urn:schemas-microsoft-com:office:powerpoint" xmlns:com="http://schemas.openxmlformats.org/drawingml/2006/compatibility" xmlns:p14="http://schemas.microsoft.com/office/powerpoint/2010/main" xmlns:p15="http://schemas.microsoft.com/office/powerpoint/2012/main">
+<file path=ppt/slides/slide6.xml><?xml version="1.0" encoding="utf-8"?>
+<p:sld xmlns:a="http://schemas.openxmlformats.org/drawingml/2006/main" xmlns:r="http://schemas.openxmlformats.org/officeDocument/2006/relationships" xmlns:p="http://schemas.openxmlformats.org/presentationml/2006/main">
   <p:cSld>
     <p:spTree>
       <p:nvGrpSpPr>
-        <p:cNvPr id="79" name="Shape 79"/>
+        <p:cNvPr id="1" name="Shape 79"/>
         <p:cNvGrpSpPr/>
         <p:nvPr/>
       </p:nvGrpSpPr>
@@ -7529,7 +8242,9 @@
       <p:sp>
         <p:nvSpPr>
           <p:cNvPr id="80" name="Google Shape;80;p17"/>
-          <p:cNvSpPr txBox="1"/>
+          <p:cNvSpPr txBox="1">
+            <a:spLocks noGrp="1"/>
+          </p:cNvSpPr>
           <p:nvPr>
             <p:ph type="title"/>
           </p:nvPr>
@@ -7544,12 +8259,12 @@
           </a:prstGeom>
         </p:spPr>
         <p:txBody>
-          <a:bodyPr anchorCtr="0" anchor="t" bIns="91425" lIns="91425" spcFirstLastPara="1" rIns="91425" wrap="square" tIns="91425">
+          <a:bodyPr spcFirstLastPara="1" wrap="square" lIns="91425" tIns="91425" rIns="91425" bIns="91425" anchor="t" anchorCtr="0">
             <a:noAutofit/>
           </a:bodyPr>
           <a:lstStyle/>
           <a:p>
-            <a:pPr indent="0" lvl="0" marL="0" rtl="0" algn="l">
+            <a:pPr marL="0" lvl="0" indent="0" algn="l" rtl="0">
               <a:spcBef>
                 <a:spcPts val="0"/>
               </a:spcBef>
@@ -7569,9 +8284,11 @@
       <p:sp>
         <p:nvSpPr>
           <p:cNvPr id="81" name="Google Shape;81;p17"/>
-          <p:cNvSpPr txBox="1"/>
+          <p:cNvSpPr txBox="1">
+            <a:spLocks noGrp="1"/>
+          </p:cNvSpPr>
           <p:nvPr>
-            <p:ph idx="1" type="body"/>
+            <p:ph type="body" idx="1"/>
           </p:nvPr>
         </p:nvSpPr>
         <p:spPr>
@@ -7584,12 +8301,12 @@
           </a:prstGeom>
         </p:spPr>
         <p:txBody>
-          <a:bodyPr anchorCtr="0" anchor="t" bIns="91425" lIns="91425" spcFirstLastPara="1" rIns="91425" wrap="square" tIns="91425">
+          <a:bodyPr spcFirstLastPara="1" wrap="square" lIns="91425" tIns="91425" rIns="91425" bIns="91425" anchor="t" anchorCtr="0">
             <a:noAutofit/>
           </a:bodyPr>
           <a:lstStyle/>
           <a:p>
-            <a:pPr indent="0" lvl="0" marL="0" rtl="0" algn="l">
+            <a:pPr marL="0" lvl="0" indent="0" algn="l" rtl="0">
               <a:spcBef>
                 <a:spcPts val="0"/>
               </a:spcBef>
@@ -7605,7 +8322,7 @@
             <a:endParaRPr/>
           </a:p>
           <a:p>
-            <a:pPr indent="0" lvl="0" marL="0" rtl="0" algn="l">
+            <a:pPr marL="0" lvl="0" indent="0" algn="l" rtl="0">
               <a:spcBef>
                 <a:spcPts val="1600"/>
               </a:spcBef>
@@ -7621,7 +8338,7 @@
             <a:endParaRPr/>
           </a:p>
           <a:p>
-            <a:pPr indent="0" lvl="0" marL="0" rtl="0" algn="l">
+            <a:pPr marL="0" lvl="0" indent="0" algn="l" rtl="0">
               <a:spcBef>
                 <a:spcPts val="1600"/>
               </a:spcBef>
@@ -7674,12 +8391,12 @@
 </p:sld>
 </file>
 
-<file path=ppt/slides/slide6.xml><?xml version="1.0" encoding="utf-8"?>
-<p:sld xmlns:a="http://schemas.openxmlformats.org/drawingml/2006/main" xmlns:r="http://schemas.openxmlformats.org/officeDocument/2006/relationships" xmlns:mc="http://schemas.openxmlformats.org/markup-compatibility/2006" xmlns:mv="urn:schemas-microsoft-com:mac:vml" xmlns:p="http://schemas.openxmlformats.org/presentationml/2006/main" xmlns:c="http://schemas.openxmlformats.org/drawingml/2006/chart" xmlns:dgm="http://schemas.openxmlformats.org/drawingml/2006/diagram" xmlns:o="urn:schemas-microsoft-com:office:office" xmlns:v="urn:schemas-microsoft-com:vml" xmlns:pvml="urn:schemas-microsoft-com:office:powerpoint" xmlns:com="http://schemas.openxmlformats.org/drawingml/2006/compatibility" xmlns:p14="http://schemas.microsoft.com/office/powerpoint/2010/main" xmlns:p15="http://schemas.microsoft.com/office/powerpoint/2012/main">
+<file path=ppt/slides/slide7.xml><?xml version="1.0" encoding="utf-8"?>
+<p:sld xmlns:a="http://schemas.openxmlformats.org/drawingml/2006/main" xmlns:r="http://schemas.openxmlformats.org/officeDocument/2006/relationships" xmlns:p="http://schemas.openxmlformats.org/presentationml/2006/main">
   <p:cSld>
     <p:spTree>
       <p:nvGrpSpPr>
-        <p:cNvPr id="86" name="Shape 86"/>
+        <p:cNvPr id="1" name="Shape 86"/>
         <p:cNvGrpSpPr/>
         <p:nvPr/>
       </p:nvGrpSpPr>
@@ -7694,7 +8411,9 @@
       <p:sp>
         <p:nvSpPr>
           <p:cNvPr id="87" name="Google Shape;87;p18"/>
-          <p:cNvSpPr txBox="1"/>
+          <p:cNvSpPr txBox="1">
+            <a:spLocks noGrp="1"/>
+          </p:cNvSpPr>
           <p:nvPr>
             <p:ph type="title"/>
           </p:nvPr>
@@ -7709,12 +8428,12 @@
           </a:prstGeom>
         </p:spPr>
         <p:txBody>
-          <a:bodyPr anchorCtr="0" anchor="t" bIns="91425" lIns="91425" spcFirstLastPara="1" rIns="91425" wrap="square" tIns="91425">
+          <a:bodyPr spcFirstLastPara="1" wrap="square" lIns="91425" tIns="91425" rIns="91425" bIns="91425" anchor="t" anchorCtr="0">
             <a:noAutofit/>
           </a:bodyPr>
           <a:lstStyle/>
           <a:p>
-            <a:pPr indent="0" lvl="0" marL="0" rtl="0" algn="l">
+            <a:pPr marL="0" lvl="0" indent="0" algn="l" rtl="0">
               <a:spcBef>
                 <a:spcPts val="0"/>
               </a:spcBef>
@@ -7734,9 +8453,11 @@
       <p:sp>
         <p:nvSpPr>
           <p:cNvPr id="88" name="Google Shape;88;p18"/>
-          <p:cNvSpPr txBox="1"/>
+          <p:cNvSpPr txBox="1">
+            <a:spLocks noGrp="1"/>
+          </p:cNvSpPr>
           <p:nvPr>
-            <p:ph idx="1" type="body"/>
+            <p:ph type="body" idx="1"/>
           </p:nvPr>
         </p:nvSpPr>
         <p:spPr>
@@ -7749,12 +8470,12 @@
           </a:prstGeom>
         </p:spPr>
         <p:txBody>
-          <a:bodyPr anchorCtr="0" anchor="t" bIns="91425" lIns="91425" spcFirstLastPara="1" rIns="91425" wrap="square" tIns="91425">
+          <a:bodyPr spcFirstLastPara="1" wrap="square" lIns="91425" tIns="91425" rIns="91425" bIns="91425" anchor="t" anchorCtr="0">
             <a:noAutofit/>
           </a:bodyPr>
           <a:lstStyle/>
           <a:p>
-            <a:pPr indent="0" lvl="0" marL="0" rtl="0" algn="l">
+            <a:pPr marL="0" lvl="0" indent="0" algn="l" rtl="0">
               <a:spcBef>
                 <a:spcPts val="0"/>
               </a:spcBef>
@@ -7770,7 +8491,7 @@
             <a:endParaRPr/>
           </a:p>
           <a:p>
-            <a:pPr indent="-342900" lvl="0" marL="457200" rtl="0" algn="l">
+            <a:pPr marL="457200" lvl="0" indent="-342900" algn="l" rtl="0">
               <a:spcBef>
                 <a:spcPts val="1600"/>
               </a:spcBef>
@@ -7787,7 +8508,7 @@
             <a:endParaRPr/>
           </a:p>
           <a:p>
-            <a:pPr indent="-342900" lvl="0" marL="457200" rtl="0" algn="l">
+            <a:pPr marL="457200" lvl="0" indent="-342900" algn="l" rtl="0">
               <a:spcBef>
                 <a:spcPts val="0"/>
               </a:spcBef>
@@ -7804,7 +8525,7 @@
             <a:endParaRPr/>
           </a:p>
           <a:p>
-            <a:pPr indent="-342900" lvl="0" marL="457200" rtl="0" algn="l">
+            <a:pPr marL="457200" lvl="0" indent="-342900" algn="l" rtl="0">
               <a:spcBef>
                 <a:spcPts val="0"/>
               </a:spcBef>
@@ -7821,7 +8542,7 @@
             <a:endParaRPr/>
           </a:p>
           <a:p>
-            <a:pPr indent="-342900" lvl="0" marL="457200" rtl="0" algn="l">
+            <a:pPr marL="457200" lvl="0" indent="-342900" algn="l" rtl="0">
               <a:spcBef>
                 <a:spcPts val="0"/>
               </a:spcBef>
@@ -7838,7 +8559,7 @@
             <a:endParaRPr/>
           </a:p>
           <a:p>
-            <a:pPr indent="0" lvl="0" marL="0" rtl="0" algn="l">
+            <a:pPr marL="0" lvl="0" indent="0" algn="l" rtl="0">
               <a:spcBef>
                 <a:spcPts val="1600"/>
               </a:spcBef>
@@ -7854,7 +8575,7 @@
             <a:endParaRPr/>
           </a:p>
           <a:p>
-            <a:pPr indent="0" lvl="0" marL="0" rtl="0" algn="l">
+            <a:pPr marL="0" lvl="0" indent="0" algn="l" rtl="0">
               <a:spcBef>
                 <a:spcPts val="1600"/>
               </a:spcBef>
@@ -7879,12 +8600,12 @@
 </p:sld>
 </file>
 
-<file path=ppt/slides/slide7.xml><?xml version="1.0" encoding="utf-8"?>
-<p:sld xmlns:a="http://schemas.openxmlformats.org/drawingml/2006/main" xmlns:r="http://schemas.openxmlformats.org/officeDocument/2006/relationships" xmlns:mc="http://schemas.openxmlformats.org/markup-compatibility/2006" xmlns:mv="urn:schemas-microsoft-com:mac:vml" xmlns:p="http://schemas.openxmlformats.org/presentationml/2006/main" xmlns:c="http://schemas.openxmlformats.org/drawingml/2006/chart" xmlns:dgm="http://schemas.openxmlformats.org/drawingml/2006/diagram" xmlns:o="urn:schemas-microsoft-com:office:office" xmlns:v="urn:schemas-microsoft-com:vml" xmlns:pvml="urn:schemas-microsoft-com:office:powerpoint" xmlns:com="http://schemas.openxmlformats.org/drawingml/2006/compatibility" xmlns:p14="http://schemas.microsoft.com/office/powerpoint/2010/main" xmlns:p15="http://schemas.microsoft.com/office/powerpoint/2012/main">
+<file path=ppt/slides/slide8.xml><?xml version="1.0" encoding="utf-8"?>
+<p:sld xmlns:a="http://schemas.openxmlformats.org/drawingml/2006/main" xmlns:r="http://schemas.openxmlformats.org/officeDocument/2006/relationships" xmlns:p="http://schemas.openxmlformats.org/presentationml/2006/main">
   <p:cSld>
     <p:spTree>
       <p:nvGrpSpPr>
-        <p:cNvPr id="92" name="Shape 92"/>
+        <p:cNvPr id="1" name="Shape 92"/>
         <p:cNvGrpSpPr/>
         <p:nvPr/>
       </p:nvGrpSpPr>
@@ -7899,7 +8620,9 @@
       <p:sp>
         <p:nvSpPr>
           <p:cNvPr id="93" name="Google Shape;93;p19"/>
-          <p:cNvSpPr txBox="1"/>
+          <p:cNvSpPr txBox="1">
+            <a:spLocks noGrp="1"/>
+          </p:cNvSpPr>
           <p:nvPr>
             <p:ph type="title"/>
           </p:nvPr>
@@ -7914,12 +8637,12 @@
           </a:prstGeom>
         </p:spPr>
         <p:txBody>
-          <a:bodyPr anchorCtr="0" anchor="t" bIns="91425" lIns="91425" spcFirstLastPara="1" rIns="91425" wrap="square" tIns="91425">
+          <a:bodyPr spcFirstLastPara="1" wrap="square" lIns="91425" tIns="91425" rIns="91425" bIns="91425" anchor="t" anchorCtr="0">
             <a:noAutofit/>
           </a:bodyPr>
           <a:lstStyle/>
           <a:p>
-            <a:pPr indent="0" lvl="0" marL="0" rtl="0" algn="l">
+            <a:pPr marL="0" lvl="0" indent="0" algn="l" rtl="0">
               <a:spcBef>
                 <a:spcPts val="0"/>
               </a:spcBef>
@@ -7939,9 +8662,11 @@
       <p:sp>
         <p:nvSpPr>
           <p:cNvPr id="94" name="Google Shape;94;p19"/>
-          <p:cNvSpPr txBox="1"/>
+          <p:cNvSpPr txBox="1">
+            <a:spLocks noGrp="1"/>
+          </p:cNvSpPr>
           <p:nvPr>
-            <p:ph idx="1" type="body"/>
+            <p:ph type="body" idx="1"/>
           </p:nvPr>
         </p:nvSpPr>
         <p:spPr>
@@ -7954,12 +8679,12 @@
           </a:prstGeom>
         </p:spPr>
         <p:txBody>
-          <a:bodyPr anchorCtr="0" anchor="t" bIns="91425" lIns="91425" spcFirstLastPara="1" rIns="91425" wrap="square" tIns="91425">
+          <a:bodyPr spcFirstLastPara="1" wrap="square" lIns="91425" tIns="91425" rIns="91425" bIns="91425" anchor="t" anchorCtr="0">
             <a:noAutofit/>
           </a:bodyPr>
           <a:lstStyle/>
           <a:p>
-            <a:pPr indent="0" lvl="0" marL="0" rtl="0" algn="l">
+            <a:pPr marL="0" lvl="0" indent="0" algn="l" rtl="0">
               <a:spcBef>
                 <a:spcPts val="0"/>
               </a:spcBef>
@@ -7975,7 +8700,7 @@
             <a:endParaRPr/>
           </a:p>
           <a:p>
-            <a:pPr indent="0" lvl="0" marL="0" rtl="0" algn="l">
+            <a:pPr marL="0" lvl="0" indent="0" algn="l" rtl="0">
               <a:spcBef>
                 <a:spcPts val="1600"/>
               </a:spcBef>
@@ -7986,20 +8711,12 @@
             </a:pPr>
             <a:r>
               <a:rPr lang="en"/>
-              <a:t>Vector: </a:t>
+              <a:t>Vector: a = [0,’t’,2,’Y’,4]</a:t>
             </a:r>
-            <a:r>
-              <a:rPr lang="en"/>
-              <a:t>a</a:t>
-            </a:r>
-            <a:r>
-              <a:rPr lang="en"/>
-              <a:t> = [0,’t’,2,’Y’,4]</a:t>
-            </a:r>
-            <a:endParaRPr/>
-          </a:p>
-          <a:p>
-            <a:pPr indent="0" lvl="0" marL="0" rtl="0" algn="l">
+            <a:endParaRPr/>
+          </a:p>
+          <a:p>
+            <a:pPr marL="0" lvl="0" indent="0" algn="l" rtl="0">
               <a:spcBef>
                 <a:spcPts val="1600"/>
               </a:spcBef>
@@ -8015,7 +8732,7 @@
             <a:endParaRPr/>
           </a:p>
           <a:p>
-            <a:pPr indent="0" lvl="0" marL="0" rtl="0" algn="l">
+            <a:pPr marL="0" lvl="0" indent="0" algn="l" rtl="0">
               <a:spcBef>
                 <a:spcPts val="1600"/>
               </a:spcBef>
@@ -8031,7 +8748,7 @@
             <a:endParaRPr/>
           </a:p>
           <a:p>
-            <a:pPr indent="0" lvl="0" marL="0" rtl="0" algn="l">
+            <a:pPr marL="0" lvl="0" indent="0" algn="l" rtl="0">
               <a:spcBef>
                 <a:spcPts val="1600"/>
               </a:spcBef>
@@ -8042,11 +8759,7 @@
             </a:pPr>
             <a:r>
               <a:rPr lang="en"/>
-              <a:t>c</a:t>
-            </a:r>
-            <a:r>
-              <a:rPr lang="en"/>
-              <a:t> = ‘Python’</a:t>
+              <a:t>c = ‘Python’</a:t>
             </a:r>
             <a:endParaRPr/>
           </a:p>
@@ -8060,12 +8773,12 @@
 </p:sld>
 </file>
 
-<file path=ppt/slides/slide8.xml><?xml version="1.0" encoding="utf-8"?>
-<p:sld xmlns:a="http://schemas.openxmlformats.org/drawingml/2006/main" xmlns:r="http://schemas.openxmlformats.org/officeDocument/2006/relationships" xmlns:mc="http://schemas.openxmlformats.org/markup-compatibility/2006" xmlns:mv="urn:schemas-microsoft-com:mac:vml" xmlns:p="http://schemas.openxmlformats.org/presentationml/2006/main" xmlns:c="http://schemas.openxmlformats.org/drawingml/2006/chart" xmlns:dgm="http://schemas.openxmlformats.org/drawingml/2006/diagram" xmlns:o="urn:schemas-microsoft-com:office:office" xmlns:v="urn:schemas-microsoft-com:vml" xmlns:pvml="urn:schemas-microsoft-com:office:powerpoint" xmlns:com="http://schemas.openxmlformats.org/drawingml/2006/compatibility" xmlns:p14="http://schemas.microsoft.com/office/powerpoint/2010/main" xmlns:p15="http://schemas.microsoft.com/office/powerpoint/2012/main">
+<file path=ppt/slides/slide9.xml><?xml version="1.0" encoding="utf-8"?>
+<p:sld xmlns:a="http://schemas.openxmlformats.org/drawingml/2006/main" xmlns:r="http://schemas.openxmlformats.org/officeDocument/2006/relationships" xmlns:p="http://schemas.openxmlformats.org/presentationml/2006/main">
   <p:cSld>
     <p:spTree>
       <p:nvGrpSpPr>
-        <p:cNvPr id="98" name="Shape 98"/>
+        <p:cNvPr id="1" name="Shape 98"/>
         <p:cNvGrpSpPr/>
         <p:nvPr/>
       </p:nvGrpSpPr>
@@ -8080,7 +8793,9 @@
       <p:sp>
         <p:nvSpPr>
           <p:cNvPr id="99" name="Google Shape;99;p20"/>
-          <p:cNvSpPr txBox="1"/>
+          <p:cNvSpPr txBox="1">
+            <a:spLocks noGrp="1"/>
+          </p:cNvSpPr>
           <p:nvPr>
             <p:ph type="title"/>
           </p:nvPr>
@@ -8095,12 +8810,12 @@
           </a:prstGeom>
         </p:spPr>
         <p:txBody>
-          <a:bodyPr anchorCtr="0" anchor="t" bIns="91425" lIns="91425" spcFirstLastPara="1" rIns="91425" wrap="square" tIns="91425">
+          <a:bodyPr spcFirstLastPara="1" wrap="square" lIns="91425" tIns="91425" rIns="91425" bIns="91425" anchor="t" anchorCtr="0">
             <a:noAutofit/>
           </a:bodyPr>
           <a:lstStyle/>
           <a:p>
-            <a:pPr indent="0" lvl="0" marL="0" rtl="0" algn="l">
+            <a:pPr marL="0" lvl="0" indent="0" algn="l" rtl="0">
               <a:spcBef>
                 <a:spcPts val="0"/>
               </a:spcBef>
@@ -8120,9 +8835,11 @@
       <p:sp>
         <p:nvSpPr>
           <p:cNvPr id="100" name="Google Shape;100;p20"/>
-          <p:cNvSpPr txBox="1"/>
+          <p:cNvSpPr txBox="1">
+            <a:spLocks noGrp="1"/>
+          </p:cNvSpPr>
           <p:nvPr>
-            <p:ph idx="1" type="body"/>
+            <p:ph type="body" idx="1"/>
           </p:nvPr>
         </p:nvSpPr>
         <p:spPr>
@@ -8135,12 +8852,12 @@
           </a:prstGeom>
         </p:spPr>
         <p:txBody>
-          <a:bodyPr anchorCtr="0" anchor="t" bIns="91425" lIns="91425" spcFirstLastPara="1" rIns="91425" wrap="square" tIns="91425">
+          <a:bodyPr spcFirstLastPara="1" wrap="square" lIns="91425" tIns="91425" rIns="91425" bIns="91425" anchor="t" anchorCtr="0">
             <a:noAutofit/>
           </a:bodyPr>
           <a:lstStyle/>
           <a:p>
-            <a:pPr indent="0" lvl="0" marL="0" rtl="0" algn="l">
+            <a:pPr marL="0" lvl="0" indent="0" algn="l" rtl="0">
               <a:spcBef>
                 <a:spcPts val="0"/>
               </a:spcBef>
@@ -8156,7 +8873,7 @@
             <a:endParaRPr/>
           </a:p>
           <a:p>
-            <a:pPr indent="0" lvl="0" marL="0" rtl="0" algn="l">
+            <a:pPr marL="0" lvl="0" indent="0" algn="l" rtl="0">
               <a:spcBef>
                 <a:spcPts val="1600"/>
               </a:spcBef>
@@ -8165,13 +8882,10 @@
               </a:spcAft>
               <a:buNone/>
             </a:pPr>
-            <a:r>
-              <a:t/>
-            </a:r>
-            <a:endParaRPr/>
-          </a:p>
-          <a:p>
-            <a:pPr indent="0" lvl="0" marL="0" rtl="0" algn="l">
+            <a:endParaRPr/>
+          </a:p>
+          <a:p>
+            <a:pPr marL="0" lvl="0" indent="0" algn="l" rtl="0">
               <a:spcBef>
                 <a:spcPts val="1600"/>
               </a:spcBef>
@@ -8180,13 +8894,10 @@
               </a:spcAft>
               <a:buNone/>
             </a:pPr>
-            <a:r>
-              <a:t/>
-            </a:r>
-            <a:endParaRPr/>
-          </a:p>
-          <a:p>
-            <a:pPr indent="0" lvl="0" marL="0" rtl="0" algn="l">
+            <a:endParaRPr/>
+          </a:p>
+          <a:p>
+            <a:pPr marL="0" lvl="0" indent="0" algn="l" rtl="0">
               <a:spcBef>
                 <a:spcPts val="1600"/>
               </a:spcBef>
@@ -8195,13 +8906,10 @@
               </a:spcAft>
               <a:buNone/>
             </a:pPr>
-            <a:r>
-              <a:t/>
-            </a:r>
-            <a:endParaRPr/>
-          </a:p>
-          <a:p>
-            <a:pPr indent="0" lvl="0" marL="0" rtl="0" algn="l">
+            <a:endParaRPr/>
+          </a:p>
+          <a:p>
+            <a:pPr marL="0" lvl="0" indent="0" algn="l" rtl="0">
               <a:spcBef>
                 <a:spcPts val="1600"/>
               </a:spcBef>
@@ -8254,199 +8962,8 @@
 </p:sld>
 </file>
 
-<file path=ppt/slides/slide9.xml><?xml version="1.0" encoding="utf-8"?>
-<p:sld xmlns:a="http://schemas.openxmlformats.org/drawingml/2006/main" xmlns:r="http://schemas.openxmlformats.org/officeDocument/2006/relationships" xmlns:mc="http://schemas.openxmlformats.org/markup-compatibility/2006" xmlns:mv="urn:schemas-microsoft-com:mac:vml" xmlns:p="http://schemas.openxmlformats.org/presentationml/2006/main" xmlns:c="http://schemas.openxmlformats.org/drawingml/2006/chart" xmlns:dgm="http://schemas.openxmlformats.org/drawingml/2006/diagram" xmlns:o="urn:schemas-microsoft-com:office:office" xmlns:v="urn:schemas-microsoft-com:vml" xmlns:pvml="urn:schemas-microsoft-com:office:powerpoint" xmlns:com="http://schemas.openxmlformats.org/drawingml/2006/compatibility" xmlns:p14="http://schemas.microsoft.com/office/powerpoint/2010/main" xmlns:p15="http://schemas.microsoft.com/office/powerpoint/2012/main">
-  <p:cSld>
-    <p:spTree>
-      <p:nvGrpSpPr>
-        <p:cNvPr id="105" name="Shape 105"/>
-        <p:cNvGrpSpPr/>
-        <p:nvPr/>
-      </p:nvGrpSpPr>
-      <p:grpSpPr>
-        <a:xfrm>
-          <a:off x="0" y="0"/>
-          <a:ext cx="0" cy="0"/>
-          <a:chOff x="0" y="0"/>
-          <a:chExt cx="0" cy="0"/>
-        </a:xfrm>
-      </p:grpSpPr>
-      <p:sp>
-        <p:nvSpPr>
-          <p:cNvPr id="106" name="Google Shape;106;p21"/>
-          <p:cNvSpPr txBox="1"/>
-          <p:nvPr>
-            <p:ph type="title"/>
-          </p:nvPr>
-        </p:nvSpPr>
-        <p:spPr>
-          <a:xfrm>
-            <a:off x="311700" y="445025"/>
-            <a:ext cx="8520600" cy="572700"/>
-          </a:xfrm>
-          <a:prstGeom prst="rect">
-            <a:avLst/>
-          </a:prstGeom>
-        </p:spPr>
-        <p:txBody>
-          <a:bodyPr anchorCtr="0" anchor="t" bIns="91425" lIns="91425" spcFirstLastPara="1" rIns="91425" wrap="square" tIns="91425">
-            <a:noAutofit/>
-          </a:bodyPr>
-          <a:lstStyle/>
-          <a:p>
-            <a:pPr indent="0" lvl="0" marL="0" rtl="0" algn="l">
-              <a:spcBef>
-                <a:spcPts val="0"/>
-              </a:spcBef>
-              <a:spcAft>
-                <a:spcPts val="0"/>
-              </a:spcAft>
-              <a:buNone/>
-            </a:pPr>
-            <a:r>
-              <a:rPr lang="en"/>
-              <a:t>For Loops</a:t>
-            </a:r>
-            <a:endParaRPr/>
-          </a:p>
-        </p:txBody>
-      </p:sp>
-      <p:sp>
-        <p:nvSpPr>
-          <p:cNvPr id="107" name="Google Shape;107;p21"/>
-          <p:cNvSpPr txBox="1"/>
-          <p:nvPr>
-            <p:ph idx="1" type="body"/>
-          </p:nvPr>
-        </p:nvSpPr>
-        <p:spPr>
-          <a:xfrm>
-            <a:off x="311700" y="1152475"/>
-            <a:ext cx="8520600" cy="3416400"/>
-          </a:xfrm>
-          <a:prstGeom prst="rect">
-            <a:avLst/>
-          </a:prstGeom>
-        </p:spPr>
-        <p:txBody>
-          <a:bodyPr anchorCtr="0" anchor="t" bIns="91425" lIns="91425" spcFirstLastPara="1" rIns="91425" wrap="square" tIns="91425">
-            <a:noAutofit/>
-          </a:bodyPr>
-          <a:lstStyle/>
-          <a:p>
-            <a:pPr indent="0" lvl="0" marL="0" rtl="0" algn="l">
-              <a:spcBef>
-                <a:spcPts val="0"/>
-              </a:spcBef>
-              <a:spcAft>
-                <a:spcPts val="0"/>
-              </a:spcAft>
-              <a:buNone/>
-            </a:pPr>
-            <a:r>
-              <a:rPr lang="en"/>
-              <a:t>For loops are used to iterate through a list and perform an operation on each element. For example, to print each letter of c=’Python’ using a for loop:</a:t>
-            </a:r>
-            <a:endParaRPr/>
-          </a:p>
-          <a:p>
-            <a:pPr indent="0" lvl="0" marL="0" rtl="0" algn="l">
-              <a:spcBef>
-                <a:spcPts val="1600"/>
-              </a:spcBef>
-              <a:spcAft>
-                <a:spcPts val="0"/>
-              </a:spcAft>
-              <a:buNone/>
-            </a:pPr>
-            <a:r>
-              <a:rPr lang="en"/>
-              <a:t>f</a:t>
-            </a:r>
-            <a:r>
-              <a:rPr lang="en"/>
-              <a:t>or letter in c:</a:t>
-            </a:r>
-            <a:endParaRPr/>
-          </a:p>
-          <a:p>
-            <a:pPr indent="0" lvl="0" marL="0" rtl="0" algn="l">
-              <a:spcBef>
-                <a:spcPts val="1600"/>
-              </a:spcBef>
-              <a:spcAft>
-                <a:spcPts val="0"/>
-              </a:spcAft>
-              <a:buNone/>
-            </a:pPr>
-            <a:r>
-              <a:rPr lang="en"/>
-              <a:t>	print(letter)</a:t>
-            </a:r>
-            <a:endParaRPr/>
-          </a:p>
-          <a:p>
-            <a:pPr indent="0" lvl="0" marL="0" rtl="0" algn="l">
-              <a:spcBef>
-                <a:spcPts val="1600"/>
-              </a:spcBef>
-              <a:spcAft>
-                <a:spcPts val="0"/>
-              </a:spcAft>
-              <a:buNone/>
-            </a:pPr>
-            <a:r>
-              <a:rPr lang="en"/>
-              <a:t>Note two things:</a:t>
-            </a:r>
-            <a:endParaRPr/>
-          </a:p>
-          <a:p>
-            <a:pPr indent="-342900" lvl="0" marL="457200" rtl="0" algn="l">
-              <a:spcBef>
-                <a:spcPts val="1600"/>
-              </a:spcBef>
-              <a:spcAft>
-                <a:spcPts val="0"/>
-              </a:spcAft>
-              <a:buSzPts val="1800"/>
-              <a:buAutoNum type="arabicParenR"/>
-            </a:pPr>
-            <a:r>
-              <a:rPr lang="en"/>
-              <a:t>The syntax of the for loop is ‘for element in list’ so each element of the list will take a turn as element</a:t>
-            </a:r>
-            <a:endParaRPr/>
-          </a:p>
-          <a:p>
-            <a:pPr indent="-342900" lvl="0" marL="457200" rtl="0" algn="l">
-              <a:spcBef>
-                <a:spcPts val="0"/>
-              </a:spcBef>
-              <a:spcAft>
-                <a:spcPts val="0"/>
-              </a:spcAft>
-              <a:buSzPts val="1800"/>
-              <a:buAutoNum type="arabicParenR"/>
-            </a:pPr>
-            <a:r>
-              <a:rPr lang="en"/>
-              <a:t>The indentation.  Python uses significant whitespace.  The end of the for loop occurs when the indented block ends.</a:t>
-            </a:r>
-            <a:endParaRPr/>
-          </a:p>
-        </p:txBody>
-      </p:sp>
-    </p:spTree>
-  </p:cSld>
-  <p:clrMapOvr>
-    <a:masterClrMapping/>
-  </p:clrMapOvr>
-</p:sld>
-</file>
-
 <file path=ppt/theme/theme1.xml><?xml version="1.0" encoding="utf-8"?>
-<a:theme xmlns:a="http://schemas.openxmlformats.org/drawingml/2006/main" xmlns:r="http://schemas.openxmlformats.org/officeDocument/2006/relationships" name="Simple Light">
+<a:theme xmlns:a="http://schemas.openxmlformats.org/drawingml/2006/main" name="Simple Light">
   <a:themeElements>
     <a:clrScheme name="Simple Light">
       <a:dk1>
@@ -8721,11 +9238,13 @@
       </a:bgFillStyleLst>
     </a:fmtScheme>
   </a:themeElements>
+  <a:objectDefaults/>
+  <a:extraClrSchemeLst/>
 </a:theme>
 </file>
 
 <file path=ppt/theme/theme2.xml><?xml version="1.0" encoding="utf-8"?>
-<a:theme xmlns:a="http://schemas.openxmlformats.org/drawingml/2006/main" xmlns:r="http://schemas.openxmlformats.org/officeDocument/2006/relationships">
+<a:theme xmlns:a="http://schemas.openxmlformats.org/drawingml/2006/main">
   <a:themeElements>
     <a:clrScheme name="Default">
       <a:dk1>
@@ -9000,5 +9519,7 @@
       </a:bgFillStyleLst>
     </a:fmtScheme>
   </a:themeElements>
+  <a:objectDefaults/>
+  <a:extraClrSchemeLst/>
 </a:theme>
 </file>
--- a/units/10/lessons/1/resources/petascale-lesson-10.1-slides.pptx
+++ b/units/10/lessons/1/resources/petascale-lesson-10.1-slides.pptx
@@ -9,7 +9,7 @@
   </p:notesMasterIdLst>
   <p:sldIdLst>
     <p:sldId id="267" r:id="rId2"/>
-    <p:sldId id="268" r:id="rId3"/>
+    <p:sldId id="269" r:id="rId3"/>
     <p:sldId id="257" r:id="rId4"/>
     <p:sldId id="258" r:id="rId5"/>
     <p:sldId id="259" r:id="rId6"/>
@@ -6636,15 +6636,7 @@
                 <a:ea typeface="Times New Roman" charset="0"/>
                 <a:cs typeface="Times New Roman" charset="0"/>
               </a:rPr>
-              <a:t>Blue Waters Petascale</a:t>
-            </a:r>
-            <a:r>
-              <a:rPr lang="en-US" sz="2700" b="1" dirty="0">
-                <a:latin typeface="Times New Roman" charset="0"/>
-                <a:ea typeface="Times New Roman" charset="0"/>
-                <a:cs typeface="Times New Roman" charset="0"/>
-              </a:rPr>
-              <a:t> Semester Curriculum v1.0</a:t>
+              <a:t>Blue Waters Petascale Semester Curriculum v1.0</a:t>
             </a:r>
             <a:r>
               <a:rPr lang="en-US" sz="2700" dirty="0">
@@ -6667,15 +6659,7 @@
                 <a:ea typeface="Times New Roman" charset="0"/>
                 <a:cs typeface="Times New Roman" charset="0"/>
               </a:rPr>
-              <a:t>Unit </a:t>
-            </a:r>
-            <a:r>
-              <a:rPr lang="en-US" sz="2700" b="1" dirty="0">
-                <a:latin typeface="Times New Roman" charset="0"/>
-                <a:ea typeface="Times New Roman" charset="0"/>
-                <a:cs typeface="Times New Roman" charset="0"/>
-              </a:rPr>
-              <a:t>10: Productivity and </a:t>
+              <a:t>Unit 10: Productivity and </a:t>
             </a:r>
             <a:r>
               <a:rPr lang="en-US" sz="2700" b="1" dirty="0" smtClean="0">
@@ -6737,15 +6721,7 @@
                 <a:ea typeface="Times New Roman" charset="0"/>
                 <a:cs typeface="Times New Roman" charset="0"/>
               </a:rPr>
-              <a:t>by </a:t>
-            </a:r>
-            <a:r>
-              <a:rPr lang="en-US" sz="2700" i="1" dirty="0">
-                <a:latin typeface="Times New Roman" charset="0"/>
-                <a:ea typeface="Times New Roman" charset="0"/>
-                <a:cs typeface="Times New Roman" charset="0"/>
-              </a:rPr>
-              <a:t>Michael N. </a:t>
+              <a:t>by Michael N. </a:t>
             </a:r>
             <a:r>
               <a:rPr lang="en-US" sz="2700" i="1" dirty="0" smtClean="0">
@@ -7370,7 +7346,7 @@
         </p:nvSpPr>
         <p:spPr>
           <a:xfrm>
-            <a:off x="566059" y="0"/>
+            <a:off x="566057" y="0"/>
             <a:ext cx="8011886" cy="5143500"/>
           </a:xfrm>
         </p:spPr>
@@ -7417,7 +7393,23 @@
                 <a:ea typeface="Times New Roman" charset="0"/>
                 <a:cs typeface="Times New Roman" charset="0"/>
               </a:rPr>
-              <a:t>CC BY-NC 4.0. To view a copy of this license, visit </a:t>
+              <a:t>CC </a:t>
+            </a:r>
+            <a:r>
+              <a:rPr lang="en-US" sz="2100" dirty="0" smtClean="0">
+                <a:latin typeface="Times New Roman" charset="0"/>
+                <a:ea typeface="Times New Roman" charset="0"/>
+                <a:cs typeface="Times New Roman" charset="0"/>
+              </a:rPr>
+              <a:t>BY-SA </a:t>
+            </a:r>
+            <a:r>
+              <a:rPr lang="en-US" sz="2100" dirty="0">
+                <a:latin typeface="Times New Roman" charset="0"/>
+                <a:ea typeface="Times New Roman" charset="0"/>
+                <a:cs typeface="Times New Roman" charset="0"/>
+              </a:rPr>
+              <a:t>4.0. To view a copy of this license, visit </a:t>
             </a:r>
             <a:r>
               <a:rPr lang="en-US" sz="2100" dirty="0">
@@ -7426,7 +7418,16 @@
                 <a:cs typeface="Times New Roman" charset="0"/>
                 <a:hlinkClick r:id="rId2"/>
               </a:rPr>
-              <a:t>https://creativecommons.org/licenses/by-nc/4.0</a:t>
+              <a:t>https://</a:t>
+            </a:r>
+            <a:r>
+              <a:rPr lang="en-US" sz="2100" dirty="0" smtClean="0">
+                <a:latin typeface="Times New Roman" charset="0"/>
+                <a:ea typeface="Times New Roman" charset="0"/>
+                <a:cs typeface="Times New Roman" charset="0"/>
+                <a:hlinkClick r:id="rId2"/>
+              </a:rPr>
+              <a:t>creativecommons.org/licenses/by-sa/4.0</a:t>
             </a:r>
             <a:r>
               <a:rPr lang="en-US" sz="2100" dirty="0">
@@ -7580,20 +7581,13 @@
     </p:spTree>
     <p:extLst>
       <p:ext uri="{BB962C8B-B14F-4D97-AF65-F5344CB8AC3E}">
-        <p14:creationId xmlns:p14="http://schemas.microsoft.com/office/powerpoint/2010/main" val="759774954"/>
+        <p14:creationId xmlns:p14="http://schemas.microsoft.com/office/powerpoint/2010/main" val="2015729705"/>
       </p:ext>
     </p:extLst>
   </p:cSld>
   <p:clrMapOvr>
     <a:masterClrMapping/>
   </p:clrMapOvr>
-  <p:timing>
-    <p:tnLst>
-      <p:par>
-        <p:cTn id="1" dur="indefinite" restart="never" nodeType="tmRoot"/>
-      </p:par>
-    </p:tnLst>
-  </p:timing>
 </p:sld>
 </file>
 

--- a/units/10/lessons/1/resources/petascale-lesson-10.1-slides.pptx
+++ b/units/10/lessons/1/resources/petascale-lesson-10.1-slides.pptx
@@ -1242,7 +1242,7 @@
         </p:nvSpPr>
         <p:spPr>
           <a:xfrm>
-            <a:off x="381300" y="685800"/>
+            <a:off x="381000" y="685800"/>
             <a:ext cx="6096000" cy="3429000"/>
           </a:xfrm>
           <a:custGeom>
@@ -6638,14 +6638,6 @@
               </a:rPr>
               <a:t>Blue Waters Petascale Semester Curriculum v1.0</a:t>
             </a:r>
-            <a:r>
-              <a:rPr lang="en-US" sz="2700" dirty="0">
-                <a:latin typeface="Times New Roman" charset="0"/>
-                <a:ea typeface="Times New Roman" charset="0"/>
-                <a:cs typeface="Times New Roman" charset="0"/>
-              </a:rPr>
-              <a:t/>
-            </a:r>
             <a:br>
               <a:rPr lang="en-US" sz="2700" dirty="0">
                 <a:latin typeface="Times New Roman" charset="0"/>
@@ -6659,23 +6651,7 @@
                 <a:ea typeface="Times New Roman" charset="0"/>
                 <a:cs typeface="Times New Roman" charset="0"/>
               </a:rPr>
-              <a:t>Unit 10: Productivity and </a:t>
-            </a:r>
-            <a:r>
-              <a:rPr lang="en-US" sz="2700" b="1" dirty="0" smtClean="0">
-                <a:latin typeface="Times New Roman" charset="0"/>
-                <a:ea typeface="Times New Roman" charset="0"/>
-                <a:cs typeface="Times New Roman" charset="0"/>
-              </a:rPr>
-              <a:t>Visualization</a:t>
-            </a:r>
-            <a:r>
-              <a:rPr lang="en-US" sz="2700" b="1" dirty="0">
-                <a:latin typeface="Times New Roman" charset="0"/>
-                <a:ea typeface="Times New Roman" charset="0"/>
-                <a:cs typeface="Times New Roman" charset="0"/>
-              </a:rPr>
-              <a:t/>
+              <a:t>Unit 10: Productivity and Visualization</a:t>
             </a:r>
             <a:br>
               <a:rPr lang="en-US" sz="2700" b="1" dirty="0">
@@ -6690,54 +6666,22 @@
                 <a:ea typeface="Times New Roman" charset="0"/>
                 <a:cs typeface="Times New Roman" charset="0"/>
               </a:rPr>
-              <a:t>Lesson 1: Python Scripting </a:t>
-            </a:r>
-            <a:r>
-              <a:rPr lang="en-US" sz="2700" b="1" dirty="0" smtClean="0">
-                <a:latin typeface="Times New Roman" charset="0"/>
-                <a:ea typeface="Times New Roman" charset="0"/>
-                <a:cs typeface="Times New Roman" charset="0"/>
-              </a:rPr>
-              <a:t>1</a:t>
+              <a:t>Lesson 1: Python Scripting 1</a:t>
             </a:r>
             <a:br>
-              <a:rPr lang="en-US" sz="2700" b="1" dirty="0" smtClean="0">
+              <a:rPr lang="en-US" sz="2700" b="1" dirty="0">
                 <a:latin typeface="Times New Roman" charset="0"/>
                 <a:ea typeface="Times New Roman" charset="0"/>
                 <a:cs typeface="Times New Roman" charset="0"/>
               </a:rPr>
             </a:br>
             <a:r>
-              <a:rPr lang="en-US" sz="2700" i="1" dirty="0" smtClean="0">
-                <a:latin typeface="Times New Roman" charset="0"/>
-                <a:ea typeface="Times New Roman" charset="0"/>
-                <a:cs typeface="Times New Roman" charset="0"/>
-              </a:rPr>
-              <a:t>Developed </a:t>
-            </a:r>
-            <a:r>
               <a:rPr lang="en-US" sz="2700" i="1" dirty="0">
                 <a:latin typeface="Times New Roman" charset="0"/>
                 <a:ea typeface="Times New Roman" charset="0"/>
                 <a:cs typeface="Times New Roman" charset="0"/>
               </a:rPr>
-              <a:t>by Michael N. </a:t>
-            </a:r>
-            <a:r>
-              <a:rPr lang="en-US" sz="2700" i="1" dirty="0" smtClean="0">
-                <a:latin typeface="Times New Roman" charset="0"/>
-                <a:ea typeface="Times New Roman" charset="0"/>
-                <a:cs typeface="Times New Roman" charset="0"/>
-              </a:rPr>
-              <a:t>Groves</a:t>
-            </a:r>
-            <a:r>
-              <a:rPr lang="en-US" sz="2700" i="1" dirty="0">
-                <a:latin typeface="Times New Roman" charset="0"/>
-                <a:ea typeface="Times New Roman" charset="0"/>
-                <a:cs typeface="Times New Roman" charset="0"/>
-              </a:rPr>
-              <a:t/>
+              <a:t>Developed by Michael N. Groves</a:t>
             </a:r>
             <a:br>
               <a:rPr lang="en-US" sz="2700" i="1" dirty="0">
@@ -6767,13 +6711,6 @@
   <p:clrMapOvr>
     <a:masterClrMapping/>
   </p:clrMapOvr>
-  <p:timing>
-    <p:tnLst>
-      <p:par>
-        <p:cTn id="1" dur="indefinite" restart="never" nodeType="tmRoot"/>
-      </p:par>
-    </p:tnLst>
-  </p:timing>
 </p:sld>
 </file>
 
@@ -7393,23 +7330,7 @@
                 <a:ea typeface="Times New Roman" charset="0"/>
                 <a:cs typeface="Times New Roman" charset="0"/>
               </a:rPr>
-              <a:t>CC </a:t>
-            </a:r>
-            <a:r>
-              <a:rPr lang="en-US" sz="2100" dirty="0" smtClean="0">
-                <a:latin typeface="Times New Roman" charset="0"/>
-                <a:ea typeface="Times New Roman" charset="0"/>
-                <a:cs typeface="Times New Roman" charset="0"/>
-              </a:rPr>
-              <a:t>BY-SA </a:t>
-            </a:r>
-            <a:r>
-              <a:rPr lang="en-US" sz="2100" dirty="0">
-                <a:latin typeface="Times New Roman" charset="0"/>
-                <a:ea typeface="Times New Roman" charset="0"/>
-                <a:cs typeface="Times New Roman" charset="0"/>
-              </a:rPr>
-              <a:t>4.0. To view a copy of this license, visit </a:t>
+              <a:t>CC BY-SA 4.0. To view a copy of this license, visit </a:t>
             </a:r>
             <a:r>
               <a:rPr lang="en-US" sz="2100" dirty="0">
@@ -7418,24 +7339,7 @@
                 <a:cs typeface="Times New Roman" charset="0"/>
                 <a:hlinkClick r:id="rId2"/>
               </a:rPr>
-              <a:t>https://</a:t>
-            </a:r>
-            <a:r>
-              <a:rPr lang="en-US" sz="2100" dirty="0" smtClean="0">
-                <a:latin typeface="Times New Roman" charset="0"/>
-                <a:ea typeface="Times New Roman" charset="0"/>
-                <a:cs typeface="Times New Roman" charset="0"/>
-                <a:hlinkClick r:id="rId2"/>
-              </a:rPr>
-              <a:t>creativecommons.org/licenses/by-sa/4.0</a:t>
-            </a:r>
-            <a:r>
-              <a:rPr lang="en-US" sz="2100" dirty="0">
-                <a:latin typeface="Times New Roman" charset="0"/>
-                <a:ea typeface="Times New Roman" charset="0"/>
-                <a:cs typeface="Times New Roman" charset="0"/>
-              </a:rPr>
-              <a:t/>
+              <a:t>https://creativecommons.org/licenses/by-sa/4.0</a:t>
             </a:r>
             <a:br>
               <a:rPr lang="en-US" sz="2100" dirty="0">
@@ -7444,14 +7348,6 @@
                 <a:cs typeface="Times New Roman" charset="0"/>
               </a:rPr>
             </a:br>
-            <a:r>
-              <a:rPr lang="en-US" sz="2100" dirty="0">
-                <a:latin typeface="Times New Roman" charset="0"/>
-                <a:ea typeface="Times New Roman" charset="0"/>
-                <a:cs typeface="Times New Roman" charset="0"/>
-              </a:rPr>
-              <a:t/>
-            </a:r>
             <a:br>
               <a:rPr lang="en-US" sz="2100" dirty="0">
                 <a:latin typeface="Times New Roman" charset="0"/>
@@ -7476,14 +7372,6 @@
               </a:rPr>
               <a:t>http://shodor.org/petascale/materials/semester-curriculum</a:t>
             </a:r>
-            <a:r>
-              <a:rPr lang="en-US" sz="2100" dirty="0">
-                <a:latin typeface="Times New Roman" charset="0"/>
-                <a:ea typeface="Times New Roman" charset="0"/>
-                <a:cs typeface="Times New Roman" charset="0"/>
-              </a:rPr>
-              <a:t/>
-            </a:r>
             <a:br>
               <a:rPr lang="en-US" sz="2100" dirty="0">
                 <a:latin typeface="Times New Roman" charset="0"/>
@@ -7491,14 +7379,6 @@
                 <a:cs typeface="Times New Roman" charset="0"/>
               </a:rPr>
             </a:br>
-            <a:r>
-              <a:rPr lang="en-US" sz="2100" dirty="0">
-                <a:latin typeface="Times New Roman" charset="0"/>
-                <a:ea typeface="Times New Roman" charset="0"/>
-                <a:cs typeface="Times New Roman" charset="0"/>
-              </a:rPr>
-              <a:t/>
-            </a:r>
             <a:br>
               <a:rPr lang="en-US" sz="2100" dirty="0">
                 <a:latin typeface="Times New Roman" charset="0"/>
@@ -7523,14 +7403,6 @@
               </a:rPr>
               <a:t>https://github.com/shodor-education/petascale-semester-curriculum</a:t>
             </a:r>
-            <a:r>
-              <a:rPr lang="en-US" sz="2100" dirty="0">
-                <a:latin typeface="Times New Roman" charset="0"/>
-                <a:ea typeface="Times New Roman" charset="0"/>
-                <a:cs typeface="Times New Roman" charset="0"/>
-              </a:rPr>
-              <a:t/>
-            </a:r>
             <a:br>
               <a:rPr lang="en-US" sz="2100" dirty="0">
                 <a:latin typeface="Times New Roman" charset="0"/>
@@ -7538,14 +7410,6 @@
                 <a:cs typeface="Times New Roman" charset="0"/>
               </a:rPr>
             </a:br>
-            <a:r>
-              <a:rPr lang="en-US" sz="2100" dirty="0">
-                <a:latin typeface="Times New Roman" charset="0"/>
-                <a:ea typeface="Times New Roman" charset="0"/>
-                <a:cs typeface="Times New Roman" charset="0"/>
-              </a:rPr>
-              <a:t/>
-            </a:r>
             <a:br>
               <a:rPr lang="en-US" sz="2100" dirty="0">
                 <a:latin typeface="Times New Roman" charset="0"/>
@@ -7869,10 +7733,10 @@
               <a:buNone/>
             </a:pPr>
             <a:r>
-              <a:rPr lang="en"/>
+              <a:rPr lang="en" dirty="0"/>
               <a:t>Interpreted</a:t>
             </a:r>
-            <a:endParaRPr/>
+            <a:endParaRPr dirty="0"/>
           </a:p>
           <a:p>
             <a:pPr marL="0" lvl="0" indent="0" algn="l" rtl="0">
@@ -7885,10 +7749,10 @@
               <a:buNone/>
             </a:pPr>
             <a:r>
-              <a:rPr lang="en"/>
+              <a:rPr lang="en" dirty="0"/>
               <a:t>Definition: Source code is compiled when executed by an interpreter</a:t>
             </a:r>
-            <a:endParaRPr/>
+            <a:endParaRPr dirty="0"/>
           </a:p>
           <a:p>
             <a:pPr marL="0" lvl="0" indent="0" algn="l" rtl="0">
@@ -7901,10 +7765,10 @@
               <a:buNone/>
             </a:pPr>
             <a:r>
-              <a:rPr lang="en"/>
+              <a:rPr lang="en" dirty="0"/>
               <a:t>Advantages: Development of new code and changes to existing code are generally faster than with compiled code.  Prototyping code is typically simpler.  Code is portable to any system.</a:t>
             </a:r>
-            <a:endParaRPr/>
+            <a:endParaRPr dirty="0"/>
           </a:p>
           <a:p>
             <a:pPr marL="0" lvl="0" indent="0" algn="l" rtl="0">
@@ -7922,10 +7786,10 @@
               <a:buNone/>
             </a:pPr>
             <a:r>
-              <a:rPr lang="en"/>
+              <a:rPr lang="en" dirty="0"/>
               <a:t>Disadvantages: The execution of code is generally slower than compiled languages because it is ‘compiled’ on the spot each time you run the code.</a:t>
             </a:r>
-            <a:endParaRPr/>
+            <a:endParaRPr dirty="0"/>
           </a:p>
         </p:txBody>
       </p:sp>
@@ -7964,10 +7828,10 @@
               <a:buNone/>
             </a:pPr>
             <a:r>
-              <a:rPr lang="en"/>
+              <a:rPr lang="en" dirty="0"/>
               <a:t>Compiled</a:t>
             </a:r>
-            <a:endParaRPr/>
+            <a:endParaRPr dirty="0"/>
           </a:p>
           <a:p>
             <a:pPr marL="0" lvl="0" indent="0" algn="l" rtl="0">
@@ -7980,10 +7844,10 @@
               <a:buNone/>
             </a:pPr>
             <a:r>
-              <a:rPr lang="en"/>
+              <a:rPr lang="en" dirty="0"/>
               <a:t>Definition: Source code is translated into machine code to be executed later</a:t>
             </a:r>
-            <a:endParaRPr/>
+            <a:endParaRPr dirty="0"/>
           </a:p>
           <a:p>
             <a:pPr marL="0" lvl="0" indent="0" algn="l" rtl="0">
@@ -7996,10 +7860,10 @@
               <a:buNone/>
             </a:pPr>
             <a:r>
-              <a:rPr lang="en"/>
+              <a:rPr lang="en" dirty="0"/>
               <a:t>Advantages: Once compiled, the execution of code is generally faster than interpreted languages.  This is important for heavy resource applications</a:t>
             </a:r>
-            <a:endParaRPr/>
+            <a:endParaRPr dirty="0"/>
           </a:p>
           <a:p>
             <a:pPr marL="0" lvl="0" indent="0" algn="l" rtl="0">
@@ -8012,10 +7876,10 @@
               <a:buNone/>
             </a:pPr>
             <a:r>
-              <a:rPr lang="en"/>
+              <a:rPr lang="en" dirty="0"/>
               <a:t>Disadvantages: Speed of development is typically slower since each iteration must be compiled.  Compiled software can only be run on the system it was compiled on.</a:t>
             </a:r>
-            <a:endParaRPr/>
+            <a:endParaRPr dirty="0"/>
           </a:p>
         </p:txBody>
       </p:sp>
@@ -8180,34 +8044,6 @@
           </a:p>
         </p:txBody>
       </p:sp>
-      <p:pic>
-        <p:nvPicPr>
-          <p:cNvPr id="75" name="Google Shape;75;p16"/>
-          <p:cNvPicPr preferRelativeResize="0"/>
-          <p:nvPr/>
-        </p:nvPicPr>
-        <p:blipFill>
-          <a:blip r:embed="rId3">
-            <a:alphaModFix/>
-          </a:blip>
-          <a:stretch>
-            <a:fillRect/>
-          </a:stretch>
-        </p:blipFill>
-        <p:spPr>
-          <a:xfrm>
-            <a:off x="4730176" y="2420776"/>
-            <a:ext cx="4044700" cy="2478550"/>
-          </a:xfrm>
-          <a:prstGeom prst="rect">
-            <a:avLst/>
-          </a:prstGeom>
-          <a:noFill/>
-          <a:ln>
-            <a:noFill/>
-          </a:ln>
-        </p:spPr>
-      </p:pic>
     </p:spTree>
   </p:cSld>
   <p:clrMapOvr>
